--- a/study_group/meetup_slide_decks/Foundations_Lesson11a.pptx
+++ b/study_group/meetup_slide_decks/Foundations_Lesson11a.pptx
@@ -5,16 +5,18 @@
     <p:sldMasterId id="2147483648" r:id="rId2"/>
     <p:sldMasterId id="2147483661" r:id="rId3"/>
     <p:sldMasterId id="2147483674" r:id="rId4"/>
+    <p:sldMasterId id="2147483687" r:id="rId5"/>
+    <p:sldMasterId id="2147483700" r:id="rId6"/>
   </p:sldMasterIdLst>
   <p:sldIdLst>
-    <p:sldId id="256" r:id="rId5"/>
-    <p:sldId id="257" r:id="rId6"/>
-    <p:sldId id="258" r:id="rId7"/>
-    <p:sldId id="259" r:id="rId8"/>
-    <p:sldId id="260" r:id="rId9"/>
-    <p:sldId id="261" r:id="rId10"/>
-    <p:sldId id="262" r:id="rId11"/>
-    <p:sldId id="263" r:id="rId12"/>
+    <p:sldId id="256" r:id="rId7"/>
+    <p:sldId id="257" r:id="rId8"/>
+    <p:sldId id="258" r:id="rId9"/>
+    <p:sldId id="259" r:id="rId10"/>
+    <p:sldId id="260" r:id="rId11"/>
+    <p:sldId id="261" r:id="rId12"/>
+    <p:sldId id="262" r:id="rId13"/>
+    <p:sldId id="263" r:id="rId14"/>
   </p:sldIdLst>
   <p:sldSz cx="10080625" cy="5670550"/>
   <p:notesSz cx="7772400" cy="10058400"/>
@@ -73,7 +75,7 @@
         <p:spPr>
           <a:xfrm>
             <a:off x="504000" y="210600"/>
-            <a:ext cx="7017120" cy="946800"/>
+            <a:ext cx="7016760" cy="946800"/>
           </a:xfrm>
           <a:prstGeom prst="rect">
             <a:avLst/>
@@ -104,7 +106,7 @@
         <p:spPr>
           <a:xfrm>
             <a:off x="504000" y="1326600"/>
-            <a:ext cx="58680" cy="1567440"/>
+            <a:ext cx="58320" cy="1567080"/>
           </a:xfrm>
           <a:prstGeom prst="rect">
             <a:avLst/>
@@ -133,8 +135,8 @@
         </p:nvSpPr>
         <p:spPr>
           <a:xfrm>
-            <a:off x="504000" y="3043440"/>
-            <a:ext cx="58680" cy="1567440"/>
+            <a:off x="504000" y="3043080"/>
+            <a:ext cx="58320" cy="1567080"/>
           </a:xfrm>
           <a:prstGeom prst="rect">
             <a:avLst/>
@@ -186,7 +188,7 @@
         <p:spPr>
           <a:xfrm>
             <a:off x="504000" y="210600"/>
-            <a:ext cx="7017120" cy="946800"/>
+            <a:ext cx="7016760" cy="946800"/>
           </a:xfrm>
           <a:prstGeom prst="rect">
             <a:avLst/>
@@ -217,7 +219,7 @@
         <p:spPr>
           <a:xfrm>
             <a:off x="504000" y="1326600"/>
-            <a:ext cx="28440" cy="1567440"/>
+            <a:ext cx="28440" cy="1567080"/>
           </a:xfrm>
           <a:prstGeom prst="rect">
             <a:avLst/>
@@ -247,7 +249,7 @@
         <p:spPr>
           <a:xfrm>
             <a:off x="534240" y="1326600"/>
-            <a:ext cx="28440" cy="1567440"/>
+            <a:ext cx="28440" cy="1567080"/>
           </a:xfrm>
           <a:prstGeom prst="rect">
             <a:avLst/>
@@ -276,8 +278,8 @@
         </p:nvSpPr>
         <p:spPr>
           <a:xfrm>
-            <a:off x="504000" y="3043440"/>
-            <a:ext cx="28440" cy="1567440"/>
+            <a:off x="504000" y="3043080"/>
+            <a:ext cx="28440" cy="1567080"/>
           </a:xfrm>
           <a:prstGeom prst="rect">
             <a:avLst/>
@@ -306,8 +308,8 @@
         </p:nvSpPr>
         <p:spPr>
           <a:xfrm>
-            <a:off x="534240" y="3043440"/>
-            <a:ext cx="28440" cy="1567440"/>
+            <a:off x="534240" y="3043080"/>
+            <a:ext cx="28440" cy="1567080"/>
           </a:xfrm>
           <a:prstGeom prst="rect">
             <a:avLst/>
@@ -359,7 +361,7 @@
         <p:spPr>
           <a:xfrm>
             <a:off x="504000" y="210600"/>
-            <a:ext cx="7017120" cy="946800"/>
+            <a:ext cx="7016760" cy="946800"/>
           </a:xfrm>
           <a:prstGeom prst="rect">
             <a:avLst/>
@@ -390,7 +392,7 @@
         <p:spPr>
           <a:xfrm>
             <a:off x="504000" y="1326600"/>
-            <a:ext cx="18720" cy="1567440"/>
+            <a:ext cx="18360" cy="1567080"/>
           </a:xfrm>
           <a:prstGeom prst="rect">
             <a:avLst/>
@@ -419,8 +421,8 @@
         </p:nvSpPr>
         <p:spPr>
           <a:xfrm>
-            <a:off x="524160" y="1326600"/>
-            <a:ext cx="18720" cy="1567440"/>
+            <a:off x="523800" y="1326600"/>
+            <a:ext cx="18360" cy="1567080"/>
           </a:xfrm>
           <a:prstGeom prst="rect">
             <a:avLst/>
@@ -449,8 +451,8 @@
         </p:nvSpPr>
         <p:spPr>
           <a:xfrm>
-            <a:off x="543960" y="1326600"/>
-            <a:ext cx="18720" cy="1567440"/>
+            <a:off x="543240" y="1326600"/>
+            <a:ext cx="18360" cy="1567080"/>
           </a:xfrm>
           <a:prstGeom prst="rect">
             <a:avLst/>
@@ -479,8 +481,8 @@
         </p:nvSpPr>
         <p:spPr>
           <a:xfrm>
-            <a:off x="504000" y="3043440"/>
-            <a:ext cx="18720" cy="1567440"/>
+            <a:off x="504000" y="3043080"/>
+            <a:ext cx="18360" cy="1567080"/>
           </a:xfrm>
           <a:prstGeom prst="rect">
             <a:avLst/>
@@ -509,8 +511,8 @@
         </p:nvSpPr>
         <p:spPr>
           <a:xfrm>
-            <a:off x="524160" y="3043440"/>
-            <a:ext cx="18720" cy="1567440"/>
+            <a:off x="523800" y="3043080"/>
+            <a:ext cx="18360" cy="1567080"/>
           </a:xfrm>
           <a:prstGeom prst="rect">
             <a:avLst/>
@@ -539,8 +541,8 @@
         </p:nvSpPr>
         <p:spPr>
           <a:xfrm>
-            <a:off x="543960" y="3043440"/>
-            <a:ext cx="18720" cy="1567440"/>
+            <a:off x="543240" y="3043080"/>
+            <a:ext cx="18360" cy="1567080"/>
           </a:xfrm>
           <a:prstGeom prst="rect">
             <a:avLst/>
@@ -614,7 +616,7 @@
         <p:spPr>
           <a:xfrm>
             <a:off x="504000" y="210600"/>
-            <a:ext cx="7017120" cy="946800"/>
+            <a:ext cx="7016760" cy="946800"/>
           </a:xfrm>
           <a:prstGeom prst="rect">
             <a:avLst/>
@@ -644,8 +646,8 @@
         </p:nvSpPr>
         <p:spPr>
           <a:xfrm>
-            <a:off x="504000" y="-904320"/>
-            <a:ext cx="58680" cy="7748280"/>
+            <a:off x="504000" y="-904680"/>
+            <a:ext cx="58320" cy="7748280"/>
           </a:xfrm>
           <a:prstGeom prst="rect">
             <a:avLst/>
@@ -698,7 +700,7 @@
         <p:spPr>
           <a:xfrm>
             <a:off x="504000" y="210600"/>
-            <a:ext cx="7017120" cy="946800"/>
+            <a:ext cx="7016760" cy="946800"/>
           </a:xfrm>
           <a:prstGeom prst="rect">
             <a:avLst/>
@@ -729,7 +731,7 @@
         <p:spPr>
           <a:xfrm>
             <a:off x="504000" y="1326600"/>
-            <a:ext cx="58680" cy="3286080"/>
+            <a:ext cx="58320" cy="3285720"/>
           </a:xfrm>
           <a:prstGeom prst="rect">
             <a:avLst/>
@@ -781,7 +783,7 @@
         <p:spPr>
           <a:xfrm>
             <a:off x="504000" y="210600"/>
-            <a:ext cx="7017120" cy="946800"/>
+            <a:ext cx="7016760" cy="946800"/>
           </a:xfrm>
           <a:prstGeom prst="rect">
             <a:avLst/>
@@ -812,7 +814,7 @@
         <p:spPr>
           <a:xfrm>
             <a:off x="504000" y="1326600"/>
-            <a:ext cx="28440" cy="3286080"/>
+            <a:ext cx="28440" cy="3285720"/>
           </a:xfrm>
           <a:prstGeom prst="rect">
             <a:avLst/>
@@ -842,7 +844,7 @@
         <p:spPr>
           <a:xfrm>
             <a:off x="534240" y="1326600"/>
-            <a:ext cx="28440" cy="3286080"/>
+            <a:ext cx="28440" cy="3285720"/>
           </a:xfrm>
           <a:prstGeom prst="rect">
             <a:avLst/>
@@ -894,7 +896,7 @@
         <p:spPr>
           <a:xfrm>
             <a:off x="504000" y="210600"/>
-            <a:ext cx="7017120" cy="946800"/>
+            <a:ext cx="7016760" cy="946800"/>
           </a:xfrm>
           <a:prstGeom prst="rect">
             <a:avLst/>
@@ -947,7 +949,7 @@
         <p:spPr>
           <a:xfrm>
             <a:off x="504000" y="210600"/>
-            <a:ext cx="7017120" cy="4390200"/>
+            <a:ext cx="7016760" cy="4390200"/>
           </a:xfrm>
           <a:prstGeom prst="rect">
             <a:avLst/>
@@ -1000,7 +1002,7 @@
         <p:spPr>
           <a:xfrm>
             <a:off x="504000" y="210600"/>
-            <a:ext cx="7017120" cy="946800"/>
+            <a:ext cx="7016760" cy="946800"/>
           </a:xfrm>
           <a:prstGeom prst="rect">
             <a:avLst/>
@@ -1031,7 +1033,7 @@
         <p:spPr>
           <a:xfrm>
             <a:off x="504000" y="1326600"/>
-            <a:ext cx="28440" cy="1567440"/>
+            <a:ext cx="28440" cy="1567080"/>
           </a:xfrm>
           <a:prstGeom prst="rect">
             <a:avLst/>
@@ -1061,7 +1063,7 @@
         <p:spPr>
           <a:xfrm>
             <a:off x="534240" y="1326600"/>
-            <a:ext cx="28440" cy="3286080"/>
+            <a:ext cx="28440" cy="3285720"/>
           </a:xfrm>
           <a:prstGeom prst="rect">
             <a:avLst/>
@@ -1090,8 +1092,8 @@
         </p:nvSpPr>
         <p:spPr>
           <a:xfrm>
-            <a:off x="504000" y="3043440"/>
-            <a:ext cx="28440" cy="1567440"/>
+            <a:off x="504000" y="3043080"/>
+            <a:ext cx="28440" cy="1567080"/>
           </a:xfrm>
           <a:prstGeom prst="rect">
             <a:avLst/>
@@ -1143,7 +1145,7 @@
         <p:spPr>
           <a:xfrm>
             <a:off x="504000" y="210600"/>
-            <a:ext cx="7017120" cy="946800"/>
+            <a:ext cx="7016760" cy="946800"/>
           </a:xfrm>
           <a:prstGeom prst="rect">
             <a:avLst/>
@@ -1173,8 +1175,8 @@
         </p:nvSpPr>
         <p:spPr>
           <a:xfrm>
-            <a:off x="504000" y="-904320"/>
-            <a:ext cx="58680" cy="7748280"/>
+            <a:off x="504000" y="-904680"/>
+            <a:ext cx="58320" cy="7748280"/>
           </a:xfrm>
           <a:prstGeom prst="rect">
             <a:avLst/>
@@ -1227,7 +1229,7 @@
         <p:spPr>
           <a:xfrm>
             <a:off x="504000" y="210600"/>
-            <a:ext cx="7017120" cy="946800"/>
+            <a:ext cx="7016760" cy="946800"/>
           </a:xfrm>
           <a:prstGeom prst="rect">
             <a:avLst/>
@@ -1258,7 +1260,7 @@
         <p:spPr>
           <a:xfrm>
             <a:off x="504000" y="1326600"/>
-            <a:ext cx="28440" cy="3286080"/>
+            <a:ext cx="28440" cy="3285720"/>
           </a:xfrm>
           <a:prstGeom prst="rect">
             <a:avLst/>
@@ -1288,7 +1290,7 @@
         <p:spPr>
           <a:xfrm>
             <a:off x="534240" y="1326600"/>
-            <a:ext cx="28440" cy="1567440"/>
+            <a:ext cx="28440" cy="1567080"/>
           </a:xfrm>
           <a:prstGeom prst="rect">
             <a:avLst/>
@@ -1317,8 +1319,8 @@
         </p:nvSpPr>
         <p:spPr>
           <a:xfrm>
-            <a:off x="534240" y="3043440"/>
-            <a:ext cx="28440" cy="1567440"/>
+            <a:off x="534240" y="3043080"/>
+            <a:ext cx="28440" cy="1567080"/>
           </a:xfrm>
           <a:prstGeom prst="rect">
             <a:avLst/>
@@ -1370,7 +1372,7 @@
         <p:spPr>
           <a:xfrm>
             <a:off x="504000" y="210600"/>
-            <a:ext cx="7017120" cy="946800"/>
+            <a:ext cx="7016760" cy="946800"/>
           </a:xfrm>
           <a:prstGeom prst="rect">
             <a:avLst/>
@@ -1401,7 +1403,7 @@
         <p:spPr>
           <a:xfrm>
             <a:off x="504000" y="1326600"/>
-            <a:ext cx="28440" cy="1567440"/>
+            <a:ext cx="28440" cy="1567080"/>
           </a:xfrm>
           <a:prstGeom prst="rect">
             <a:avLst/>
@@ -1431,7 +1433,7 @@
         <p:spPr>
           <a:xfrm>
             <a:off x="534240" y="1326600"/>
-            <a:ext cx="28440" cy="1567440"/>
+            <a:ext cx="28440" cy="1567080"/>
           </a:xfrm>
           <a:prstGeom prst="rect">
             <a:avLst/>
@@ -1460,8 +1462,8 @@
         </p:nvSpPr>
         <p:spPr>
           <a:xfrm>
-            <a:off x="504000" y="3043440"/>
-            <a:ext cx="58680" cy="1567440"/>
+            <a:off x="504000" y="3043080"/>
+            <a:ext cx="58320" cy="1567080"/>
           </a:xfrm>
           <a:prstGeom prst="rect">
             <a:avLst/>
@@ -1513,7 +1515,7 @@
         <p:spPr>
           <a:xfrm>
             <a:off x="504000" y="210600"/>
-            <a:ext cx="7017120" cy="946800"/>
+            <a:ext cx="7016760" cy="946800"/>
           </a:xfrm>
           <a:prstGeom prst="rect">
             <a:avLst/>
@@ -1544,7 +1546,7 @@
         <p:spPr>
           <a:xfrm>
             <a:off x="504000" y="1326600"/>
-            <a:ext cx="58680" cy="1567440"/>
+            <a:ext cx="58320" cy="1567080"/>
           </a:xfrm>
           <a:prstGeom prst="rect">
             <a:avLst/>
@@ -1573,8 +1575,8 @@
         </p:nvSpPr>
         <p:spPr>
           <a:xfrm>
-            <a:off x="504000" y="3043440"/>
-            <a:ext cx="58680" cy="1567440"/>
+            <a:off x="504000" y="3043080"/>
+            <a:ext cx="58320" cy="1567080"/>
           </a:xfrm>
           <a:prstGeom prst="rect">
             <a:avLst/>
@@ -1626,7 +1628,7 @@
         <p:spPr>
           <a:xfrm>
             <a:off x="504000" y="210600"/>
-            <a:ext cx="7017120" cy="946800"/>
+            <a:ext cx="7016760" cy="946800"/>
           </a:xfrm>
           <a:prstGeom prst="rect">
             <a:avLst/>
@@ -1657,7 +1659,7 @@
         <p:spPr>
           <a:xfrm>
             <a:off x="504000" y="1326600"/>
-            <a:ext cx="28440" cy="1567440"/>
+            <a:ext cx="28440" cy="1567080"/>
           </a:xfrm>
           <a:prstGeom prst="rect">
             <a:avLst/>
@@ -1687,7 +1689,7 @@
         <p:spPr>
           <a:xfrm>
             <a:off x="534240" y="1326600"/>
-            <a:ext cx="28440" cy="1567440"/>
+            <a:ext cx="28440" cy="1567080"/>
           </a:xfrm>
           <a:prstGeom prst="rect">
             <a:avLst/>
@@ -1716,8 +1718,8 @@
         </p:nvSpPr>
         <p:spPr>
           <a:xfrm>
-            <a:off x="504000" y="3043440"/>
-            <a:ext cx="28440" cy="1567440"/>
+            <a:off x="504000" y="3043080"/>
+            <a:ext cx="28440" cy="1567080"/>
           </a:xfrm>
           <a:prstGeom prst="rect">
             <a:avLst/>
@@ -1746,8 +1748,8 @@
         </p:nvSpPr>
         <p:spPr>
           <a:xfrm>
-            <a:off x="534240" y="3043440"/>
-            <a:ext cx="28440" cy="1567440"/>
+            <a:off x="534240" y="3043080"/>
+            <a:ext cx="28440" cy="1567080"/>
           </a:xfrm>
           <a:prstGeom prst="rect">
             <a:avLst/>
@@ -1799,7 +1801,7 @@
         <p:spPr>
           <a:xfrm>
             <a:off x="504000" y="210600"/>
-            <a:ext cx="7017120" cy="946800"/>
+            <a:ext cx="7016760" cy="946800"/>
           </a:xfrm>
           <a:prstGeom prst="rect">
             <a:avLst/>
@@ -1830,7 +1832,7 @@
         <p:spPr>
           <a:xfrm>
             <a:off x="504000" y="1326600"/>
-            <a:ext cx="18720" cy="1567440"/>
+            <a:ext cx="18360" cy="1567080"/>
           </a:xfrm>
           <a:prstGeom prst="rect">
             <a:avLst/>
@@ -1859,8 +1861,8 @@
         </p:nvSpPr>
         <p:spPr>
           <a:xfrm>
-            <a:off x="524160" y="1326600"/>
-            <a:ext cx="18720" cy="1567440"/>
+            <a:off x="523800" y="1326600"/>
+            <a:ext cx="18360" cy="1567080"/>
           </a:xfrm>
           <a:prstGeom prst="rect">
             <a:avLst/>
@@ -1889,8 +1891,8 @@
         </p:nvSpPr>
         <p:spPr>
           <a:xfrm>
-            <a:off x="543960" y="1326600"/>
-            <a:ext cx="18720" cy="1567440"/>
+            <a:off x="543240" y="1326600"/>
+            <a:ext cx="18360" cy="1567080"/>
           </a:xfrm>
           <a:prstGeom prst="rect">
             <a:avLst/>
@@ -1919,8 +1921,8 @@
         </p:nvSpPr>
         <p:spPr>
           <a:xfrm>
-            <a:off x="504000" y="3043440"/>
-            <a:ext cx="18720" cy="1567440"/>
+            <a:off x="504000" y="3043080"/>
+            <a:ext cx="18360" cy="1567080"/>
           </a:xfrm>
           <a:prstGeom prst="rect">
             <a:avLst/>
@@ -1949,8 +1951,8 @@
         </p:nvSpPr>
         <p:spPr>
           <a:xfrm>
-            <a:off x="524160" y="3043440"/>
-            <a:ext cx="18720" cy="1567440"/>
+            <a:off x="523800" y="3043080"/>
+            <a:ext cx="18360" cy="1567080"/>
           </a:xfrm>
           <a:prstGeom prst="rect">
             <a:avLst/>
@@ -1979,8 +1981,8 @@
         </p:nvSpPr>
         <p:spPr>
           <a:xfrm>
-            <a:off x="543960" y="3043440"/>
-            <a:ext cx="18720" cy="1567440"/>
+            <a:off x="543240" y="3043080"/>
+            <a:ext cx="18360" cy="1567080"/>
           </a:xfrm>
           <a:prstGeom prst="rect">
             <a:avLst/>
@@ -2043,7 +2045,7 @@
       </p:grpSpPr>
       <p:sp>
         <p:nvSpPr>
-          <p:cNvPr id="82" name="PlaceHolder 1"/>
+          <p:cNvPr id="81" name="PlaceHolder 1"/>
           <p:cNvSpPr>
             <a:spLocks noGrp="1"/>
           </p:cNvSpPr>
@@ -2054,7 +2056,7 @@
         <p:spPr>
           <a:xfrm>
             <a:off x="504000" y="210600"/>
-            <a:ext cx="7017120" cy="946800"/>
+            <a:ext cx="7016760" cy="946800"/>
           </a:xfrm>
           <a:prstGeom prst="rect">
             <a:avLst/>
@@ -2074,7 +2076,7 @@
       </p:sp>
       <p:sp>
         <p:nvSpPr>
-          <p:cNvPr id="83" name="PlaceHolder 2"/>
+          <p:cNvPr id="82" name="PlaceHolder 2"/>
           <p:cNvSpPr>
             <a:spLocks noGrp="1"/>
           </p:cNvSpPr>
@@ -2084,8 +2086,8 @@
         </p:nvSpPr>
         <p:spPr>
           <a:xfrm>
-            <a:off x="504000" y="-904320"/>
-            <a:ext cx="58680" cy="7748280"/>
+            <a:off x="504000" y="-904680"/>
+            <a:ext cx="58320" cy="7748280"/>
           </a:xfrm>
           <a:prstGeom prst="rect">
             <a:avLst/>
@@ -2127,7 +2129,7 @@
       </p:grpSpPr>
       <p:sp>
         <p:nvSpPr>
-          <p:cNvPr id="84" name="PlaceHolder 1"/>
+          <p:cNvPr id="83" name="PlaceHolder 1"/>
           <p:cNvSpPr>
             <a:spLocks noGrp="1"/>
           </p:cNvSpPr>
@@ -2138,7 +2140,7 @@
         <p:spPr>
           <a:xfrm>
             <a:off x="504000" y="210600"/>
-            <a:ext cx="7017120" cy="946800"/>
+            <a:ext cx="7016760" cy="946800"/>
           </a:xfrm>
           <a:prstGeom prst="rect">
             <a:avLst/>
@@ -2158,7 +2160,7 @@
       </p:sp>
       <p:sp>
         <p:nvSpPr>
-          <p:cNvPr id="85" name="PlaceHolder 2"/>
+          <p:cNvPr id="84" name="PlaceHolder 2"/>
           <p:cNvSpPr>
             <a:spLocks noGrp="1"/>
           </p:cNvSpPr>
@@ -2169,7 +2171,7 @@
         <p:spPr>
           <a:xfrm>
             <a:off x="504000" y="1326600"/>
-            <a:ext cx="58680" cy="3286080"/>
+            <a:ext cx="58320" cy="3285720"/>
           </a:xfrm>
           <a:prstGeom prst="rect">
             <a:avLst/>
@@ -2210,7 +2212,7 @@
       </p:grpSpPr>
       <p:sp>
         <p:nvSpPr>
-          <p:cNvPr id="86" name="PlaceHolder 1"/>
+          <p:cNvPr id="85" name="PlaceHolder 1"/>
           <p:cNvSpPr>
             <a:spLocks noGrp="1"/>
           </p:cNvSpPr>
@@ -2221,7 +2223,7 @@
         <p:spPr>
           <a:xfrm>
             <a:off x="504000" y="210600"/>
-            <a:ext cx="7017120" cy="946800"/>
+            <a:ext cx="7016760" cy="946800"/>
           </a:xfrm>
           <a:prstGeom prst="rect">
             <a:avLst/>
@@ -2241,7 +2243,7 @@
       </p:sp>
       <p:sp>
         <p:nvSpPr>
-          <p:cNvPr id="87" name="PlaceHolder 2"/>
+          <p:cNvPr id="86" name="PlaceHolder 2"/>
           <p:cNvSpPr>
             <a:spLocks noGrp="1"/>
           </p:cNvSpPr>
@@ -2252,7 +2254,7 @@
         <p:spPr>
           <a:xfrm>
             <a:off x="504000" y="1326600"/>
-            <a:ext cx="28440" cy="3286080"/>
+            <a:ext cx="28440" cy="3285720"/>
           </a:xfrm>
           <a:prstGeom prst="rect">
             <a:avLst/>
@@ -2271,7 +2273,7 @@
       </p:sp>
       <p:sp>
         <p:nvSpPr>
-          <p:cNvPr id="88" name="PlaceHolder 3"/>
+          <p:cNvPr id="87" name="PlaceHolder 3"/>
           <p:cNvSpPr>
             <a:spLocks noGrp="1"/>
           </p:cNvSpPr>
@@ -2282,7 +2284,7 @@
         <p:spPr>
           <a:xfrm>
             <a:off x="534240" y="1326600"/>
-            <a:ext cx="28440" cy="3286080"/>
+            <a:ext cx="28440" cy="3285720"/>
           </a:xfrm>
           <a:prstGeom prst="rect">
             <a:avLst/>
@@ -2323,7 +2325,7 @@
       </p:grpSpPr>
       <p:sp>
         <p:nvSpPr>
-          <p:cNvPr id="89" name="PlaceHolder 1"/>
+          <p:cNvPr id="88" name="PlaceHolder 1"/>
           <p:cNvSpPr>
             <a:spLocks noGrp="1"/>
           </p:cNvSpPr>
@@ -2334,7 +2336,7 @@
         <p:spPr>
           <a:xfrm>
             <a:off x="504000" y="210600"/>
-            <a:ext cx="7017120" cy="946800"/>
+            <a:ext cx="7016760" cy="946800"/>
           </a:xfrm>
           <a:prstGeom prst="rect">
             <a:avLst/>
@@ -2387,7 +2389,7 @@
         <p:spPr>
           <a:xfrm>
             <a:off x="504000" y="210600"/>
-            <a:ext cx="7017120" cy="946800"/>
+            <a:ext cx="7016760" cy="946800"/>
           </a:xfrm>
           <a:prstGeom prst="rect">
             <a:avLst/>
@@ -2418,7 +2420,7 @@
         <p:spPr>
           <a:xfrm>
             <a:off x="504000" y="1326600"/>
-            <a:ext cx="58680" cy="3286080"/>
+            <a:ext cx="58320" cy="3285720"/>
           </a:xfrm>
           <a:prstGeom prst="rect">
             <a:avLst/>
@@ -2459,7 +2461,7 @@
       </p:grpSpPr>
       <p:sp>
         <p:nvSpPr>
-          <p:cNvPr id="90" name="PlaceHolder 1"/>
+          <p:cNvPr id="89" name="PlaceHolder 1"/>
           <p:cNvSpPr>
             <a:spLocks noGrp="1"/>
           </p:cNvSpPr>
@@ -2470,7 +2472,7 @@
         <p:spPr>
           <a:xfrm>
             <a:off x="504000" y="210600"/>
-            <a:ext cx="7017120" cy="4390200"/>
+            <a:ext cx="7016760" cy="4390200"/>
           </a:xfrm>
           <a:prstGeom prst="rect">
             <a:avLst/>
@@ -2512,7 +2514,7 @@
       </p:grpSpPr>
       <p:sp>
         <p:nvSpPr>
-          <p:cNvPr id="91" name="PlaceHolder 1"/>
+          <p:cNvPr id="90" name="PlaceHolder 1"/>
           <p:cNvSpPr>
             <a:spLocks noGrp="1"/>
           </p:cNvSpPr>
@@ -2523,7 +2525,7 @@
         <p:spPr>
           <a:xfrm>
             <a:off x="504000" y="210600"/>
-            <a:ext cx="7017120" cy="946800"/>
+            <a:ext cx="7016760" cy="946800"/>
           </a:xfrm>
           <a:prstGeom prst="rect">
             <a:avLst/>
@@ -2543,7 +2545,7 @@
       </p:sp>
       <p:sp>
         <p:nvSpPr>
-          <p:cNvPr id="92" name="PlaceHolder 2"/>
+          <p:cNvPr id="91" name="PlaceHolder 2"/>
           <p:cNvSpPr>
             <a:spLocks noGrp="1"/>
           </p:cNvSpPr>
@@ -2554,7 +2556,7 @@
         <p:spPr>
           <a:xfrm>
             <a:off x="504000" y="1326600"/>
-            <a:ext cx="28440" cy="1567440"/>
+            <a:ext cx="28440" cy="1567080"/>
           </a:xfrm>
           <a:prstGeom prst="rect">
             <a:avLst/>
@@ -2573,7 +2575,7 @@
       </p:sp>
       <p:sp>
         <p:nvSpPr>
-          <p:cNvPr id="93" name="PlaceHolder 3"/>
+          <p:cNvPr id="92" name="PlaceHolder 3"/>
           <p:cNvSpPr>
             <a:spLocks noGrp="1"/>
           </p:cNvSpPr>
@@ -2584,7 +2586,7 @@
         <p:spPr>
           <a:xfrm>
             <a:off x="534240" y="1326600"/>
-            <a:ext cx="28440" cy="3286080"/>
+            <a:ext cx="28440" cy="3285720"/>
           </a:xfrm>
           <a:prstGeom prst="rect">
             <a:avLst/>
@@ -2603,18 +2605,18 @@
       </p:sp>
       <p:sp>
         <p:nvSpPr>
-          <p:cNvPr id="94" name="PlaceHolder 4"/>
-          <p:cNvSpPr>
-            <a:spLocks noGrp="1"/>
-          </p:cNvSpPr>
-          <p:nvPr>
-            <p:ph type="body"/>
-          </p:nvPr>
-        </p:nvSpPr>
-        <p:spPr>
-          <a:xfrm>
-            <a:off x="504000" y="3043440"/>
-            <a:ext cx="28440" cy="1567440"/>
+          <p:cNvPr id="93" name="PlaceHolder 4"/>
+          <p:cNvSpPr>
+            <a:spLocks noGrp="1"/>
+          </p:cNvSpPr>
+          <p:nvPr>
+            <p:ph type="body"/>
+          </p:nvPr>
+        </p:nvSpPr>
+        <p:spPr>
+          <a:xfrm>
+            <a:off x="504000" y="3043080"/>
+            <a:ext cx="28440" cy="1567080"/>
           </a:xfrm>
           <a:prstGeom prst="rect">
             <a:avLst/>
@@ -2655,7 +2657,7 @@
       </p:grpSpPr>
       <p:sp>
         <p:nvSpPr>
-          <p:cNvPr id="95" name="PlaceHolder 1"/>
+          <p:cNvPr id="94" name="PlaceHolder 1"/>
           <p:cNvSpPr>
             <a:spLocks noGrp="1"/>
           </p:cNvSpPr>
@@ -2666,7 +2668,7 @@
         <p:spPr>
           <a:xfrm>
             <a:off x="504000" y="210600"/>
-            <a:ext cx="7017120" cy="946800"/>
+            <a:ext cx="7016760" cy="946800"/>
           </a:xfrm>
           <a:prstGeom prst="rect">
             <a:avLst/>
@@ -2686,7 +2688,7 @@
       </p:sp>
       <p:sp>
         <p:nvSpPr>
-          <p:cNvPr id="96" name="PlaceHolder 2"/>
+          <p:cNvPr id="95" name="PlaceHolder 2"/>
           <p:cNvSpPr>
             <a:spLocks noGrp="1"/>
           </p:cNvSpPr>
@@ -2697,7 +2699,7 @@
         <p:spPr>
           <a:xfrm>
             <a:off x="504000" y="1326600"/>
-            <a:ext cx="28440" cy="3286080"/>
+            <a:ext cx="28440" cy="3285720"/>
           </a:xfrm>
           <a:prstGeom prst="rect">
             <a:avLst/>
@@ -2716,7 +2718,7 @@
       </p:sp>
       <p:sp>
         <p:nvSpPr>
-          <p:cNvPr id="97" name="PlaceHolder 3"/>
+          <p:cNvPr id="96" name="PlaceHolder 3"/>
           <p:cNvSpPr>
             <a:spLocks noGrp="1"/>
           </p:cNvSpPr>
@@ -2727,7 +2729,7 @@
         <p:spPr>
           <a:xfrm>
             <a:off x="534240" y="1326600"/>
-            <a:ext cx="28440" cy="1567440"/>
+            <a:ext cx="28440" cy="1567080"/>
           </a:xfrm>
           <a:prstGeom prst="rect">
             <a:avLst/>
@@ -2746,18 +2748,18 @@
       </p:sp>
       <p:sp>
         <p:nvSpPr>
-          <p:cNvPr id="98" name="PlaceHolder 4"/>
-          <p:cNvSpPr>
-            <a:spLocks noGrp="1"/>
-          </p:cNvSpPr>
-          <p:nvPr>
-            <p:ph type="body"/>
-          </p:nvPr>
-        </p:nvSpPr>
-        <p:spPr>
-          <a:xfrm>
-            <a:off x="534240" y="3043440"/>
-            <a:ext cx="28440" cy="1567440"/>
+          <p:cNvPr id="97" name="PlaceHolder 4"/>
+          <p:cNvSpPr>
+            <a:spLocks noGrp="1"/>
+          </p:cNvSpPr>
+          <p:nvPr>
+            <p:ph type="body"/>
+          </p:nvPr>
+        </p:nvSpPr>
+        <p:spPr>
+          <a:xfrm>
+            <a:off x="534240" y="3043080"/>
+            <a:ext cx="28440" cy="1567080"/>
           </a:xfrm>
           <a:prstGeom prst="rect">
             <a:avLst/>
@@ -2798,7 +2800,7 @@
       </p:grpSpPr>
       <p:sp>
         <p:nvSpPr>
-          <p:cNvPr id="99" name="PlaceHolder 1"/>
+          <p:cNvPr id="98" name="PlaceHolder 1"/>
           <p:cNvSpPr>
             <a:spLocks noGrp="1"/>
           </p:cNvSpPr>
@@ -2809,7 +2811,7 @@
         <p:spPr>
           <a:xfrm>
             <a:off x="504000" y="210600"/>
-            <a:ext cx="7017120" cy="946800"/>
+            <a:ext cx="7016760" cy="946800"/>
           </a:xfrm>
           <a:prstGeom prst="rect">
             <a:avLst/>
@@ -2829,7 +2831,7 @@
       </p:sp>
       <p:sp>
         <p:nvSpPr>
-          <p:cNvPr id="100" name="PlaceHolder 2"/>
+          <p:cNvPr id="99" name="PlaceHolder 2"/>
           <p:cNvSpPr>
             <a:spLocks noGrp="1"/>
           </p:cNvSpPr>
@@ -2840,7 +2842,7 @@
         <p:spPr>
           <a:xfrm>
             <a:off x="504000" y="1326600"/>
-            <a:ext cx="28440" cy="1567440"/>
+            <a:ext cx="28440" cy="1567080"/>
           </a:xfrm>
           <a:prstGeom prst="rect">
             <a:avLst/>
@@ -2859,7 +2861,7 @@
       </p:sp>
       <p:sp>
         <p:nvSpPr>
-          <p:cNvPr id="101" name="PlaceHolder 3"/>
+          <p:cNvPr id="100" name="PlaceHolder 3"/>
           <p:cNvSpPr>
             <a:spLocks noGrp="1"/>
           </p:cNvSpPr>
@@ -2870,7 +2872,7 @@
         <p:spPr>
           <a:xfrm>
             <a:off x="534240" y="1326600"/>
-            <a:ext cx="28440" cy="1567440"/>
+            <a:ext cx="28440" cy="1567080"/>
           </a:xfrm>
           <a:prstGeom prst="rect">
             <a:avLst/>
@@ -2889,18 +2891,18 @@
       </p:sp>
       <p:sp>
         <p:nvSpPr>
-          <p:cNvPr id="102" name="PlaceHolder 4"/>
-          <p:cNvSpPr>
-            <a:spLocks noGrp="1"/>
-          </p:cNvSpPr>
-          <p:nvPr>
-            <p:ph type="body"/>
-          </p:nvPr>
-        </p:nvSpPr>
-        <p:spPr>
-          <a:xfrm>
-            <a:off x="504000" y="3043440"/>
-            <a:ext cx="58680" cy="1567440"/>
+          <p:cNvPr id="101" name="PlaceHolder 4"/>
+          <p:cNvSpPr>
+            <a:spLocks noGrp="1"/>
+          </p:cNvSpPr>
+          <p:nvPr>
+            <p:ph type="body"/>
+          </p:nvPr>
+        </p:nvSpPr>
+        <p:spPr>
+          <a:xfrm>
+            <a:off x="504000" y="3043080"/>
+            <a:ext cx="58320" cy="1567080"/>
           </a:xfrm>
           <a:prstGeom prst="rect">
             <a:avLst/>
@@ -2941,7 +2943,7 @@
       </p:grpSpPr>
       <p:sp>
         <p:nvSpPr>
-          <p:cNvPr id="103" name="PlaceHolder 1"/>
+          <p:cNvPr id="102" name="PlaceHolder 1"/>
           <p:cNvSpPr>
             <a:spLocks noGrp="1"/>
           </p:cNvSpPr>
@@ -2952,7 +2954,7 @@
         <p:spPr>
           <a:xfrm>
             <a:off x="504000" y="210600"/>
-            <a:ext cx="7017120" cy="946800"/>
+            <a:ext cx="7016760" cy="946800"/>
           </a:xfrm>
           <a:prstGeom prst="rect">
             <a:avLst/>
@@ -2972,7 +2974,7 @@
       </p:sp>
       <p:sp>
         <p:nvSpPr>
-          <p:cNvPr id="104" name="PlaceHolder 2"/>
+          <p:cNvPr id="103" name="PlaceHolder 2"/>
           <p:cNvSpPr>
             <a:spLocks noGrp="1"/>
           </p:cNvSpPr>
@@ -2983,7 +2985,7 @@
         <p:spPr>
           <a:xfrm>
             <a:off x="504000" y="1326600"/>
-            <a:ext cx="58680" cy="1567440"/>
+            <a:ext cx="58320" cy="1567080"/>
           </a:xfrm>
           <a:prstGeom prst="rect">
             <a:avLst/>
@@ -3002,18 +3004,18 @@
       </p:sp>
       <p:sp>
         <p:nvSpPr>
-          <p:cNvPr id="105" name="PlaceHolder 3"/>
-          <p:cNvSpPr>
-            <a:spLocks noGrp="1"/>
-          </p:cNvSpPr>
-          <p:nvPr>
-            <p:ph type="body"/>
-          </p:nvPr>
-        </p:nvSpPr>
-        <p:spPr>
-          <a:xfrm>
-            <a:off x="504000" y="3043440"/>
-            <a:ext cx="58680" cy="1567440"/>
+          <p:cNvPr id="104" name="PlaceHolder 3"/>
+          <p:cNvSpPr>
+            <a:spLocks noGrp="1"/>
+          </p:cNvSpPr>
+          <p:nvPr>
+            <p:ph type="body"/>
+          </p:nvPr>
+        </p:nvSpPr>
+        <p:spPr>
+          <a:xfrm>
+            <a:off x="504000" y="3043080"/>
+            <a:ext cx="58320" cy="1567080"/>
           </a:xfrm>
           <a:prstGeom prst="rect">
             <a:avLst/>
@@ -3054,7 +3056,7 @@
       </p:grpSpPr>
       <p:sp>
         <p:nvSpPr>
-          <p:cNvPr id="106" name="PlaceHolder 1"/>
+          <p:cNvPr id="105" name="PlaceHolder 1"/>
           <p:cNvSpPr>
             <a:spLocks noGrp="1"/>
           </p:cNvSpPr>
@@ -3065,7 +3067,7 @@
         <p:spPr>
           <a:xfrm>
             <a:off x="504000" y="210600"/>
-            <a:ext cx="7017120" cy="946800"/>
+            <a:ext cx="7016760" cy="946800"/>
           </a:xfrm>
           <a:prstGeom prst="rect">
             <a:avLst/>
@@ -3085,7 +3087,7 @@
       </p:sp>
       <p:sp>
         <p:nvSpPr>
-          <p:cNvPr id="107" name="PlaceHolder 2"/>
+          <p:cNvPr id="106" name="PlaceHolder 2"/>
           <p:cNvSpPr>
             <a:spLocks noGrp="1"/>
           </p:cNvSpPr>
@@ -3096,7 +3098,7 @@
         <p:spPr>
           <a:xfrm>
             <a:off x="504000" y="1326600"/>
-            <a:ext cx="28440" cy="1567440"/>
+            <a:ext cx="28440" cy="1567080"/>
           </a:xfrm>
           <a:prstGeom prst="rect">
             <a:avLst/>
@@ -3115,7 +3117,7 @@
       </p:sp>
       <p:sp>
         <p:nvSpPr>
-          <p:cNvPr id="108" name="PlaceHolder 3"/>
+          <p:cNvPr id="107" name="PlaceHolder 3"/>
           <p:cNvSpPr>
             <a:spLocks noGrp="1"/>
           </p:cNvSpPr>
@@ -3126,7 +3128,7 @@
         <p:spPr>
           <a:xfrm>
             <a:off x="534240" y="1326600"/>
-            <a:ext cx="28440" cy="1567440"/>
+            <a:ext cx="28440" cy="1567080"/>
           </a:xfrm>
           <a:prstGeom prst="rect">
             <a:avLst/>
@@ -3145,18 +3147,18 @@
       </p:sp>
       <p:sp>
         <p:nvSpPr>
-          <p:cNvPr id="109" name="PlaceHolder 4"/>
-          <p:cNvSpPr>
-            <a:spLocks noGrp="1"/>
-          </p:cNvSpPr>
-          <p:nvPr>
-            <p:ph type="body"/>
-          </p:nvPr>
-        </p:nvSpPr>
-        <p:spPr>
-          <a:xfrm>
-            <a:off x="504000" y="3043440"/>
-            <a:ext cx="28440" cy="1567440"/>
+          <p:cNvPr id="108" name="PlaceHolder 4"/>
+          <p:cNvSpPr>
+            <a:spLocks noGrp="1"/>
+          </p:cNvSpPr>
+          <p:nvPr>
+            <p:ph type="body"/>
+          </p:nvPr>
+        </p:nvSpPr>
+        <p:spPr>
+          <a:xfrm>
+            <a:off x="504000" y="3043080"/>
+            <a:ext cx="28440" cy="1567080"/>
           </a:xfrm>
           <a:prstGeom prst="rect">
             <a:avLst/>
@@ -3175,18 +3177,18 @@
       </p:sp>
       <p:sp>
         <p:nvSpPr>
-          <p:cNvPr id="110" name="PlaceHolder 5"/>
-          <p:cNvSpPr>
-            <a:spLocks noGrp="1"/>
-          </p:cNvSpPr>
-          <p:nvPr>
-            <p:ph type="body"/>
-          </p:nvPr>
-        </p:nvSpPr>
-        <p:spPr>
-          <a:xfrm>
-            <a:off x="534240" y="3043440"/>
-            <a:ext cx="28440" cy="1567440"/>
+          <p:cNvPr id="109" name="PlaceHolder 5"/>
+          <p:cNvSpPr>
+            <a:spLocks noGrp="1"/>
+          </p:cNvSpPr>
+          <p:nvPr>
+            <p:ph type="body"/>
+          </p:nvPr>
+        </p:nvSpPr>
+        <p:spPr>
+          <a:xfrm>
+            <a:off x="534240" y="3043080"/>
+            <a:ext cx="28440" cy="1567080"/>
           </a:xfrm>
           <a:prstGeom prst="rect">
             <a:avLst/>
@@ -3227,7 +3229,7 @@
       </p:grpSpPr>
       <p:sp>
         <p:nvSpPr>
-          <p:cNvPr id="111" name="PlaceHolder 1"/>
+          <p:cNvPr id="110" name="PlaceHolder 1"/>
           <p:cNvSpPr>
             <a:spLocks noGrp="1"/>
           </p:cNvSpPr>
@@ -3238,7 +3240,7 @@
         <p:spPr>
           <a:xfrm>
             <a:off x="504000" y="210600"/>
-            <a:ext cx="7017120" cy="946800"/>
+            <a:ext cx="7016760" cy="946800"/>
           </a:xfrm>
           <a:prstGeom prst="rect">
             <a:avLst/>
@@ -3258,7 +3260,7 @@
       </p:sp>
       <p:sp>
         <p:nvSpPr>
-          <p:cNvPr id="112" name="PlaceHolder 2"/>
+          <p:cNvPr id="111" name="PlaceHolder 2"/>
           <p:cNvSpPr>
             <a:spLocks noGrp="1"/>
           </p:cNvSpPr>
@@ -3269,7 +3271,7 @@
         <p:spPr>
           <a:xfrm>
             <a:off x="504000" y="1326600"/>
-            <a:ext cx="18720" cy="1567440"/>
+            <a:ext cx="18360" cy="1567080"/>
           </a:xfrm>
           <a:prstGeom prst="rect">
             <a:avLst/>
@@ -3288,18 +3290,18 @@
       </p:sp>
       <p:sp>
         <p:nvSpPr>
-          <p:cNvPr id="113" name="PlaceHolder 3"/>
-          <p:cNvSpPr>
-            <a:spLocks noGrp="1"/>
-          </p:cNvSpPr>
-          <p:nvPr>
-            <p:ph type="body"/>
-          </p:nvPr>
-        </p:nvSpPr>
-        <p:spPr>
-          <a:xfrm>
-            <a:off x="524160" y="1326600"/>
-            <a:ext cx="18720" cy="1567440"/>
+          <p:cNvPr id="112" name="PlaceHolder 3"/>
+          <p:cNvSpPr>
+            <a:spLocks noGrp="1"/>
+          </p:cNvSpPr>
+          <p:nvPr>
+            <p:ph type="body"/>
+          </p:nvPr>
+        </p:nvSpPr>
+        <p:spPr>
+          <a:xfrm>
+            <a:off x="523800" y="1326600"/>
+            <a:ext cx="18360" cy="1567080"/>
           </a:xfrm>
           <a:prstGeom prst="rect">
             <a:avLst/>
@@ -3318,18 +3320,18 @@
       </p:sp>
       <p:sp>
         <p:nvSpPr>
-          <p:cNvPr id="114" name="PlaceHolder 4"/>
-          <p:cNvSpPr>
-            <a:spLocks noGrp="1"/>
-          </p:cNvSpPr>
-          <p:nvPr>
-            <p:ph type="body"/>
-          </p:nvPr>
-        </p:nvSpPr>
-        <p:spPr>
-          <a:xfrm>
-            <a:off x="543960" y="1326600"/>
-            <a:ext cx="18720" cy="1567440"/>
+          <p:cNvPr id="113" name="PlaceHolder 4"/>
+          <p:cNvSpPr>
+            <a:spLocks noGrp="1"/>
+          </p:cNvSpPr>
+          <p:nvPr>
+            <p:ph type="body"/>
+          </p:nvPr>
+        </p:nvSpPr>
+        <p:spPr>
+          <a:xfrm>
+            <a:off x="543240" y="1326600"/>
+            <a:ext cx="18360" cy="1567080"/>
           </a:xfrm>
           <a:prstGeom prst="rect">
             <a:avLst/>
@@ -3348,18 +3350,18 @@
       </p:sp>
       <p:sp>
         <p:nvSpPr>
-          <p:cNvPr id="115" name="PlaceHolder 5"/>
-          <p:cNvSpPr>
-            <a:spLocks noGrp="1"/>
-          </p:cNvSpPr>
-          <p:nvPr>
-            <p:ph type="body"/>
-          </p:nvPr>
-        </p:nvSpPr>
-        <p:spPr>
-          <a:xfrm>
-            <a:off x="504000" y="3043440"/>
-            <a:ext cx="18720" cy="1567440"/>
+          <p:cNvPr id="114" name="PlaceHolder 5"/>
+          <p:cNvSpPr>
+            <a:spLocks noGrp="1"/>
+          </p:cNvSpPr>
+          <p:nvPr>
+            <p:ph type="body"/>
+          </p:nvPr>
+        </p:nvSpPr>
+        <p:spPr>
+          <a:xfrm>
+            <a:off x="504000" y="3043080"/>
+            <a:ext cx="18360" cy="1567080"/>
           </a:xfrm>
           <a:prstGeom prst="rect">
             <a:avLst/>
@@ -3378,18 +3380,18 @@
       </p:sp>
       <p:sp>
         <p:nvSpPr>
-          <p:cNvPr id="116" name="PlaceHolder 6"/>
-          <p:cNvSpPr>
-            <a:spLocks noGrp="1"/>
-          </p:cNvSpPr>
-          <p:nvPr>
-            <p:ph type="body"/>
-          </p:nvPr>
-        </p:nvSpPr>
-        <p:spPr>
-          <a:xfrm>
-            <a:off x="524160" y="3043440"/>
-            <a:ext cx="18720" cy="1567440"/>
+          <p:cNvPr id="115" name="PlaceHolder 6"/>
+          <p:cNvSpPr>
+            <a:spLocks noGrp="1"/>
+          </p:cNvSpPr>
+          <p:nvPr>
+            <p:ph type="body"/>
+          </p:nvPr>
+        </p:nvSpPr>
+        <p:spPr>
+          <a:xfrm>
+            <a:off x="523800" y="3043080"/>
+            <a:ext cx="18360" cy="1567080"/>
           </a:xfrm>
           <a:prstGeom prst="rect">
             <a:avLst/>
@@ -3408,18 +3410,18 @@
       </p:sp>
       <p:sp>
         <p:nvSpPr>
-          <p:cNvPr id="117" name="PlaceHolder 7"/>
-          <p:cNvSpPr>
-            <a:spLocks noGrp="1"/>
-          </p:cNvSpPr>
-          <p:nvPr>
-            <p:ph type="body"/>
-          </p:nvPr>
-        </p:nvSpPr>
-        <p:spPr>
-          <a:xfrm>
-            <a:off x="543960" y="3043440"/>
-            <a:ext cx="18720" cy="1567440"/>
+          <p:cNvPr id="116" name="PlaceHolder 7"/>
+          <p:cNvSpPr>
+            <a:spLocks noGrp="1"/>
+          </p:cNvSpPr>
+          <p:nvPr>
+            <p:ph type="body"/>
+          </p:nvPr>
+        </p:nvSpPr>
+        <p:spPr>
+          <a:xfrm>
+            <a:off x="543240" y="3043080"/>
+            <a:ext cx="18360" cy="1567080"/>
           </a:xfrm>
           <a:prstGeom prst="rect">
             <a:avLst/>
@@ -3428,6 +3430,195 @@
         <p:txBody>
           <a:bodyPr lIns="0" rIns="0" tIns="0" bIns="0">
             <a:normAutofit fontScale="9000"/>
+          </a:bodyPr>
+          <a:p>
+            <a:endParaRPr b="0" lang="en-US" sz="3200" spc="-1" strike="noStrike">
+              <a:latin typeface="Arial"/>
+            </a:endParaRPr>
+          </a:p>
+        </p:txBody>
+      </p:sp>
+    </p:spTree>
+  </p:cSld>
+</p:sldLayout>
+</file>
+
+<file path=ppt/slideLayouts/slideLayout37.xml><?xml version="1.0" encoding="utf-8"?>
+<p:sldLayout xmlns:a="http://schemas.openxmlformats.org/drawingml/2006/main" xmlns:p="http://schemas.openxmlformats.org/presentationml/2006/main" xmlns:r="http://schemas.openxmlformats.org/officeDocument/2006/relationships" xmlns:p14="http://schemas.microsoft.com/office/powerpoint/2010/main" xmlns:p15="http://schemas.microsoft.com/office/powerpoint/2012/main" xmlns:mc="http://schemas.openxmlformats.org/markup-compatibility/2006" type="blank" preserve="1">
+  <p:cSld name="Blank Slide">
+    <p:spTree>
+      <p:nvGrpSpPr>
+        <p:cNvPr id="1" name=""/>
+        <p:cNvGrpSpPr/>
+        <p:nvPr/>
+      </p:nvGrpSpPr>
+      <p:grpSpPr>
+        <a:xfrm>
+          <a:off x="0" y="0"/>
+          <a:ext cx="0" cy="0"/>
+          <a:chOff x="0" y="0"/>
+          <a:chExt cx="0" cy="0"/>
+        </a:xfrm>
+      </p:grpSpPr>
+    </p:spTree>
+  </p:cSld>
+</p:sldLayout>
+</file>
+
+<file path=ppt/slideLayouts/slideLayout38.xml><?xml version="1.0" encoding="utf-8"?>
+<p:sldLayout xmlns:a="http://schemas.openxmlformats.org/drawingml/2006/main" xmlns:p="http://schemas.openxmlformats.org/presentationml/2006/main" xmlns:r="http://schemas.openxmlformats.org/officeDocument/2006/relationships" xmlns:p14="http://schemas.microsoft.com/office/powerpoint/2010/main" xmlns:p15="http://schemas.microsoft.com/office/powerpoint/2012/main" xmlns:mc="http://schemas.openxmlformats.org/markup-compatibility/2006" type="tx" preserve="1">
+  <p:cSld name="Title Slide">
+    <p:spTree>
+      <p:nvGrpSpPr>
+        <p:cNvPr id="1" name=""/>
+        <p:cNvGrpSpPr/>
+        <p:nvPr/>
+      </p:nvGrpSpPr>
+      <p:grpSpPr>
+        <a:xfrm>
+          <a:off x="0" y="0"/>
+          <a:ext cx="0" cy="0"/>
+          <a:chOff x="0" y="0"/>
+          <a:chExt cx="0" cy="0"/>
+        </a:xfrm>
+      </p:grpSpPr>
+      <p:sp>
+        <p:nvSpPr>
+          <p:cNvPr id="121" name="PlaceHolder 1"/>
+          <p:cNvSpPr>
+            <a:spLocks noGrp="1"/>
+          </p:cNvSpPr>
+          <p:nvPr>
+            <p:ph type="title"/>
+          </p:nvPr>
+        </p:nvSpPr>
+        <p:spPr>
+          <a:xfrm>
+            <a:off x="504000" y="210600"/>
+            <a:ext cx="7016760" cy="946800"/>
+          </a:xfrm>
+          <a:prstGeom prst="rect">
+            <a:avLst/>
+          </a:prstGeom>
+        </p:spPr>
+        <p:txBody>
+          <a:bodyPr lIns="0" rIns="0" tIns="0" bIns="0" anchor="ctr">
+            <a:spAutoFit/>
+          </a:bodyPr>
+          <a:p>
+            <a:pPr algn="ctr"/>
+            <a:endParaRPr b="0" lang="en-US" sz="4400" spc="-1" strike="noStrike">
+              <a:latin typeface="Arial"/>
+            </a:endParaRPr>
+          </a:p>
+        </p:txBody>
+      </p:sp>
+      <p:sp>
+        <p:nvSpPr>
+          <p:cNvPr id="122" name="PlaceHolder 2"/>
+          <p:cNvSpPr>
+            <a:spLocks noGrp="1"/>
+          </p:cNvSpPr>
+          <p:nvPr>
+            <p:ph type="subTitle"/>
+          </p:nvPr>
+        </p:nvSpPr>
+        <p:spPr>
+          <a:xfrm>
+            <a:off x="504000" y="-904680"/>
+            <a:ext cx="58320" cy="7748280"/>
+          </a:xfrm>
+          <a:prstGeom prst="rect">
+            <a:avLst/>
+          </a:prstGeom>
+        </p:spPr>
+        <p:txBody>
+          <a:bodyPr lIns="0" rIns="0" tIns="0" bIns="0" anchor="ctr">
+            <a:spAutoFit/>
+          </a:bodyPr>
+          <a:p>
+            <a:pPr algn="ctr"/>
+            <a:endParaRPr b="0" lang="en-US" sz="3200" spc="-1" strike="noStrike">
+              <a:latin typeface="Arial"/>
+            </a:endParaRPr>
+          </a:p>
+        </p:txBody>
+      </p:sp>
+    </p:spTree>
+  </p:cSld>
+</p:sldLayout>
+</file>
+
+<file path=ppt/slideLayouts/slideLayout39.xml><?xml version="1.0" encoding="utf-8"?>
+<p:sldLayout xmlns:a="http://schemas.openxmlformats.org/drawingml/2006/main" xmlns:p="http://schemas.openxmlformats.org/presentationml/2006/main" xmlns:r="http://schemas.openxmlformats.org/officeDocument/2006/relationships" xmlns:p14="http://schemas.microsoft.com/office/powerpoint/2010/main" xmlns:p15="http://schemas.microsoft.com/office/powerpoint/2012/main" xmlns:mc="http://schemas.openxmlformats.org/markup-compatibility/2006" type="obj" preserve="1">
+  <p:cSld name="Title, Content">
+    <p:spTree>
+      <p:nvGrpSpPr>
+        <p:cNvPr id="1" name=""/>
+        <p:cNvGrpSpPr/>
+        <p:nvPr/>
+      </p:nvGrpSpPr>
+      <p:grpSpPr>
+        <a:xfrm>
+          <a:off x="0" y="0"/>
+          <a:ext cx="0" cy="0"/>
+          <a:chOff x="0" y="0"/>
+          <a:chExt cx="0" cy="0"/>
+        </a:xfrm>
+      </p:grpSpPr>
+      <p:sp>
+        <p:nvSpPr>
+          <p:cNvPr id="123" name="PlaceHolder 1"/>
+          <p:cNvSpPr>
+            <a:spLocks noGrp="1"/>
+          </p:cNvSpPr>
+          <p:nvPr>
+            <p:ph type="title"/>
+          </p:nvPr>
+        </p:nvSpPr>
+        <p:spPr>
+          <a:xfrm>
+            <a:off x="504000" y="210600"/>
+            <a:ext cx="7016760" cy="946800"/>
+          </a:xfrm>
+          <a:prstGeom prst="rect">
+            <a:avLst/>
+          </a:prstGeom>
+        </p:spPr>
+        <p:txBody>
+          <a:bodyPr lIns="0" rIns="0" tIns="0" bIns="0" anchor="ctr">
+            <a:spAutoFit/>
+          </a:bodyPr>
+          <a:p>
+            <a:pPr algn="ctr"/>
+            <a:endParaRPr b="0" lang="en-US" sz="4400" spc="-1" strike="noStrike">
+              <a:latin typeface="Arial"/>
+            </a:endParaRPr>
+          </a:p>
+        </p:txBody>
+      </p:sp>
+      <p:sp>
+        <p:nvSpPr>
+          <p:cNvPr id="124" name="PlaceHolder 2"/>
+          <p:cNvSpPr>
+            <a:spLocks noGrp="1"/>
+          </p:cNvSpPr>
+          <p:nvPr>
+            <p:ph type="body"/>
+          </p:nvPr>
+        </p:nvSpPr>
+        <p:spPr>
+          <a:xfrm>
+            <a:off x="504000" y="1326600"/>
+            <a:ext cx="58320" cy="3285720"/>
+          </a:xfrm>
+          <a:prstGeom prst="rect">
+            <a:avLst/>
+          </a:prstGeom>
+        </p:spPr>
+        <p:txBody>
+          <a:bodyPr lIns="0" rIns="0" tIns="0" bIns="0">
+            <a:normAutofit fontScale="27000"/>
           </a:bodyPr>
           <a:p>
             <a:endParaRPr b="0" lang="en-US" sz="3200" spc="-1" strike="noStrike">
@@ -3471,7 +3662,7 @@
         <p:spPr>
           <a:xfrm>
             <a:off x="504000" y="210600"/>
-            <a:ext cx="7017120" cy="946800"/>
+            <a:ext cx="7016760" cy="946800"/>
           </a:xfrm>
           <a:prstGeom prst="rect">
             <a:avLst/>
@@ -3502,7 +3693,7 @@
         <p:spPr>
           <a:xfrm>
             <a:off x="504000" y="1326600"/>
-            <a:ext cx="28440" cy="3286080"/>
+            <a:ext cx="28440" cy="3285720"/>
           </a:xfrm>
           <a:prstGeom prst="rect">
             <a:avLst/>
@@ -3532,7 +3723,7 @@
         <p:spPr>
           <a:xfrm>
             <a:off x="534240" y="1326600"/>
-            <a:ext cx="28440" cy="3286080"/>
+            <a:ext cx="28440" cy="3285720"/>
           </a:xfrm>
           <a:prstGeom prst="rect">
             <a:avLst/>
@@ -3549,6 +3740,1195 @@
           </a:p>
         </p:txBody>
       </p:sp>
+    </p:spTree>
+  </p:cSld>
+</p:sldLayout>
+</file>
+
+<file path=ppt/slideLayouts/slideLayout40.xml><?xml version="1.0" encoding="utf-8"?>
+<p:sldLayout xmlns:a="http://schemas.openxmlformats.org/drawingml/2006/main" xmlns:p="http://schemas.openxmlformats.org/presentationml/2006/main" xmlns:r="http://schemas.openxmlformats.org/officeDocument/2006/relationships" xmlns:p14="http://schemas.microsoft.com/office/powerpoint/2010/main" xmlns:p15="http://schemas.microsoft.com/office/powerpoint/2012/main" xmlns:mc="http://schemas.openxmlformats.org/markup-compatibility/2006" type="twoObj" preserve="1">
+  <p:cSld name="Title, 2 Content">
+    <p:spTree>
+      <p:nvGrpSpPr>
+        <p:cNvPr id="1" name=""/>
+        <p:cNvGrpSpPr/>
+        <p:nvPr/>
+      </p:nvGrpSpPr>
+      <p:grpSpPr>
+        <a:xfrm>
+          <a:off x="0" y="0"/>
+          <a:ext cx="0" cy="0"/>
+          <a:chOff x="0" y="0"/>
+          <a:chExt cx="0" cy="0"/>
+        </a:xfrm>
+      </p:grpSpPr>
+      <p:sp>
+        <p:nvSpPr>
+          <p:cNvPr id="125" name="PlaceHolder 1"/>
+          <p:cNvSpPr>
+            <a:spLocks noGrp="1"/>
+          </p:cNvSpPr>
+          <p:nvPr>
+            <p:ph type="title"/>
+          </p:nvPr>
+        </p:nvSpPr>
+        <p:spPr>
+          <a:xfrm>
+            <a:off x="504000" y="210600"/>
+            <a:ext cx="7016760" cy="946800"/>
+          </a:xfrm>
+          <a:prstGeom prst="rect">
+            <a:avLst/>
+          </a:prstGeom>
+        </p:spPr>
+        <p:txBody>
+          <a:bodyPr lIns="0" rIns="0" tIns="0" bIns="0" anchor="ctr">
+            <a:spAutoFit/>
+          </a:bodyPr>
+          <a:p>
+            <a:pPr algn="ctr"/>
+            <a:endParaRPr b="0" lang="en-US" sz="4400" spc="-1" strike="noStrike">
+              <a:latin typeface="Arial"/>
+            </a:endParaRPr>
+          </a:p>
+        </p:txBody>
+      </p:sp>
+      <p:sp>
+        <p:nvSpPr>
+          <p:cNvPr id="126" name="PlaceHolder 2"/>
+          <p:cNvSpPr>
+            <a:spLocks noGrp="1"/>
+          </p:cNvSpPr>
+          <p:nvPr>
+            <p:ph type="body"/>
+          </p:nvPr>
+        </p:nvSpPr>
+        <p:spPr>
+          <a:xfrm>
+            <a:off x="504000" y="1326600"/>
+            <a:ext cx="28440" cy="3285720"/>
+          </a:xfrm>
+          <a:prstGeom prst="rect">
+            <a:avLst/>
+          </a:prstGeom>
+        </p:spPr>
+        <p:txBody>
+          <a:bodyPr lIns="0" rIns="0" tIns="0" bIns="0">
+            <a:normAutofit fontScale="27000"/>
+          </a:bodyPr>
+          <a:p>
+            <a:endParaRPr b="0" lang="en-US" sz="3200" spc="-1" strike="noStrike">
+              <a:latin typeface="Arial"/>
+            </a:endParaRPr>
+          </a:p>
+        </p:txBody>
+      </p:sp>
+      <p:sp>
+        <p:nvSpPr>
+          <p:cNvPr id="127" name="PlaceHolder 3"/>
+          <p:cNvSpPr>
+            <a:spLocks noGrp="1"/>
+          </p:cNvSpPr>
+          <p:nvPr>
+            <p:ph type="body"/>
+          </p:nvPr>
+        </p:nvSpPr>
+        <p:spPr>
+          <a:xfrm>
+            <a:off x="534240" y="1326600"/>
+            <a:ext cx="28440" cy="3285720"/>
+          </a:xfrm>
+          <a:prstGeom prst="rect">
+            <a:avLst/>
+          </a:prstGeom>
+        </p:spPr>
+        <p:txBody>
+          <a:bodyPr lIns="0" rIns="0" tIns="0" bIns="0">
+            <a:normAutofit fontScale="27000"/>
+          </a:bodyPr>
+          <a:p>
+            <a:endParaRPr b="0" lang="en-US" sz="3200" spc="-1" strike="noStrike">
+              <a:latin typeface="Arial"/>
+            </a:endParaRPr>
+          </a:p>
+        </p:txBody>
+      </p:sp>
+    </p:spTree>
+  </p:cSld>
+</p:sldLayout>
+</file>
+
+<file path=ppt/slideLayouts/slideLayout41.xml><?xml version="1.0" encoding="utf-8"?>
+<p:sldLayout xmlns:a="http://schemas.openxmlformats.org/drawingml/2006/main" xmlns:p="http://schemas.openxmlformats.org/presentationml/2006/main" xmlns:r="http://schemas.openxmlformats.org/officeDocument/2006/relationships" xmlns:p14="http://schemas.microsoft.com/office/powerpoint/2010/main" xmlns:p15="http://schemas.microsoft.com/office/powerpoint/2012/main" xmlns:mc="http://schemas.openxmlformats.org/markup-compatibility/2006" type="titleOnly" preserve="1">
+  <p:cSld name="Title Only">
+    <p:spTree>
+      <p:nvGrpSpPr>
+        <p:cNvPr id="1" name=""/>
+        <p:cNvGrpSpPr/>
+        <p:nvPr/>
+      </p:nvGrpSpPr>
+      <p:grpSpPr>
+        <a:xfrm>
+          <a:off x="0" y="0"/>
+          <a:ext cx="0" cy="0"/>
+          <a:chOff x="0" y="0"/>
+          <a:chExt cx="0" cy="0"/>
+        </a:xfrm>
+      </p:grpSpPr>
+      <p:sp>
+        <p:nvSpPr>
+          <p:cNvPr id="128" name="PlaceHolder 1"/>
+          <p:cNvSpPr>
+            <a:spLocks noGrp="1"/>
+          </p:cNvSpPr>
+          <p:nvPr>
+            <p:ph type="title"/>
+          </p:nvPr>
+        </p:nvSpPr>
+        <p:spPr>
+          <a:xfrm>
+            <a:off x="504000" y="210600"/>
+            <a:ext cx="7016760" cy="946800"/>
+          </a:xfrm>
+          <a:prstGeom prst="rect">
+            <a:avLst/>
+          </a:prstGeom>
+        </p:spPr>
+        <p:txBody>
+          <a:bodyPr lIns="0" rIns="0" tIns="0" bIns="0" anchor="ctr">
+            <a:spAutoFit/>
+          </a:bodyPr>
+          <a:p>
+            <a:pPr algn="ctr"/>
+            <a:endParaRPr b="0" lang="en-US" sz="4400" spc="-1" strike="noStrike">
+              <a:latin typeface="Arial"/>
+            </a:endParaRPr>
+          </a:p>
+        </p:txBody>
+      </p:sp>
+    </p:spTree>
+  </p:cSld>
+</p:sldLayout>
+</file>
+
+<file path=ppt/slideLayouts/slideLayout42.xml><?xml version="1.0" encoding="utf-8"?>
+<p:sldLayout xmlns:a="http://schemas.openxmlformats.org/drawingml/2006/main" xmlns:p="http://schemas.openxmlformats.org/presentationml/2006/main" xmlns:r="http://schemas.openxmlformats.org/officeDocument/2006/relationships" xmlns:p14="http://schemas.microsoft.com/office/powerpoint/2010/main" xmlns:p15="http://schemas.microsoft.com/office/powerpoint/2012/main" xmlns:mc="http://schemas.openxmlformats.org/markup-compatibility/2006" type="objOnly" preserve="1">
+  <p:cSld name="Centered Text">
+    <p:spTree>
+      <p:nvGrpSpPr>
+        <p:cNvPr id="1" name=""/>
+        <p:cNvGrpSpPr/>
+        <p:nvPr/>
+      </p:nvGrpSpPr>
+      <p:grpSpPr>
+        <a:xfrm>
+          <a:off x="0" y="0"/>
+          <a:ext cx="0" cy="0"/>
+          <a:chOff x="0" y="0"/>
+          <a:chExt cx="0" cy="0"/>
+        </a:xfrm>
+      </p:grpSpPr>
+      <p:sp>
+        <p:nvSpPr>
+          <p:cNvPr id="129" name="PlaceHolder 1"/>
+          <p:cNvSpPr>
+            <a:spLocks noGrp="1"/>
+          </p:cNvSpPr>
+          <p:nvPr>
+            <p:ph type="subTitle"/>
+          </p:nvPr>
+        </p:nvSpPr>
+        <p:spPr>
+          <a:xfrm>
+            <a:off x="504000" y="210600"/>
+            <a:ext cx="7016760" cy="4390200"/>
+          </a:xfrm>
+          <a:prstGeom prst="rect">
+            <a:avLst/>
+          </a:prstGeom>
+        </p:spPr>
+        <p:txBody>
+          <a:bodyPr lIns="0" rIns="0" tIns="0" bIns="0" anchor="ctr">
+            <a:spAutoFit/>
+          </a:bodyPr>
+          <a:p>
+            <a:pPr algn="ctr"/>
+            <a:endParaRPr b="0" lang="en-US" sz="3200" spc="-1" strike="noStrike">
+              <a:latin typeface="Arial"/>
+            </a:endParaRPr>
+          </a:p>
+        </p:txBody>
+      </p:sp>
+    </p:spTree>
+  </p:cSld>
+</p:sldLayout>
+</file>
+
+<file path=ppt/slideLayouts/slideLayout43.xml><?xml version="1.0" encoding="utf-8"?>
+<p:sldLayout xmlns:a="http://schemas.openxmlformats.org/drawingml/2006/main" xmlns:p="http://schemas.openxmlformats.org/presentationml/2006/main" xmlns:r="http://schemas.openxmlformats.org/officeDocument/2006/relationships" xmlns:p14="http://schemas.microsoft.com/office/powerpoint/2010/main" xmlns:p15="http://schemas.microsoft.com/office/powerpoint/2012/main" xmlns:mc="http://schemas.openxmlformats.org/markup-compatibility/2006" type="twoObjAndObj" preserve="1">
+  <p:cSld name="Title, 2 Content and Content">
+    <p:spTree>
+      <p:nvGrpSpPr>
+        <p:cNvPr id="1" name=""/>
+        <p:cNvGrpSpPr/>
+        <p:nvPr/>
+      </p:nvGrpSpPr>
+      <p:grpSpPr>
+        <a:xfrm>
+          <a:off x="0" y="0"/>
+          <a:ext cx="0" cy="0"/>
+          <a:chOff x="0" y="0"/>
+          <a:chExt cx="0" cy="0"/>
+        </a:xfrm>
+      </p:grpSpPr>
+      <p:sp>
+        <p:nvSpPr>
+          <p:cNvPr id="130" name="PlaceHolder 1"/>
+          <p:cNvSpPr>
+            <a:spLocks noGrp="1"/>
+          </p:cNvSpPr>
+          <p:nvPr>
+            <p:ph type="title"/>
+          </p:nvPr>
+        </p:nvSpPr>
+        <p:spPr>
+          <a:xfrm>
+            <a:off x="504000" y="210600"/>
+            <a:ext cx="7016760" cy="946800"/>
+          </a:xfrm>
+          <a:prstGeom prst="rect">
+            <a:avLst/>
+          </a:prstGeom>
+        </p:spPr>
+        <p:txBody>
+          <a:bodyPr lIns="0" rIns="0" tIns="0" bIns="0" anchor="ctr">
+            <a:spAutoFit/>
+          </a:bodyPr>
+          <a:p>
+            <a:pPr algn="ctr"/>
+            <a:endParaRPr b="0" lang="en-US" sz="4400" spc="-1" strike="noStrike">
+              <a:latin typeface="Arial"/>
+            </a:endParaRPr>
+          </a:p>
+        </p:txBody>
+      </p:sp>
+      <p:sp>
+        <p:nvSpPr>
+          <p:cNvPr id="131" name="PlaceHolder 2"/>
+          <p:cNvSpPr>
+            <a:spLocks noGrp="1"/>
+          </p:cNvSpPr>
+          <p:nvPr>
+            <p:ph type="body"/>
+          </p:nvPr>
+        </p:nvSpPr>
+        <p:spPr>
+          <a:xfrm>
+            <a:off x="504000" y="1326600"/>
+            <a:ext cx="28440" cy="1567080"/>
+          </a:xfrm>
+          <a:prstGeom prst="rect">
+            <a:avLst/>
+          </a:prstGeom>
+        </p:spPr>
+        <p:txBody>
+          <a:bodyPr lIns="0" rIns="0" tIns="0" bIns="0">
+            <a:normAutofit fontScale="9000"/>
+          </a:bodyPr>
+          <a:p>
+            <a:endParaRPr b="0" lang="en-US" sz="3200" spc="-1" strike="noStrike">
+              <a:latin typeface="Arial"/>
+            </a:endParaRPr>
+          </a:p>
+        </p:txBody>
+      </p:sp>
+      <p:sp>
+        <p:nvSpPr>
+          <p:cNvPr id="132" name="PlaceHolder 3"/>
+          <p:cNvSpPr>
+            <a:spLocks noGrp="1"/>
+          </p:cNvSpPr>
+          <p:nvPr>
+            <p:ph type="body"/>
+          </p:nvPr>
+        </p:nvSpPr>
+        <p:spPr>
+          <a:xfrm>
+            <a:off x="534240" y="1326600"/>
+            <a:ext cx="28440" cy="3285720"/>
+          </a:xfrm>
+          <a:prstGeom prst="rect">
+            <a:avLst/>
+          </a:prstGeom>
+        </p:spPr>
+        <p:txBody>
+          <a:bodyPr lIns="0" rIns="0" tIns="0" bIns="0">
+            <a:normAutofit fontScale="27000"/>
+          </a:bodyPr>
+          <a:p>
+            <a:endParaRPr b="0" lang="en-US" sz="3200" spc="-1" strike="noStrike">
+              <a:latin typeface="Arial"/>
+            </a:endParaRPr>
+          </a:p>
+        </p:txBody>
+      </p:sp>
+      <p:sp>
+        <p:nvSpPr>
+          <p:cNvPr id="133" name="PlaceHolder 4"/>
+          <p:cNvSpPr>
+            <a:spLocks noGrp="1"/>
+          </p:cNvSpPr>
+          <p:nvPr>
+            <p:ph type="body"/>
+          </p:nvPr>
+        </p:nvSpPr>
+        <p:spPr>
+          <a:xfrm>
+            <a:off x="504000" y="3043080"/>
+            <a:ext cx="28440" cy="1567080"/>
+          </a:xfrm>
+          <a:prstGeom prst="rect">
+            <a:avLst/>
+          </a:prstGeom>
+        </p:spPr>
+        <p:txBody>
+          <a:bodyPr lIns="0" rIns="0" tIns="0" bIns="0">
+            <a:normAutofit fontScale="9000"/>
+          </a:bodyPr>
+          <a:p>
+            <a:endParaRPr b="0" lang="en-US" sz="3200" spc="-1" strike="noStrike">
+              <a:latin typeface="Arial"/>
+            </a:endParaRPr>
+          </a:p>
+        </p:txBody>
+      </p:sp>
+    </p:spTree>
+  </p:cSld>
+</p:sldLayout>
+</file>
+
+<file path=ppt/slideLayouts/slideLayout44.xml><?xml version="1.0" encoding="utf-8"?>
+<p:sldLayout xmlns:a="http://schemas.openxmlformats.org/drawingml/2006/main" xmlns:p="http://schemas.openxmlformats.org/presentationml/2006/main" xmlns:r="http://schemas.openxmlformats.org/officeDocument/2006/relationships" xmlns:p14="http://schemas.microsoft.com/office/powerpoint/2010/main" xmlns:p15="http://schemas.microsoft.com/office/powerpoint/2012/main" xmlns:mc="http://schemas.openxmlformats.org/markup-compatibility/2006" type="objAndTwoObj" preserve="1">
+  <p:cSld name="Title Content and 2 Content">
+    <p:spTree>
+      <p:nvGrpSpPr>
+        <p:cNvPr id="1" name=""/>
+        <p:cNvGrpSpPr/>
+        <p:nvPr/>
+      </p:nvGrpSpPr>
+      <p:grpSpPr>
+        <a:xfrm>
+          <a:off x="0" y="0"/>
+          <a:ext cx="0" cy="0"/>
+          <a:chOff x="0" y="0"/>
+          <a:chExt cx="0" cy="0"/>
+        </a:xfrm>
+      </p:grpSpPr>
+      <p:sp>
+        <p:nvSpPr>
+          <p:cNvPr id="134" name="PlaceHolder 1"/>
+          <p:cNvSpPr>
+            <a:spLocks noGrp="1"/>
+          </p:cNvSpPr>
+          <p:nvPr>
+            <p:ph type="title"/>
+          </p:nvPr>
+        </p:nvSpPr>
+        <p:spPr>
+          <a:xfrm>
+            <a:off x="504000" y="210600"/>
+            <a:ext cx="7016760" cy="946800"/>
+          </a:xfrm>
+          <a:prstGeom prst="rect">
+            <a:avLst/>
+          </a:prstGeom>
+        </p:spPr>
+        <p:txBody>
+          <a:bodyPr lIns="0" rIns="0" tIns="0" bIns="0" anchor="ctr">
+            <a:spAutoFit/>
+          </a:bodyPr>
+          <a:p>
+            <a:pPr algn="ctr"/>
+            <a:endParaRPr b="0" lang="en-US" sz="4400" spc="-1" strike="noStrike">
+              <a:latin typeface="Arial"/>
+            </a:endParaRPr>
+          </a:p>
+        </p:txBody>
+      </p:sp>
+      <p:sp>
+        <p:nvSpPr>
+          <p:cNvPr id="135" name="PlaceHolder 2"/>
+          <p:cNvSpPr>
+            <a:spLocks noGrp="1"/>
+          </p:cNvSpPr>
+          <p:nvPr>
+            <p:ph type="body"/>
+          </p:nvPr>
+        </p:nvSpPr>
+        <p:spPr>
+          <a:xfrm>
+            <a:off x="504000" y="1326600"/>
+            <a:ext cx="28440" cy="3285720"/>
+          </a:xfrm>
+          <a:prstGeom prst="rect">
+            <a:avLst/>
+          </a:prstGeom>
+        </p:spPr>
+        <p:txBody>
+          <a:bodyPr lIns="0" rIns="0" tIns="0" bIns="0">
+            <a:normAutofit fontScale="27000"/>
+          </a:bodyPr>
+          <a:p>
+            <a:endParaRPr b="0" lang="en-US" sz="3200" spc="-1" strike="noStrike">
+              <a:latin typeface="Arial"/>
+            </a:endParaRPr>
+          </a:p>
+        </p:txBody>
+      </p:sp>
+      <p:sp>
+        <p:nvSpPr>
+          <p:cNvPr id="136" name="PlaceHolder 3"/>
+          <p:cNvSpPr>
+            <a:spLocks noGrp="1"/>
+          </p:cNvSpPr>
+          <p:nvPr>
+            <p:ph type="body"/>
+          </p:nvPr>
+        </p:nvSpPr>
+        <p:spPr>
+          <a:xfrm>
+            <a:off x="534240" y="1326600"/>
+            <a:ext cx="28440" cy="1567080"/>
+          </a:xfrm>
+          <a:prstGeom prst="rect">
+            <a:avLst/>
+          </a:prstGeom>
+        </p:spPr>
+        <p:txBody>
+          <a:bodyPr lIns="0" rIns="0" tIns="0" bIns="0">
+            <a:normAutofit fontScale="9000"/>
+          </a:bodyPr>
+          <a:p>
+            <a:endParaRPr b="0" lang="en-US" sz="3200" spc="-1" strike="noStrike">
+              <a:latin typeface="Arial"/>
+            </a:endParaRPr>
+          </a:p>
+        </p:txBody>
+      </p:sp>
+      <p:sp>
+        <p:nvSpPr>
+          <p:cNvPr id="137" name="PlaceHolder 4"/>
+          <p:cNvSpPr>
+            <a:spLocks noGrp="1"/>
+          </p:cNvSpPr>
+          <p:nvPr>
+            <p:ph type="body"/>
+          </p:nvPr>
+        </p:nvSpPr>
+        <p:spPr>
+          <a:xfrm>
+            <a:off x="534240" y="3043080"/>
+            <a:ext cx="28440" cy="1567080"/>
+          </a:xfrm>
+          <a:prstGeom prst="rect">
+            <a:avLst/>
+          </a:prstGeom>
+        </p:spPr>
+        <p:txBody>
+          <a:bodyPr lIns="0" rIns="0" tIns="0" bIns="0">
+            <a:normAutofit fontScale="9000"/>
+          </a:bodyPr>
+          <a:p>
+            <a:endParaRPr b="0" lang="en-US" sz="3200" spc="-1" strike="noStrike">
+              <a:latin typeface="Arial"/>
+            </a:endParaRPr>
+          </a:p>
+        </p:txBody>
+      </p:sp>
+    </p:spTree>
+  </p:cSld>
+</p:sldLayout>
+</file>
+
+<file path=ppt/slideLayouts/slideLayout45.xml><?xml version="1.0" encoding="utf-8"?>
+<p:sldLayout xmlns:a="http://schemas.openxmlformats.org/drawingml/2006/main" xmlns:p="http://schemas.openxmlformats.org/presentationml/2006/main" xmlns:r="http://schemas.openxmlformats.org/officeDocument/2006/relationships" xmlns:p14="http://schemas.microsoft.com/office/powerpoint/2010/main" xmlns:p15="http://schemas.microsoft.com/office/powerpoint/2012/main" xmlns:mc="http://schemas.openxmlformats.org/markup-compatibility/2006" type="twoObjOverTx" preserve="1">
+  <p:cSld name="Title, 2 Content over Content">
+    <p:spTree>
+      <p:nvGrpSpPr>
+        <p:cNvPr id="1" name=""/>
+        <p:cNvGrpSpPr/>
+        <p:nvPr/>
+      </p:nvGrpSpPr>
+      <p:grpSpPr>
+        <a:xfrm>
+          <a:off x="0" y="0"/>
+          <a:ext cx="0" cy="0"/>
+          <a:chOff x="0" y="0"/>
+          <a:chExt cx="0" cy="0"/>
+        </a:xfrm>
+      </p:grpSpPr>
+      <p:sp>
+        <p:nvSpPr>
+          <p:cNvPr id="138" name="PlaceHolder 1"/>
+          <p:cNvSpPr>
+            <a:spLocks noGrp="1"/>
+          </p:cNvSpPr>
+          <p:nvPr>
+            <p:ph type="title"/>
+          </p:nvPr>
+        </p:nvSpPr>
+        <p:spPr>
+          <a:xfrm>
+            <a:off x="504000" y="210600"/>
+            <a:ext cx="7016760" cy="946800"/>
+          </a:xfrm>
+          <a:prstGeom prst="rect">
+            <a:avLst/>
+          </a:prstGeom>
+        </p:spPr>
+        <p:txBody>
+          <a:bodyPr lIns="0" rIns="0" tIns="0" bIns="0" anchor="ctr">
+            <a:spAutoFit/>
+          </a:bodyPr>
+          <a:p>
+            <a:pPr algn="ctr"/>
+            <a:endParaRPr b="0" lang="en-US" sz="4400" spc="-1" strike="noStrike">
+              <a:latin typeface="Arial"/>
+            </a:endParaRPr>
+          </a:p>
+        </p:txBody>
+      </p:sp>
+      <p:sp>
+        <p:nvSpPr>
+          <p:cNvPr id="139" name="PlaceHolder 2"/>
+          <p:cNvSpPr>
+            <a:spLocks noGrp="1"/>
+          </p:cNvSpPr>
+          <p:nvPr>
+            <p:ph type="body"/>
+          </p:nvPr>
+        </p:nvSpPr>
+        <p:spPr>
+          <a:xfrm>
+            <a:off x="504000" y="1326600"/>
+            <a:ext cx="28440" cy="1567080"/>
+          </a:xfrm>
+          <a:prstGeom prst="rect">
+            <a:avLst/>
+          </a:prstGeom>
+        </p:spPr>
+        <p:txBody>
+          <a:bodyPr lIns="0" rIns="0" tIns="0" bIns="0">
+            <a:normAutofit fontScale="9000"/>
+          </a:bodyPr>
+          <a:p>
+            <a:endParaRPr b="0" lang="en-US" sz="3200" spc="-1" strike="noStrike">
+              <a:latin typeface="Arial"/>
+            </a:endParaRPr>
+          </a:p>
+        </p:txBody>
+      </p:sp>
+      <p:sp>
+        <p:nvSpPr>
+          <p:cNvPr id="140" name="PlaceHolder 3"/>
+          <p:cNvSpPr>
+            <a:spLocks noGrp="1"/>
+          </p:cNvSpPr>
+          <p:nvPr>
+            <p:ph type="body"/>
+          </p:nvPr>
+        </p:nvSpPr>
+        <p:spPr>
+          <a:xfrm>
+            <a:off x="534240" y="1326600"/>
+            <a:ext cx="28440" cy="1567080"/>
+          </a:xfrm>
+          <a:prstGeom prst="rect">
+            <a:avLst/>
+          </a:prstGeom>
+        </p:spPr>
+        <p:txBody>
+          <a:bodyPr lIns="0" rIns="0" tIns="0" bIns="0">
+            <a:normAutofit fontScale="9000"/>
+          </a:bodyPr>
+          <a:p>
+            <a:endParaRPr b="0" lang="en-US" sz="3200" spc="-1" strike="noStrike">
+              <a:latin typeface="Arial"/>
+            </a:endParaRPr>
+          </a:p>
+        </p:txBody>
+      </p:sp>
+      <p:sp>
+        <p:nvSpPr>
+          <p:cNvPr id="141" name="PlaceHolder 4"/>
+          <p:cNvSpPr>
+            <a:spLocks noGrp="1"/>
+          </p:cNvSpPr>
+          <p:nvPr>
+            <p:ph type="body"/>
+          </p:nvPr>
+        </p:nvSpPr>
+        <p:spPr>
+          <a:xfrm>
+            <a:off x="504000" y="3043080"/>
+            <a:ext cx="58320" cy="1567080"/>
+          </a:xfrm>
+          <a:prstGeom prst="rect">
+            <a:avLst/>
+          </a:prstGeom>
+        </p:spPr>
+        <p:txBody>
+          <a:bodyPr lIns="0" rIns="0" tIns="0" bIns="0">
+            <a:normAutofit fontScale="9000"/>
+          </a:bodyPr>
+          <a:p>
+            <a:endParaRPr b="0" lang="en-US" sz="3200" spc="-1" strike="noStrike">
+              <a:latin typeface="Arial"/>
+            </a:endParaRPr>
+          </a:p>
+        </p:txBody>
+      </p:sp>
+    </p:spTree>
+  </p:cSld>
+</p:sldLayout>
+</file>
+
+<file path=ppt/slideLayouts/slideLayout46.xml><?xml version="1.0" encoding="utf-8"?>
+<p:sldLayout xmlns:a="http://schemas.openxmlformats.org/drawingml/2006/main" xmlns:p="http://schemas.openxmlformats.org/presentationml/2006/main" xmlns:r="http://schemas.openxmlformats.org/officeDocument/2006/relationships" xmlns:p14="http://schemas.microsoft.com/office/powerpoint/2010/main" xmlns:p15="http://schemas.microsoft.com/office/powerpoint/2012/main" xmlns:mc="http://schemas.openxmlformats.org/markup-compatibility/2006" type="objOverTx" preserve="1">
+  <p:cSld name="Title, Content over Content">
+    <p:spTree>
+      <p:nvGrpSpPr>
+        <p:cNvPr id="1" name=""/>
+        <p:cNvGrpSpPr/>
+        <p:nvPr/>
+      </p:nvGrpSpPr>
+      <p:grpSpPr>
+        <a:xfrm>
+          <a:off x="0" y="0"/>
+          <a:ext cx="0" cy="0"/>
+          <a:chOff x="0" y="0"/>
+          <a:chExt cx="0" cy="0"/>
+        </a:xfrm>
+      </p:grpSpPr>
+      <p:sp>
+        <p:nvSpPr>
+          <p:cNvPr id="142" name="PlaceHolder 1"/>
+          <p:cNvSpPr>
+            <a:spLocks noGrp="1"/>
+          </p:cNvSpPr>
+          <p:nvPr>
+            <p:ph type="title"/>
+          </p:nvPr>
+        </p:nvSpPr>
+        <p:spPr>
+          <a:xfrm>
+            <a:off x="504000" y="210600"/>
+            <a:ext cx="7016760" cy="946800"/>
+          </a:xfrm>
+          <a:prstGeom prst="rect">
+            <a:avLst/>
+          </a:prstGeom>
+        </p:spPr>
+        <p:txBody>
+          <a:bodyPr lIns="0" rIns="0" tIns="0" bIns="0" anchor="ctr">
+            <a:spAutoFit/>
+          </a:bodyPr>
+          <a:p>
+            <a:pPr algn="ctr"/>
+            <a:endParaRPr b="0" lang="en-US" sz="4400" spc="-1" strike="noStrike">
+              <a:latin typeface="Arial"/>
+            </a:endParaRPr>
+          </a:p>
+        </p:txBody>
+      </p:sp>
+      <p:sp>
+        <p:nvSpPr>
+          <p:cNvPr id="143" name="PlaceHolder 2"/>
+          <p:cNvSpPr>
+            <a:spLocks noGrp="1"/>
+          </p:cNvSpPr>
+          <p:nvPr>
+            <p:ph type="body"/>
+          </p:nvPr>
+        </p:nvSpPr>
+        <p:spPr>
+          <a:xfrm>
+            <a:off x="504000" y="1326600"/>
+            <a:ext cx="58320" cy="1567080"/>
+          </a:xfrm>
+          <a:prstGeom prst="rect">
+            <a:avLst/>
+          </a:prstGeom>
+        </p:spPr>
+        <p:txBody>
+          <a:bodyPr lIns="0" rIns="0" tIns="0" bIns="0">
+            <a:normAutofit fontScale="9000"/>
+          </a:bodyPr>
+          <a:p>
+            <a:endParaRPr b="0" lang="en-US" sz="3200" spc="-1" strike="noStrike">
+              <a:latin typeface="Arial"/>
+            </a:endParaRPr>
+          </a:p>
+        </p:txBody>
+      </p:sp>
+      <p:sp>
+        <p:nvSpPr>
+          <p:cNvPr id="144" name="PlaceHolder 3"/>
+          <p:cNvSpPr>
+            <a:spLocks noGrp="1"/>
+          </p:cNvSpPr>
+          <p:nvPr>
+            <p:ph type="body"/>
+          </p:nvPr>
+        </p:nvSpPr>
+        <p:spPr>
+          <a:xfrm>
+            <a:off x="504000" y="3043080"/>
+            <a:ext cx="58320" cy="1567080"/>
+          </a:xfrm>
+          <a:prstGeom prst="rect">
+            <a:avLst/>
+          </a:prstGeom>
+        </p:spPr>
+        <p:txBody>
+          <a:bodyPr lIns="0" rIns="0" tIns="0" bIns="0">
+            <a:normAutofit fontScale="9000"/>
+          </a:bodyPr>
+          <a:p>
+            <a:endParaRPr b="0" lang="en-US" sz="3200" spc="-1" strike="noStrike">
+              <a:latin typeface="Arial"/>
+            </a:endParaRPr>
+          </a:p>
+        </p:txBody>
+      </p:sp>
+    </p:spTree>
+  </p:cSld>
+</p:sldLayout>
+</file>
+
+<file path=ppt/slideLayouts/slideLayout47.xml><?xml version="1.0" encoding="utf-8"?>
+<p:sldLayout xmlns:a="http://schemas.openxmlformats.org/drawingml/2006/main" xmlns:p="http://schemas.openxmlformats.org/presentationml/2006/main" xmlns:r="http://schemas.openxmlformats.org/officeDocument/2006/relationships" xmlns:p14="http://schemas.microsoft.com/office/powerpoint/2010/main" xmlns:p15="http://schemas.microsoft.com/office/powerpoint/2012/main" xmlns:mc="http://schemas.openxmlformats.org/markup-compatibility/2006" type="fourObj" preserve="1">
+  <p:cSld name="Title, 4 Content">
+    <p:spTree>
+      <p:nvGrpSpPr>
+        <p:cNvPr id="1" name=""/>
+        <p:cNvGrpSpPr/>
+        <p:nvPr/>
+      </p:nvGrpSpPr>
+      <p:grpSpPr>
+        <a:xfrm>
+          <a:off x="0" y="0"/>
+          <a:ext cx="0" cy="0"/>
+          <a:chOff x="0" y="0"/>
+          <a:chExt cx="0" cy="0"/>
+        </a:xfrm>
+      </p:grpSpPr>
+      <p:sp>
+        <p:nvSpPr>
+          <p:cNvPr id="145" name="PlaceHolder 1"/>
+          <p:cNvSpPr>
+            <a:spLocks noGrp="1"/>
+          </p:cNvSpPr>
+          <p:nvPr>
+            <p:ph type="title"/>
+          </p:nvPr>
+        </p:nvSpPr>
+        <p:spPr>
+          <a:xfrm>
+            <a:off x="504000" y="210600"/>
+            <a:ext cx="7016760" cy="946800"/>
+          </a:xfrm>
+          <a:prstGeom prst="rect">
+            <a:avLst/>
+          </a:prstGeom>
+        </p:spPr>
+        <p:txBody>
+          <a:bodyPr lIns="0" rIns="0" tIns="0" bIns="0" anchor="ctr">
+            <a:spAutoFit/>
+          </a:bodyPr>
+          <a:p>
+            <a:pPr algn="ctr"/>
+            <a:endParaRPr b="0" lang="en-US" sz="4400" spc="-1" strike="noStrike">
+              <a:latin typeface="Arial"/>
+            </a:endParaRPr>
+          </a:p>
+        </p:txBody>
+      </p:sp>
+      <p:sp>
+        <p:nvSpPr>
+          <p:cNvPr id="146" name="PlaceHolder 2"/>
+          <p:cNvSpPr>
+            <a:spLocks noGrp="1"/>
+          </p:cNvSpPr>
+          <p:nvPr>
+            <p:ph type="body"/>
+          </p:nvPr>
+        </p:nvSpPr>
+        <p:spPr>
+          <a:xfrm>
+            <a:off x="504000" y="1326600"/>
+            <a:ext cx="28440" cy="1567080"/>
+          </a:xfrm>
+          <a:prstGeom prst="rect">
+            <a:avLst/>
+          </a:prstGeom>
+        </p:spPr>
+        <p:txBody>
+          <a:bodyPr lIns="0" rIns="0" tIns="0" bIns="0">
+            <a:normAutofit fontScale="9000"/>
+          </a:bodyPr>
+          <a:p>
+            <a:endParaRPr b="0" lang="en-US" sz="3200" spc="-1" strike="noStrike">
+              <a:latin typeface="Arial"/>
+            </a:endParaRPr>
+          </a:p>
+        </p:txBody>
+      </p:sp>
+      <p:sp>
+        <p:nvSpPr>
+          <p:cNvPr id="147" name="PlaceHolder 3"/>
+          <p:cNvSpPr>
+            <a:spLocks noGrp="1"/>
+          </p:cNvSpPr>
+          <p:nvPr>
+            <p:ph type="body"/>
+          </p:nvPr>
+        </p:nvSpPr>
+        <p:spPr>
+          <a:xfrm>
+            <a:off x="534240" y="1326600"/>
+            <a:ext cx="28440" cy="1567080"/>
+          </a:xfrm>
+          <a:prstGeom prst="rect">
+            <a:avLst/>
+          </a:prstGeom>
+        </p:spPr>
+        <p:txBody>
+          <a:bodyPr lIns="0" rIns="0" tIns="0" bIns="0">
+            <a:normAutofit fontScale="9000"/>
+          </a:bodyPr>
+          <a:p>
+            <a:endParaRPr b="0" lang="en-US" sz="3200" spc="-1" strike="noStrike">
+              <a:latin typeface="Arial"/>
+            </a:endParaRPr>
+          </a:p>
+        </p:txBody>
+      </p:sp>
+      <p:sp>
+        <p:nvSpPr>
+          <p:cNvPr id="148" name="PlaceHolder 4"/>
+          <p:cNvSpPr>
+            <a:spLocks noGrp="1"/>
+          </p:cNvSpPr>
+          <p:nvPr>
+            <p:ph type="body"/>
+          </p:nvPr>
+        </p:nvSpPr>
+        <p:spPr>
+          <a:xfrm>
+            <a:off x="504000" y="3043080"/>
+            <a:ext cx="28440" cy="1567080"/>
+          </a:xfrm>
+          <a:prstGeom prst="rect">
+            <a:avLst/>
+          </a:prstGeom>
+        </p:spPr>
+        <p:txBody>
+          <a:bodyPr lIns="0" rIns="0" tIns="0" bIns="0">
+            <a:normAutofit fontScale="9000"/>
+          </a:bodyPr>
+          <a:p>
+            <a:endParaRPr b="0" lang="en-US" sz="3200" spc="-1" strike="noStrike">
+              <a:latin typeface="Arial"/>
+            </a:endParaRPr>
+          </a:p>
+        </p:txBody>
+      </p:sp>
+      <p:sp>
+        <p:nvSpPr>
+          <p:cNvPr id="149" name="PlaceHolder 5"/>
+          <p:cNvSpPr>
+            <a:spLocks noGrp="1"/>
+          </p:cNvSpPr>
+          <p:nvPr>
+            <p:ph type="body"/>
+          </p:nvPr>
+        </p:nvSpPr>
+        <p:spPr>
+          <a:xfrm>
+            <a:off x="534240" y="3043080"/>
+            <a:ext cx="28440" cy="1567080"/>
+          </a:xfrm>
+          <a:prstGeom prst="rect">
+            <a:avLst/>
+          </a:prstGeom>
+        </p:spPr>
+        <p:txBody>
+          <a:bodyPr lIns="0" rIns="0" tIns="0" bIns="0">
+            <a:normAutofit fontScale="9000"/>
+          </a:bodyPr>
+          <a:p>
+            <a:endParaRPr b="0" lang="en-US" sz="3200" spc="-1" strike="noStrike">
+              <a:latin typeface="Arial"/>
+            </a:endParaRPr>
+          </a:p>
+        </p:txBody>
+      </p:sp>
+    </p:spTree>
+  </p:cSld>
+</p:sldLayout>
+</file>
+
+<file path=ppt/slideLayouts/slideLayout48.xml><?xml version="1.0" encoding="utf-8"?>
+<p:sldLayout xmlns:a="http://schemas.openxmlformats.org/drawingml/2006/main" xmlns:p="http://schemas.openxmlformats.org/presentationml/2006/main" xmlns:r="http://schemas.openxmlformats.org/officeDocument/2006/relationships" xmlns:p14="http://schemas.microsoft.com/office/powerpoint/2010/main" xmlns:p15="http://schemas.microsoft.com/office/powerpoint/2012/main" xmlns:mc="http://schemas.openxmlformats.org/markup-compatibility/2006" type="blank" preserve="1">
+  <p:cSld name="Title, 6 Content">
+    <p:spTree>
+      <p:nvGrpSpPr>
+        <p:cNvPr id="1" name=""/>
+        <p:cNvGrpSpPr/>
+        <p:nvPr/>
+      </p:nvGrpSpPr>
+      <p:grpSpPr>
+        <a:xfrm>
+          <a:off x="0" y="0"/>
+          <a:ext cx="0" cy="0"/>
+          <a:chOff x="0" y="0"/>
+          <a:chExt cx="0" cy="0"/>
+        </a:xfrm>
+      </p:grpSpPr>
+      <p:sp>
+        <p:nvSpPr>
+          <p:cNvPr id="150" name="PlaceHolder 1"/>
+          <p:cNvSpPr>
+            <a:spLocks noGrp="1"/>
+          </p:cNvSpPr>
+          <p:nvPr>
+            <p:ph type="title"/>
+          </p:nvPr>
+        </p:nvSpPr>
+        <p:spPr>
+          <a:xfrm>
+            <a:off x="504000" y="210600"/>
+            <a:ext cx="7016760" cy="946800"/>
+          </a:xfrm>
+          <a:prstGeom prst="rect">
+            <a:avLst/>
+          </a:prstGeom>
+        </p:spPr>
+        <p:txBody>
+          <a:bodyPr lIns="0" rIns="0" tIns="0" bIns="0" anchor="ctr">
+            <a:spAutoFit/>
+          </a:bodyPr>
+          <a:p>
+            <a:pPr algn="ctr"/>
+            <a:endParaRPr b="0" lang="en-US" sz="4400" spc="-1" strike="noStrike">
+              <a:latin typeface="Arial"/>
+            </a:endParaRPr>
+          </a:p>
+        </p:txBody>
+      </p:sp>
+      <p:sp>
+        <p:nvSpPr>
+          <p:cNvPr id="151" name="PlaceHolder 2"/>
+          <p:cNvSpPr>
+            <a:spLocks noGrp="1"/>
+          </p:cNvSpPr>
+          <p:nvPr>
+            <p:ph type="body"/>
+          </p:nvPr>
+        </p:nvSpPr>
+        <p:spPr>
+          <a:xfrm>
+            <a:off x="504000" y="1326600"/>
+            <a:ext cx="18360" cy="1567080"/>
+          </a:xfrm>
+          <a:prstGeom prst="rect">
+            <a:avLst/>
+          </a:prstGeom>
+        </p:spPr>
+        <p:txBody>
+          <a:bodyPr lIns="0" rIns="0" tIns="0" bIns="0">
+            <a:normAutofit fontScale="9000"/>
+          </a:bodyPr>
+          <a:p>
+            <a:endParaRPr b="0" lang="en-US" sz="3200" spc="-1" strike="noStrike">
+              <a:latin typeface="Arial"/>
+            </a:endParaRPr>
+          </a:p>
+        </p:txBody>
+      </p:sp>
+      <p:sp>
+        <p:nvSpPr>
+          <p:cNvPr id="152" name="PlaceHolder 3"/>
+          <p:cNvSpPr>
+            <a:spLocks noGrp="1"/>
+          </p:cNvSpPr>
+          <p:nvPr>
+            <p:ph type="body"/>
+          </p:nvPr>
+        </p:nvSpPr>
+        <p:spPr>
+          <a:xfrm>
+            <a:off x="523800" y="1326600"/>
+            <a:ext cx="18360" cy="1567080"/>
+          </a:xfrm>
+          <a:prstGeom prst="rect">
+            <a:avLst/>
+          </a:prstGeom>
+        </p:spPr>
+        <p:txBody>
+          <a:bodyPr lIns="0" rIns="0" tIns="0" bIns="0">
+            <a:normAutofit fontScale="9000"/>
+          </a:bodyPr>
+          <a:p>
+            <a:endParaRPr b="0" lang="en-US" sz="3200" spc="-1" strike="noStrike">
+              <a:latin typeface="Arial"/>
+            </a:endParaRPr>
+          </a:p>
+        </p:txBody>
+      </p:sp>
+      <p:sp>
+        <p:nvSpPr>
+          <p:cNvPr id="153" name="PlaceHolder 4"/>
+          <p:cNvSpPr>
+            <a:spLocks noGrp="1"/>
+          </p:cNvSpPr>
+          <p:nvPr>
+            <p:ph type="body"/>
+          </p:nvPr>
+        </p:nvSpPr>
+        <p:spPr>
+          <a:xfrm>
+            <a:off x="543240" y="1326600"/>
+            <a:ext cx="18360" cy="1567080"/>
+          </a:xfrm>
+          <a:prstGeom prst="rect">
+            <a:avLst/>
+          </a:prstGeom>
+        </p:spPr>
+        <p:txBody>
+          <a:bodyPr lIns="0" rIns="0" tIns="0" bIns="0">
+            <a:normAutofit fontScale="9000"/>
+          </a:bodyPr>
+          <a:p>
+            <a:endParaRPr b="0" lang="en-US" sz="3200" spc="-1" strike="noStrike">
+              <a:latin typeface="Arial"/>
+            </a:endParaRPr>
+          </a:p>
+        </p:txBody>
+      </p:sp>
+      <p:sp>
+        <p:nvSpPr>
+          <p:cNvPr id="154" name="PlaceHolder 5"/>
+          <p:cNvSpPr>
+            <a:spLocks noGrp="1"/>
+          </p:cNvSpPr>
+          <p:nvPr>
+            <p:ph type="body"/>
+          </p:nvPr>
+        </p:nvSpPr>
+        <p:spPr>
+          <a:xfrm>
+            <a:off x="504000" y="3043080"/>
+            <a:ext cx="18360" cy="1567080"/>
+          </a:xfrm>
+          <a:prstGeom prst="rect">
+            <a:avLst/>
+          </a:prstGeom>
+        </p:spPr>
+        <p:txBody>
+          <a:bodyPr lIns="0" rIns="0" tIns="0" bIns="0">
+            <a:normAutofit fontScale="9000"/>
+          </a:bodyPr>
+          <a:p>
+            <a:endParaRPr b="0" lang="en-US" sz="3200" spc="-1" strike="noStrike">
+              <a:latin typeface="Arial"/>
+            </a:endParaRPr>
+          </a:p>
+        </p:txBody>
+      </p:sp>
+      <p:sp>
+        <p:nvSpPr>
+          <p:cNvPr id="155" name="PlaceHolder 6"/>
+          <p:cNvSpPr>
+            <a:spLocks noGrp="1"/>
+          </p:cNvSpPr>
+          <p:nvPr>
+            <p:ph type="body"/>
+          </p:nvPr>
+        </p:nvSpPr>
+        <p:spPr>
+          <a:xfrm>
+            <a:off x="523800" y="3043080"/>
+            <a:ext cx="18360" cy="1567080"/>
+          </a:xfrm>
+          <a:prstGeom prst="rect">
+            <a:avLst/>
+          </a:prstGeom>
+        </p:spPr>
+        <p:txBody>
+          <a:bodyPr lIns="0" rIns="0" tIns="0" bIns="0">
+            <a:normAutofit fontScale="9000"/>
+          </a:bodyPr>
+          <a:p>
+            <a:endParaRPr b="0" lang="en-US" sz="3200" spc="-1" strike="noStrike">
+              <a:latin typeface="Arial"/>
+            </a:endParaRPr>
+          </a:p>
+        </p:txBody>
+      </p:sp>
+      <p:sp>
+        <p:nvSpPr>
+          <p:cNvPr id="156" name="PlaceHolder 7"/>
+          <p:cNvSpPr>
+            <a:spLocks noGrp="1"/>
+          </p:cNvSpPr>
+          <p:nvPr>
+            <p:ph type="body"/>
+          </p:nvPr>
+        </p:nvSpPr>
+        <p:spPr>
+          <a:xfrm>
+            <a:off x="543240" y="3043080"/>
+            <a:ext cx="18360" cy="1567080"/>
+          </a:xfrm>
+          <a:prstGeom prst="rect">
+            <a:avLst/>
+          </a:prstGeom>
+        </p:spPr>
+        <p:txBody>
+          <a:bodyPr lIns="0" rIns="0" tIns="0" bIns="0">
+            <a:normAutofit fontScale="9000"/>
+          </a:bodyPr>
+          <a:p>
+            <a:endParaRPr b="0" lang="en-US" sz="3200" spc="-1" strike="noStrike">
+              <a:latin typeface="Arial"/>
+            </a:endParaRPr>
+          </a:p>
+        </p:txBody>
+      </p:sp>
+    </p:spTree>
+  </p:cSld>
+</p:sldLayout>
+</file>
+
+<file path=ppt/slideLayouts/slideLayout49.xml><?xml version="1.0" encoding="utf-8"?>
+<p:sldLayout xmlns:a="http://schemas.openxmlformats.org/drawingml/2006/main" xmlns:p="http://schemas.openxmlformats.org/presentationml/2006/main" xmlns:r="http://schemas.openxmlformats.org/officeDocument/2006/relationships" xmlns:p14="http://schemas.microsoft.com/office/powerpoint/2010/main" xmlns:p15="http://schemas.microsoft.com/office/powerpoint/2012/main" xmlns:mc="http://schemas.openxmlformats.org/markup-compatibility/2006" type="blank" preserve="1">
+  <p:cSld name="Blank Slide">
+    <p:spTree>
+      <p:nvGrpSpPr>
+        <p:cNvPr id="1" name=""/>
+        <p:cNvGrpSpPr/>
+        <p:nvPr/>
+      </p:nvGrpSpPr>
+      <p:grpSpPr>
+        <a:xfrm>
+          <a:off x="0" y="0"/>
+          <a:ext cx="0" cy="0"/>
+          <a:chOff x="0" y="0"/>
+          <a:chExt cx="0" cy="0"/>
+        </a:xfrm>
+      </p:grpSpPr>
     </p:spTree>
   </p:cSld>
 </p:sldLayout>
@@ -3584,7 +4964,7 @@
         <p:spPr>
           <a:xfrm>
             <a:off x="504000" y="210600"/>
-            <a:ext cx="7017120" cy="946800"/>
+            <a:ext cx="7016760" cy="946800"/>
           </a:xfrm>
           <a:prstGeom prst="rect">
             <a:avLst/>
@@ -3597,6 +4977,1107 @@
           <a:p>
             <a:pPr algn="ctr"/>
             <a:endParaRPr b="0" lang="en-US" sz="4400" spc="-1" strike="noStrike">
+              <a:latin typeface="Arial"/>
+            </a:endParaRPr>
+          </a:p>
+        </p:txBody>
+      </p:sp>
+    </p:spTree>
+  </p:cSld>
+</p:sldLayout>
+</file>
+
+<file path=ppt/slideLayouts/slideLayout50.xml><?xml version="1.0" encoding="utf-8"?>
+<p:sldLayout xmlns:a="http://schemas.openxmlformats.org/drawingml/2006/main" xmlns:p="http://schemas.openxmlformats.org/presentationml/2006/main" xmlns:r="http://schemas.openxmlformats.org/officeDocument/2006/relationships" xmlns:p14="http://schemas.microsoft.com/office/powerpoint/2010/main" xmlns:p15="http://schemas.microsoft.com/office/powerpoint/2012/main" xmlns:mc="http://schemas.openxmlformats.org/markup-compatibility/2006" type="tx" preserve="1">
+  <p:cSld name="Title Slide">
+    <p:spTree>
+      <p:nvGrpSpPr>
+        <p:cNvPr id="1" name=""/>
+        <p:cNvGrpSpPr/>
+        <p:nvPr/>
+      </p:nvGrpSpPr>
+      <p:grpSpPr>
+        <a:xfrm>
+          <a:off x="0" y="0"/>
+          <a:ext cx="0" cy="0"/>
+          <a:chOff x="0" y="0"/>
+          <a:chExt cx="0" cy="0"/>
+        </a:xfrm>
+      </p:grpSpPr>
+      <p:sp>
+        <p:nvSpPr>
+          <p:cNvPr id="160" name="PlaceHolder 1"/>
+          <p:cNvSpPr>
+            <a:spLocks noGrp="1"/>
+          </p:cNvSpPr>
+          <p:nvPr>
+            <p:ph type="title"/>
+          </p:nvPr>
+        </p:nvSpPr>
+        <p:spPr>
+          <a:xfrm>
+            <a:off x="504000" y="210600"/>
+            <a:ext cx="7016760" cy="946800"/>
+          </a:xfrm>
+          <a:prstGeom prst="rect">
+            <a:avLst/>
+          </a:prstGeom>
+        </p:spPr>
+        <p:txBody>
+          <a:bodyPr lIns="0" rIns="0" tIns="0" bIns="0" anchor="ctr">
+            <a:spAutoFit/>
+          </a:bodyPr>
+          <a:p>
+            <a:pPr algn="ctr"/>
+            <a:endParaRPr b="0" lang="en-US" sz="4400" spc="-1" strike="noStrike">
+              <a:latin typeface="Arial"/>
+            </a:endParaRPr>
+          </a:p>
+        </p:txBody>
+      </p:sp>
+      <p:sp>
+        <p:nvSpPr>
+          <p:cNvPr id="161" name="PlaceHolder 2"/>
+          <p:cNvSpPr>
+            <a:spLocks noGrp="1"/>
+          </p:cNvSpPr>
+          <p:nvPr>
+            <p:ph type="subTitle"/>
+          </p:nvPr>
+        </p:nvSpPr>
+        <p:spPr>
+          <a:xfrm>
+            <a:off x="504000" y="-904680"/>
+            <a:ext cx="58320" cy="7748280"/>
+          </a:xfrm>
+          <a:prstGeom prst="rect">
+            <a:avLst/>
+          </a:prstGeom>
+        </p:spPr>
+        <p:txBody>
+          <a:bodyPr lIns="0" rIns="0" tIns="0" bIns="0" anchor="ctr">
+            <a:spAutoFit/>
+          </a:bodyPr>
+          <a:p>
+            <a:pPr algn="ctr"/>
+            <a:endParaRPr b="0" lang="en-US" sz="3200" spc="-1" strike="noStrike">
+              <a:latin typeface="Arial"/>
+            </a:endParaRPr>
+          </a:p>
+        </p:txBody>
+      </p:sp>
+    </p:spTree>
+  </p:cSld>
+</p:sldLayout>
+</file>
+
+<file path=ppt/slideLayouts/slideLayout51.xml><?xml version="1.0" encoding="utf-8"?>
+<p:sldLayout xmlns:a="http://schemas.openxmlformats.org/drawingml/2006/main" xmlns:p="http://schemas.openxmlformats.org/presentationml/2006/main" xmlns:r="http://schemas.openxmlformats.org/officeDocument/2006/relationships" xmlns:p14="http://schemas.microsoft.com/office/powerpoint/2010/main" xmlns:p15="http://schemas.microsoft.com/office/powerpoint/2012/main" xmlns:mc="http://schemas.openxmlformats.org/markup-compatibility/2006" type="obj" preserve="1">
+  <p:cSld name="Title, Content">
+    <p:spTree>
+      <p:nvGrpSpPr>
+        <p:cNvPr id="1" name=""/>
+        <p:cNvGrpSpPr/>
+        <p:nvPr/>
+      </p:nvGrpSpPr>
+      <p:grpSpPr>
+        <a:xfrm>
+          <a:off x="0" y="0"/>
+          <a:ext cx="0" cy="0"/>
+          <a:chOff x="0" y="0"/>
+          <a:chExt cx="0" cy="0"/>
+        </a:xfrm>
+      </p:grpSpPr>
+      <p:sp>
+        <p:nvSpPr>
+          <p:cNvPr id="162" name="PlaceHolder 1"/>
+          <p:cNvSpPr>
+            <a:spLocks noGrp="1"/>
+          </p:cNvSpPr>
+          <p:nvPr>
+            <p:ph type="title"/>
+          </p:nvPr>
+        </p:nvSpPr>
+        <p:spPr>
+          <a:xfrm>
+            <a:off x="504000" y="210600"/>
+            <a:ext cx="7016760" cy="946800"/>
+          </a:xfrm>
+          <a:prstGeom prst="rect">
+            <a:avLst/>
+          </a:prstGeom>
+        </p:spPr>
+        <p:txBody>
+          <a:bodyPr lIns="0" rIns="0" tIns="0" bIns="0" anchor="ctr">
+            <a:spAutoFit/>
+          </a:bodyPr>
+          <a:p>
+            <a:pPr algn="ctr"/>
+            <a:endParaRPr b="0" lang="en-US" sz="4400" spc="-1" strike="noStrike">
+              <a:latin typeface="Arial"/>
+            </a:endParaRPr>
+          </a:p>
+        </p:txBody>
+      </p:sp>
+      <p:sp>
+        <p:nvSpPr>
+          <p:cNvPr id="163" name="PlaceHolder 2"/>
+          <p:cNvSpPr>
+            <a:spLocks noGrp="1"/>
+          </p:cNvSpPr>
+          <p:nvPr>
+            <p:ph type="body"/>
+          </p:nvPr>
+        </p:nvSpPr>
+        <p:spPr>
+          <a:xfrm>
+            <a:off x="504000" y="1326600"/>
+            <a:ext cx="58320" cy="3285720"/>
+          </a:xfrm>
+          <a:prstGeom prst="rect">
+            <a:avLst/>
+          </a:prstGeom>
+        </p:spPr>
+        <p:txBody>
+          <a:bodyPr lIns="0" rIns="0" tIns="0" bIns="0">
+            <a:normAutofit fontScale="27000"/>
+          </a:bodyPr>
+          <a:p>
+            <a:endParaRPr b="0" lang="en-US" sz="3200" spc="-1" strike="noStrike">
+              <a:latin typeface="Arial"/>
+            </a:endParaRPr>
+          </a:p>
+        </p:txBody>
+      </p:sp>
+    </p:spTree>
+  </p:cSld>
+</p:sldLayout>
+</file>
+
+<file path=ppt/slideLayouts/slideLayout52.xml><?xml version="1.0" encoding="utf-8"?>
+<p:sldLayout xmlns:a="http://schemas.openxmlformats.org/drawingml/2006/main" xmlns:p="http://schemas.openxmlformats.org/presentationml/2006/main" xmlns:r="http://schemas.openxmlformats.org/officeDocument/2006/relationships" xmlns:p14="http://schemas.microsoft.com/office/powerpoint/2010/main" xmlns:p15="http://schemas.microsoft.com/office/powerpoint/2012/main" xmlns:mc="http://schemas.openxmlformats.org/markup-compatibility/2006" type="twoObj" preserve="1">
+  <p:cSld name="Title, 2 Content">
+    <p:spTree>
+      <p:nvGrpSpPr>
+        <p:cNvPr id="1" name=""/>
+        <p:cNvGrpSpPr/>
+        <p:nvPr/>
+      </p:nvGrpSpPr>
+      <p:grpSpPr>
+        <a:xfrm>
+          <a:off x="0" y="0"/>
+          <a:ext cx="0" cy="0"/>
+          <a:chOff x="0" y="0"/>
+          <a:chExt cx="0" cy="0"/>
+        </a:xfrm>
+      </p:grpSpPr>
+      <p:sp>
+        <p:nvSpPr>
+          <p:cNvPr id="164" name="PlaceHolder 1"/>
+          <p:cNvSpPr>
+            <a:spLocks noGrp="1"/>
+          </p:cNvSpPr>
+          <p:nvPr>
+            <p:ph type="title"/>
+          </p:nvPr>
+        </p:nvSpPr>
+        <p:spPr>
+          <a:xfrm>
+            <a:off x="504000" y="210600"/>
+            <a:ext cx="7016760" cy="946800"/>
+          </a:xfrm>
+          <a:prstGeom prst="rect">
+            <a:avLst/>
+          </a:prstGeom>
+        </p:spPr>
+        <p:txBody>
+          <a:bodyPr lIns="0" rIns="0" tIns="0" bIns="0" anchor="ctr">
+            <a:spAutoFit/>
+          </a:bodyPr>
+          <a:p>
+            <a:pPr algn="ctr"/>
+            <a:endParaRPr b="0" lang="en-US" sz="4400" spc="-1" strike="noStrike">
+              <a:latin typeface="Arial"/>
+            </a:endParaRPr>
+          </a:p>
+        </p:txBody>
+      </p:sp>
+      <p:sp>
+        <p:nvSpPr>
+          <p:cNvPr id="165" name="PlaceHolder 2"/>
+          <p:cNvSpPr>
+            <a:spLocks noGrp="1"/>
+          </p:cNvSpPr>
+          <p:nvPr>
+            <p:ph type="body"/>
+          </p:nvPr>
+        </p:nvSpPr>
+        <p:spPr>
+          <a:xfrm>
+            <a:off x="504000" y="1326600"/>
+            <a:ext cx="28440" cy="3285720"/>
+          </a:xfrm>
+          <a:prstGeom prst="rect">
+            <a:avLst/>
+          </a:prstGeom>
+        </p:spPr>
+        <p:txBody>
+          <a:bodyPr lIns="0" rIns="0" tIns="0" bIns="0">
+            <a:normAutofit fontScale="27000"/>
+          </a:bodyPr>
+          <a:p>
+            <a:endParaRPr b="0" lang="en-US" sz="3200" spc="-1" strike="noStrike">
+              <a:latin typeface="Arial"/>
+            </a:endParaRPr>
+          </a:p>
+        </p:txBody>
+      </p:sp>
+      <p:sp>
+        <p:nvSpPr>
+          <p:cNvPr id="166" name="PlaceHolder 3"/>
+          <p:cNvSpPr>
+            <a:spLocks noGrp="1"/>
+          </p:cNvSpPr>
+          <p:nvPr>
+            <p:ph type="body"/>
+          </p:nvPr>
+        </p:nvSpPr>
+        <p:spPr>
+          <a:xfrm>
+            <a:off x="534240" y="1326600"/>
+            <a:ext cx="28440" cy="3285720"/>
+          </a:xfrm>
+          <a:prstGeom prst="rect">
+            <a:avLst/>
+          </a:prstGeom>
+        </p:spPr>
+        <p:txBody>
+          <a:bodyPr lIns="0" rIns="0" tIns="0" bIns="0">
+            <a:normAutofit fontScale="27000"/>
+          </a:bodyPr>
+          <a:p>
+            <a:endParaRPr b="0" lang="en-US" sz="3200" spc="-1" strike="noStrike">
+              <a:latin typeface="Arial"/>
+            </a:endParaRPr>
+          </a:p>
+        </p:txBody>
+      </p:sp>
+    </p:spTree>
+  </p:cSld>
+</p:sldLayout>
+</file>
+
+<file path=ppt/slideLayouts/slideLayout53.xml><?xml version="1.0" encoding="utf-8"?>
+<p:sldLayout xmlns:a="http://schemas.openxmlformats.org/drawingml/2006/main" xmlns:p="http://schemas.openxmlformats.org/presentationml/2006/main" xmlns:r="http://schemas.openxmlformats.org/officeDocument/2006/relationships" xmlns:p14="http://schemas.microsoft.com/office/powerpoint/2010/main" xmlns:p15="http://schemas.microsoft.com/office/powerpoint/2012/main" xmlns:mc="http://schemas.openxmlformats.org/markup-compatibility/2006" type="titleOnly" preserve="1">
+  <p:cSld name="Title Only">
+    <p:spTree>
+      <p:nvGrpSpPr>
+        <p:cNvPr id="1" name=""/>
+        <p:cNvGrpSpPr/>
+        <p:nvPr/>
+      </p:nvGrpSpPr>
+      <p:grpSpPr>
+        <a:xfrm>
+          <a:off x="0" y="0"/>
+          <a:ext cx="0" cy="0"/>
+          <a:chOff x="0" y="0"/>
+          <a:chExt cx="0" cy="0"/>
+        </a:xfrm>
+      </p:grpSpPr>
+      <p:sp>
+        <p:nvSpPr>
+          <p:cNvPr id="167" name="PlaceHolder 1"/>
+          <p:cNvSpPr>
+            <a:spLocks noGrp="1"/>
+          </p:cNvSpPr>
+          <p:nvPr>
+            <p:ph type="title"/>
+          </p:nvPr>
+        </p:nvSpPr>
+        <p:spPr>
+          <a:xfrm>
+            <a:off x="504000" y="210600"/>
+            <a:ext cx="7016760" cy="946800"/>
+          </a:xfrm>
+          <a:prstGeom prst="rect">
+            <a:avLst/>
+          </a:prstGeom>
+        </p:spPr>
+        <p:txBody>
+          <a:bodyPr lIns="0" rIns="0" tIns="0" bIns="0" anchor="ctr">
+            <a:spAutoFit/>
+          </a:bodyPr>
+          <a:p>
+            <a:pPr algn="ctr"/>
+            <a:endParaRPr b="0" lang="en-US" sz="4400" spc="-1" strike="noStrike">
+              <a:latin typeface="Arial"/>
+            </a:endParaRPr>
+          </a:p>
+        </p:txBody>
+      </p:sp>
+    </p:spTree>
+  </p:cSld>
+</p:sldLayout>
+</file>
+
+<file path=ppt/slideLayouts/slideLayout54.xml><?xml version="1.0" encoding="utf-8"?>
+<p:sldLayout xmlns:a="http://schemas.openxmlformats.org/drawingml/2006/main" xmlns:p="http://schemas.openxmlformats.org/presentationml/2006/main" xmlns:r="http://schemas.openxmlformats.org/officeDocument/2006/relationships" xmlns:p14="http://schemas.microsoft.com/office/powerpoint/2010/main" xmlns:p15="http://schemas.microsoft.com/office/powerpoint/2012/main" xmlns:mc="http://schemas.openxmlformats.org/markup-compatibility/2006" type="objOnly" preserve="1">
+  <p:cSld name="Centered Text">
+    <p:spTree>
+      <p:nvGrpSpPr>
+        <p:cNvPr id="1" name=""/>
+        <p:cNvGrpSpPr/>
+        <p:nvPr/>
+      </p:nvGrpSpPr>
+      <p:grpSpPr>
+        <a:xfrm>
+          <a:off x="0" y="0"/>
+          <a:ext cx="0" cy="0"/>
+          <a:chOff x="0" y="0"/>
+          <a:chExt cx="0" cy="0"/>
+        </a:xfrm>
+      </p:grpSpPr>
+      <p:sp>
+        <p:nvSpPr>
+          <p:cNvPr id="168" name="PlaceHolder 1"/>
+          <p:cNvSpPr>
+            <a:spLocks noGrp="1"/>
+          </p:cNvSpPr>
+          <p:nvPr>
+            <p:ph type="subTitle"/>
+          </p:nvPr>
+        </p:nvSpPr>
+        <p:spPr>
+          <a:xfrm>
+            <a:off x="504000" y="210600"/>
+            <a:ext cx="7016760" cy="4390200"/>
+          </a:xfrm>
+          <a:prstGeom prst="rect">
+            <a:avLst/>
+          </a:prstGeom>
+        </p:spPr>
+        <p:txBody>
+          <a:bodyPr lIns="0" rIns="0" tIns="0" bIns="0" anchor="ctr">
+            <a:spAutoFit/>
+          </a:bodyPr>
+          <a:p>
+            <a:pPr algn="ctr"/>
+            <a:endParaRPr b="0" lang="en-US" sz="3200" spc="-1" strike="noStrike">
+              <a:latin typeface="Arial"/>
+            </a:endParaRPr>
+          </a:p>
+        </p:txBody>
+      </p:sp>
+    </p:spTree>
+  </p:cSld>
+</p:sldLayout>
+</file>
+
+<file path=ppt/slideLayouts/slideLayout55.xml><?xml version="1.0" encoding="utf-8"?>
+<p:sldLayout xmlns:a="http://schemas.openxmlformats.org/drawingml/2006/main" xmlns:p="http://schemas.openxmlformats.org/presentationml/2006/main" xmlns:r="http://schemas.openxmlformats.org/officeDocument/2006/relationships" xmlns:p14="http://schemas.microsoft.com/office/powerpoint/2010/main" xmlns:p15="http://schemas.microsoft.com/office/powerpoint/2012/main" xmlns:mc="http://schemas.openxmlformats.org/markup-compatibility/2006" type="twoObjAndObj" preserve="1">
+  <p:cSld name="Title, 2 Content and Content">
+    <p:spTree>
+      <p:nvGrpSpPr>
+        <p:cNvPr id="1" name=""/>
+        <p:cNvGrpSpPr/>
+        <p:nvPr/>
+      </p:nvGrpSpPr>
+      <p:grpSpPr>
+        <a:xfrm>
+          <a:off x="0" y="0"/>
+          <a:ext cx="0" cy="0"/>
+          <a:chOff x="0" y="0"/>
+          <a:chExt cx="0" cy="0"/>
+        </a:xfrm>
+      </p:grpSpPr>
+      <p:sp>
+        <p:nvSpPr>
+          <p:cNvPr id="169" name="PlaceHolder 1"/>
+          <p:cNvSpPr>
+            <a:spLocks noGrp="1"/>
+          </p:cNvSpPr>
+          <p:nvPr>
+            <p:ph type="title"/>
+          </p:nvPr>
+        </p:nvSpPr>
+        <p:spPr>
+          <a:xfrm>
+            <a:off x="504000" y="210600"/>
+            <a:ext cx="7016760" cy="946800"/>
+          </a:xfrm>
+          <a:prstGeom prst="rect">
+            <a:avLst/>
+          </a:prstGeom>
+        </p:spPr>
+        <p:txBody>
+          <a:bodyPr lIns="0" rIns="0" tIns="0" bIns="0" anchor="ctr">
+            <a:spAutoFit/>
+          </a:bodyPr>
+          <a:p>
+            <a:pPr algn="ctr"/>
+            <a:endParaRPr b="0" lang="en-US" sz="4400" spc="-1" strike="noStrike">
+              <a:latin typeface="Arial"/>
+            </a:endParaRPr>
+          </a:p>
+        </p:txBody>
+      </p:sp>
+      <p:sp>
+        <p:nvSpPr>
+          <p:cNvPr id="170" name="PlaceHolder 2"/>
+          <p:cNvSpPr>
+            <a:spLocks noGrp="1"/>
+          </p:cNvSpPr>
+          <p:nvPr>
+            <p:ph type="body"/>
+          </p:nvPr>
+        </p:nvSpPr>
+        <p:spPr>
+          <a:xfrm>
+            <a:off x="504000" y="1326600"/>
+            <a:ext cx="28440" cy="1567080"/>
+          </a:xfrm>
+          <a:prstGeom prst="rect">
+            <a:avLst/>
+          </a:prstGeom>
+        </p:spPr>
+        <p:txBody>
+          <a:bodyPr lIns="0" rIns="0" tIns="0" bIns="0">
+            <a:normAutofit fontScale="9000"/>
+          </a:bodyPr>
+          <a:p>
+            <a:endParaRPr b="0" lang="en-US" sz="3200" spc="-1" strike="noStrike">
+              <a:latin typeface="Arial"/>
+            </a:endParaRPr>
+          </a:p>
+        </p:txBody>
+      </p:sp>
+      <p:sp>
+        <p:nvSpPr>
+          <p:cNvPr id="171" name="PlaceHolder 3"/>
+          <p:cNvSpPr>
+            <a:spLocks noGrp="1"/>
+          </p:cNvSpPr>
+          <p:nvPr>
+            <p:ph type="body"/>
+          </p:nvPr>
+        </p:nvSpPr>
+        <p:spPr>
+          <a:xfrm>
+            <a:off x="534240" y="1326600"/>
+            <a:ext cx="28440" cy="3285720"/>
+          </a:xfrm>
+          <a:prstGeom prst="rect">
+            <a:avLst/>
+          </a:prstGeom>
+        </p:spPr>
+        <p:txBody>
+          <a:bodyPr lIns="0" rIns="0" tIns="0" bIns="0">
+            <a:normAutofit fontScale="27000"/>
+          </a:bodyPr>
+          <a:p>
+            <a:endParaRPr b="0" lang="en-US" sz="3200" spc="-1" strike="noStrike">
+              <a:latin typeface="Arial"/>
+            </a:endParaRPr>
+          </a:p>
+        </p:txBody>
+      </p:sp>
+      <p:sp>
+        <p:nvSpPr>
+          <p:cNvPr id="172" name="PlaceHolder 4"/>
+          <p:cNvSpPr>
+            <a:spLocks noGrp="1"/>
+          </p:cNvSpPr>
+          <p:nvPr>
+            <p:ph type="body"/>
+          </p:nvPr>
+        </p:nvSpPr>
+        <p:spPr>
+          <a:xfrm>
+            <a:off x="504000" y="3043080"/>
+            <a:ext cx="28440" cy="1567080"/>
+          </a:xfrm>
+          <a:prstGeom prst="rect">
+            <a:avLst/>
+          </a:prstGeom>
+        </p:spPr>
+        <p:txBody>
+          <a:bodyPr lIns="0" rIns="0" tIns="0" bIns="0">
+            <a:normAutofit fontScale="9000"/>
+          </a:bodyPr>
+          <a:p>
+            <a:endParaRPr b="0" lang="en-US" sz="3200" spc="-1" strike="noStrike">
+              <a:latin typeface="Arial"/>
+            </a:endParaRPr>
+          </a:p>
+        </p:txBody>
+      </p:sp>
+    </p:spTree>
+  </p:cSld>
+</p:sldLayout>
+</file>
+
+<file path=ppt/slideLayouts/slideLayout56.xml><?xml version="1.0" encoding="utf-8"?>
+<p:sldLayout xmlns:a="http://schemas.openxmlformats.org/drawingml/2006/main" xmlns:p="http://schemas.openxmlformats.org/presentationml/2006/main" xmlns:r="http://schemas.openxmlformats.org/officeDocument/2006/relationships" xmlns:p14="http://schemas.microsoft.com/office/powerpoint/2010/main" xmlns:p15="http://schemas.microsoft.com/office/powerpoint/2012/main" xmlns:mc="http://schemas.openxmlformats.org/markup-compatibility/2006" type="objAndTwoObj" preserve="1">
+  <p:cSld name="Title Content and 2 Content">
+    <p:spTree>
+      <p:nvGrpSpPr>
+        <p:cNvPr id="1" name=""/>
+        <p:cNvGrpSpPr/>
+        <p:nvPr/>
+      </p:nvGrpSpPr>
+      <p:grpSpPr>
+        <a:xfrm>
+          <a:off x="0" y="0"/>
+          <a:ext cx="0" cy="0"/>
+          <a:chOff x="0" y="0"/>
+          <a:chExt cx="0" cy="0"/>
+        </a:xfrm>
+      </p:grpSpPr>
+      <p:sp>
+        <p:nvSpPr>
+          <p:cNvPr id="173" name="PlaceHolder 1"/>
+          <p:cNvSpPr>
+            <a:spLocks noGrp="1"/>
+          </p:cNvSpPr>
+          <p:nvPr>
+            <p:ph type="title"/>
+          </p:nvPr>
+        </p:nvSpPr>
+        <p:spPr>
+          <a:xfrm>
+            <a:off x="504000" y="210600"/>
+            <a:ext cx="7016760" cy="946800"/>
+          </a:xfrm>
+          <a:prstGeom prst="rect">
+            <a:avLst/>
+          </a:prstGeom>
+        </p:spPr>
+        <p:txBody>
+          <a:bodyPr lIns="0" rIns="0" tIns="0" bIns="0" anchor="ctr">
+            <a:spAutoFit/>
+          </a:bodyPr>
+          <a:p>
+            <a:pPr algn="ctr"/>
+            <a:endParaRPr b="0" lang="en-US" sz="4400" spc="-1" strike="noStrike">
+              <a:latin typeface="Arial"/>
+            </a:endParaRPr>
+          </a:p>
+        </p:txBody>
+      </p:sp>
+      <p:sp>
+        <p:nvSpPr>
+          <p:cNvPr id="174" name="PlaceHolder 2"/>
+          <p:cNvSpPr>
+            <a:spLocks noGrp="1"/>
+          </p:cNvSpPr>
+          <p:nvPr>
+            <p:ph type="body"/>
+          </p:nvPr>
+        </p:nvSpPr>
+        <p:spPr>
+          <a:xfrm>
+            <a:off x="504000" y="1326600"/>
+            <a:ext cx="28440" cy="3285720"/>
+          </a:xfrm>
+          <a:prstGeom prst="rect">
+            <a:avLst/>
+          </a:prstGeom>
+        </p:spPr>
+        <p:txBody>
+          <a:bodyPr lIns="0" rIns="0" tIns="0" bIns="0">
+            <a:normAutofit fontScale="27000"/>
+          </a:bodyPr>
+          <a:p>
+            <a:endParaRPr b="0" lang="en-US" sz="3200" spc="-1" strike="noStrike">
+              <a:latin typeface="Arial"/>
+            </a:endParaRPr>
+          </a:p>
+        </p:txBody>
+      </p:sp>
+      <p:sp>
+        <p:nvSpPr>
+          <p:cNvPr id="175" name="PlaceHolder 3"/>
+          <p:cNvSpPr>
+            <a:spLocks noGrp="1"/>
+          </p:cNvSpPr>
+          <p:nvPr>
+            <p:ph type="body"/>
+          </p:nvPr>
+        </p:nvSpPr>
+        <p:spPr>
+          <a:xfrm>
+            <a:off x="534240" y="1326600"/>
+            <a:ext cx="28440" cy="1567080"/>
+          </a:xfrm>
+          <a:prstGeom prst="rect">
+            <a:avLst/>
+          </a:prstGeom>
+        </p:spPr>
+        <p:txBody>
+          <a:bodyPr lIns="0" rIns="0" tIns="0" bIns="0">
+            <a:normAutofit fontScale="9000"/>
+          </a:bodyPr>
+          <a:p>
+            <a:endParaRPr b="0" lang="en-US" sz="3200" spc="-1" strike="noStrike">
+              <a:latin typeface="Arial"/>
+            </a:endParaRPr>
+          </a:p>
+        </p:txBody>
+      </p:sp>
+      <p:sp>
+        <p:nvSpPr>
+          <p:cNvPr id="176" name="PlaceHolder 4"/>
+          <p:cNvSpPr>
+            <a:spLocks noGrp="1"/>
+          </p:cNvSpPr>
+          <p:nvPr>
+            <p:ph type="body"/>
+          </p:nvPr>
+        </p:nvSpPr>
+        <p:spPr>
+          <a:xfrm>
+            <a:off x="534240" y="3043080"/>
+            <a:ext cx="28440" cy="1567080"/>
+          </a:xfrm>
+          <a:prstGeom prst="rect">
+            <a:avLst/>
+          </a:prstGeom>
+        </p:spPr>
+        <p:txBody>
+          <a:bodyPr lIns="0" rIns="0" tIns="0" bIns="0">
+            <a:normAutofit fontScale="9000"/>
+          </a:bodyPr>
+          <a:p>
+            <a:endParaRPr b="0" lang="en-US" sz="3200" spc="-1" strike="noStrike">
+              <a:latin typeface="Arial"/>
+            </a:endParaRPr>
+          </a:p>
+        </p:txBody>
+      </p:sp>
+    </p:spTree>
+  </p:cSld>
+</p:sldLayout>
+</file>
+
+<file path=ppt/slideLayouts/slideLayout57.xml><?xml version="1.0" encoding="utf-8"?>
+<p:sldLayout xmlns:a="http://schemas.openxmlformats.org/drawingml/2006/main" xmlns:p="http://schemas.openxmlformats.org/presentationml/2006/main" xmlns:r="http://schemas.openxmlformats.org/officeDocument/2006/relationships" xmlns:p14="http://schemas.microsoft.com/office/powerpoint/2010/main" xmlns:p15="http://schemas.microsoft.com/office/powerpoint/2012/main" xmlns:mc="http://schemas.openxmlformats.org/markup-compatibility/2006" type="twoObjOverTx" preserve="1">
+  <p:cSld name="Title, 2 Content over Content">
+    <p:spTree>
+      <p:nvGrpSpPr>
+        <p:cNvPr id="1" name=""/>
+        <p:cNvGrpSpPr/>
+        <p:nvPr/>
+      </p:nvGrpSpPr>
+      <p:grpSpPr>
+        <a:xfrm>
+          <a:off x="0" y="0"/>
+          <a:ext cx="0" cy="0"/>
+          <a:chOff x="0" y="0"/>
+          <a:chExt cx="0" cy="0"/>
+        </a:xfrm>
+      </p:grpSpPr>
+      <p:sp>
+        <p:nvSpPr>
+          <p:cNvPr id="177" name="PlaceHolder 1"/>
+          <p:cNvSpPr>
+            <a:spLocks noGrp="1"/>
+          </p:cNvSpPr>
+          <p:nvPr>
+            <p:ph type="title"/>
+          </p:nvPr>
+        </p:nvSpPr>
+        <p:spPr>
+          <a:xfrm>
+            <a:off x="504000" y="210600"/>
+            <a:ext cx="7016760" cy="946800"/>
+          </a:xfrm>
+          <a:prstGeom prst="rect">
+            <a:avLst/>
+          </a:prstGeom>
+        </p:spPr>
+        <p:txBody>
+          <a:bodyPr lIns="0" rIns="0" tIns="0" bIns="0" anchor="ctr">
+            <a:spAutoFit/>
+          </a:bodyPr>
+          <a:p>
+            <a:pPr algn="ctr"/>
+            <a:endParaRPr b="0" lang="en-US" sz="4400" spc="-1" strike="noStrike">
+              <a:latin typeface="Arial"/>
+            </a:endParaRPr>
+          </a:p>
+        </p:txBody>
+      </p:sp>
+      <p:sp>
+        <p:nvSpPr>
+          <p:cNvPr id="178" name="PlaceHolder 2"/>
+          <p:cNvSpPr>
+            <a:spLocks noGrp="1"/>
+          </p:cNvSpPr>
+          <p:nvPr>
+            <p:ph type="body"/>
+          </p:nvPr>
+        </p:nvSpPr>
+        <p:spPr>
+          <a:xfrm>
+            <a:off x="504000" y="1326600"/>
+            <a:ext cx="28440" cy="1567080"/>
+          </a:xfrm>
+          <a:prstGeom prst="rect">
+            <a:avLst/>
+          </a:prstGeom>
+        </p:spPr>
+        <p:txBody>
+          <a:bodyPr lIns="0" rIns="0" tIns="0" bIns="0">
+            <a:normAutofit fontScale="9000"/>
+          </a:bodyPr>
+          <a:p>
+            <a:endParaRPr b="0" lang="en-US" sz="3200" spc="-1" strike="noStrike">
+              <a:latin typeface="Arial"/>
+            </a:endParaRPr>
+          </a:p>
+        </p:txBody>
+      </p:sp>
+      <p:sp>
+        <p:nvSpPr>
+          <p:cNvPr id="179" name="PlaceHolder 3"/>
+          <p:cNvSpPr>
+            <a:spLocks noGrp="1"/>
+          </p:cNvSpPr>
+          <p:nvPr>
+            <p:ph type="body"/>
+          </p:nvPr>
+        </p:nvSpPr>
+        <p:spPr>
+          <a:xfrm>
+            <a:off x="534240" y="1326600"/>
+            <a:ext cx="28440" cy="1567080"/>
+          </a:xfrm>
+          <a:prstGeom prst="rect">
+            <a:avLst/>
+          </a:prstGeom>
+        </p:spPr>
+        <p:txBody>
+          <a:bodyPr lIns="0" rIns="0" tIns="0" bIns="0">
+            <a:normAutofit fontScale="9000"/>
+          </a:bodyPr>
+          <a:p>
+            <a:endParaRPr b="0" lang="en-US" sz="3200" spc="-1" strike="noStrike">
+              <a:latin typeface="Arial"/>
+            </a:endParaRPr>
+          </a:p>
+        </p:txBody>
+      </p:sp>
+      <p:sp>
+        <p:nvSpPr>
+          <p:cNvPr id="180" name="PlaceHolder 4"/>
+          <p:cNvSpPr>
+            <a:spLocks noGrp="1"/>
+          </p:cNvSpPr>
+          <p:nvPr>
+            <p:ph type="body"/>
+          </p:nvPr>
+        </p:nvSpPr>
+        <p:spPr>
+          <a:xfrm>
+            <a:off x="504000" y="3043080"/>
+            <a:ext cx="58320" cy="1567080"/>
+          </a:xfrm>
+          <a:prstGeom prst="rect">
+            <a:avLst/>
+          </a:prstGeom>
+        </p:spPr>
+        <p:txBody>
+          <a:bodyPr lIns="0" rIns="0" tIns="0" bIns="0">
+            <a:normAutofit fontScale="9000"/>
+          </a:bodyPr>
+          <a:p>
+            <a:endParaRPr b="0" lang="en-US" sz="3200" spc="-1" strike="noStrike">
+              <a:latin typeface="Arial"/>
+            </a:endParaRPr>
+          </a:p>
+        </p:txBody>
+      </p:sp>
+    </p:spTree>
+  </p:cSld>
+</p:sldLayout>
+</file>
+
+<file path=ppt/slideLayouts/slideLayout58.xml><?xml version="1.0" encoding="utf-8"?>
+<p:sldLayout xmlns:a="http://schemas.openxmlformats.org/drawingml/2006/main" xmlns:p="http://schemas.openxmlformats.org/presentationml/2006/main" xmlns:r="http://schemas.openxmlformats.org/officeDocument/2006/relationships" xmlns:p14="http://schemas.microsoft.com/office/powerpoint/2010/main" xmlns:p15="http://schemas.microsoft.com/office/powerpoint/2012/main" xmlns:mc="http://schemas.openxmlformats.org/markup-compatibility/2006" type="objOverTx" preserve="1">
+  <p:cSld name="Title, Content over Content">
+    <p:spTree>
+      <p:nvGrpSpPr>
+        <p:cNvPr id="1" name=""/>
+        <p:cNvGrpSpPr/>
+        <p:nvPr/>
+      </p:nvGrpSpPr>
+      <p:grpSpPr>
+        <a:xfrm>
+          <a:off x="0" y="0"/>
+          <a:ext cx="0" cy="0"/>
+          <a:chOff x="0" y="0"/>
+          <a:chExt cx="0" cy="0"/>
+        </a:xfrm>
+      </p:grpSpPr>
+      <p:sp>
+        <p:nvSpPr>
+          <p:cNvPr id="181" name="PlaceHolder 1"/>
+          <p:cNvSpPr>
+            <a:spLocks noGrp="1"/>
+          </p:cNvSpPr>
+          <p:nvPr>
+            <p:ph type="title"/>
+          </p:nvPr>
+        </p:nvSpPr>
+        <p:spPr>
+          <a:xfrm>
+            <a:off x="504000" y="210600"/>
+            <a:ext cx="7016760" cy="946800"/>
+          </a:xfrm>
+          <a:prstGeom prst="rect">
+            <a:avLst/>
+          </a:prstGeom>
+        </p:spPr>
+        <p:txBody>
+          <a:bodyPr lIns="0" rIns="0" tIns="0" bIns="0" anchor="ctr">
+            <a:spAutoFit/>
+          </a:bodyPr>
+          <a:p>
+            <a:pPr algn="ctr"/>
+            <a:endParaRPr b="0" lang="en-US" sz="4400" spc="-1" strike="noStrike">
+              <a:latin typeface="Arial"/>
+            </a:endParaRPr>
+          </a:p>
+        </p:txBody>
+      </p:sp>
+      <p:sp>
+        <p:nvSpPr>
+          <p:cNvPr id="182" name="PlaceHolder 2"/>
+          <p:cNvSpPr>
+            <a:spLocks noGrp="1"/>
+          </p:cNvSpPr>
+          <p:nvPr>
+            <p:ph type="body"/>
+          </p:nvPr>
+        </p:nvSpPr>
+        <p:spPr>
+          <a:xfrm>
+            <a:off x="504000" y="1326600"/>
+            <a:ext cx="58320" cy="1567080"/>
+          </a:xfrm>
+          <a:prstGeom prst="rect">
+            <a:avLst/>
+          </a:prstGeom>
+        </p:spPr>
+        <p:txBody>
+          <a:bodyPr lIns="0" rIns="0" tIns="0" bIns="0">
+            <a:normAutofit fontScale="9000"/>
+          </a:bodyPr>
+          <a:p>
+            <a:endParaRPr b="0" lang="en-US" sz="3200" spc="-1" strike="noStrike">
+              <a:latin typeface="Arial"/>
+            </a:endParaRPr>
+          </a:p>
+        </p:txBody>
+      </p:sp>
+      <p:sp>
+        <p:nvSpPr>
+          <p:cNvPr id="183" name="PlaceHolder 3"/>
+          <p:cNvSpPr>
+            <a:spLocks noGrp="1"/>
+          </p:cNvSpPr>
+          <p:nvPr>
+            <p:ph type="body"/>
+          </p:nvPr>
+        </p:nvSpPr>
+        <p:spPr>
+          <a:xfrm>
+            <a:off x="504000" y="3043080"/>
+            <a:ext cx="58320" cy="1567080"/>
+          </a:xfrm>
+          <a:prstGeom prst="rect">
+            <a:avLst/>
+          </a:prstGeom>
+        </p:spPr>
+        <p:txBody>
+          <a:bodyPr lIns="0" rIns="0" tIns="0" bIns="0">
+            <a:normAutofit fontScale="9000"/>
+          </a:bodyPr>
+          <a:p>
+            <a:endParaRPr b="0" lang="en-US" sz="3200" spc="-1" strike="noStrike">
+              <a:latin typeface="Arial"/>
+            </a:endParaRPr>
+          </a:p>
+        </p:txBody>
+      </p:sp>
+    </p:spTree>
+  </p:cSld>
+</p:sldLayout>
+</file>
+
+<file path=ppt/slideLayouts/slideLayout59.xml><?xml version="1.0" encoding="utf-8"?>
+<p:sldLayout xmlns:a="http://schemas.openxmlformats.org/drawingml/2006/main" xmlns:p="http://schemas.openxmlformats.org/presentationml/2006/main" xmlns:r="http://schemas.openxmlformats.org/officeDocument/2006/relationships" xmlns:p14="http://schemas.microsoft.com/office/powerpoint/2010/main" xmlns:p15="http://schemas.microsoft.com/office/powerpoint/2012/main" xmlns:mc="http://schemas.openxmlformats.org/markup-compatibility/2006" type="fourObj" preserve="1">
+  <p:cSld name="Title, 4 Content">
+    <p:spTree>
+      <p:nvGrpSpPr>
+        <p:cNvPr id="1" name=""/>
+        <p:cNvGrpSpPr/>
+        <p:nvPr/>
+      </p:nvGrpSpPr>
+      <p:grpSpPr>
+        <a:xfrm>
+          <a:off x="0" y="0"/>
+          <a:ext cx="0" cy="0"/>
+          <a:chOff x="0" y="0"/>
+          <a:chExt cx="0" cy="0"/>
+        </a:xfrm>
+      </p:grpSpPr>
+      <p:sp>
+        <p:nvSpPr>
+          <p:cNvPr id="184" name="PlaceHolder 1"/>
+          <p:cNvSpPr>
+            <a:spLocks noGrp="1"/>
+          </p:cNvSpPr>
+          <p:nvPr>
+            <p:ph type="title"/>
+          </p:nvPr>
+        </p:nvSpPr>
+        <p:spPr>
+          <a:xfrm>
+            <a:off x="504000" y="210600"/>
+            <a:ext cx="7016760" cy="946800"/>
+          </a:xfrm>
+          <a:prstGeom prst="rect">
+            <a:avLst/>
+          </a:prstGeom>
+        </p:spPr>
+        <p:txBody>
+          <a:bodyPr lIns="0" rIns="0" tIns="0" bIns="0" anchor="ctr">
+            <a:spAutoFit/>
+          </a:bodyPr>
+          <a:p>
+            <a:pPr algn="ctr"/>
+            <a:endParaRPr b="0" lang="en-US" sz="4400" spc="-1" strike="noStrike">
+              <a:latin typeface="Arial"/>
+            </a:endParaRPr>
+          </a:p>
+        </p:txBody>
+      </p:sp>
+      <p:sp>
+        <p:nvSpPr>
+          <p:cNvPr id="185" name="PlaceHolder 2"/>
+          <p:cNvSpPr>
+            <a:spLocks noGrp="1"/>
+          </p:cNvSpPr>
+          <p:nvPr>
+            <p:ph type="body"/>
+          </p:nvPr>
+        </p:nvSpPr>
+        <p:spPr>
+          <a:xfrm>
+            <a:off x="504000" y="1326600"/>
+            <a:ext cx="28440" cy="1567080"/>
+          </a:xfrm>
+          <a:prstGeom prst="rect">
+            <a:avLst/>
+          </a:prstGeom>
+        </p:spPr>
+        <p:txBody>
+          <a:bodyPr lIns="0" rIns="0" tIns="0" bIns="0">
+            <a:normAutofit fontScale="9000"/>
+          </a:bodyPr>
+          <a:p>
+            <a:endParaRPr b="0" lang="en-US" sz="3200" spc="-1" strike="noStrike">
+              <a:latin typeface="Arial"/>
+            </a:endParaRPr>
+          </a:p>
+        </p:txBody>
+      </p:sp>
+      <p:sp>
+        <p:nvSpPr>
+          <p:cNvPr id="186" name="PlaceHolder 3"/>
+          <p:cNvSpPr>
+            <a:spLocks noGrp="1"/>
+          </p:cNvSpPr>
+          <p:nvPr>
+            <p:ph type="body"/>
+          </p:nvPr>
+        </p:nvSpPr>
+        <p:spPr>
+          <a:xfrm>
+            <a:off x="534240" y="1326600"/>
+            <a:ext cx="28440" cy="1567080"/>
+          </a:xfrm>
+          <a:prstGeom prst="rect">
+            <a:avLst/>
+          </a:prstGeom>
+        </p:spPr>
+        <p:txBody>
+          <a:bodyPr lIns="0" rIns="0" tIns="0" bIns="0">
+            <a:normAutofit fontScale="9000"/>
+          </a:bodyPr>
+          <a:p>
+            <a:endParaRPr b="0" lang="en-US" sz="3200" spc="-1" strike="noStrike">
+              <a:latin typeface="Arial"/>
+            </a:endParaRPr>
+          </a:p>
+        </p:txBody>
+      </p:sp>
+      <p:sp>
+        <p:nvSpPr>
+          <p:cNvPr id="187" name="PlaceHolder 4"/>
+          <p:cNvSpPr>
+            <a:spLocks noGrp="1"/>
+          </p:cNvSpPr>
+          <p:nvPr>
+            <p:ph type="body"/>
+          </p:nvPr>
+        </p:nvSpPr>
+        <p:spPr>
+          <a:xfrm>
+            <a:off x="504000" y="3043080"/>
+            <a:ext cx="28440" cy="1567080"/>
+          </a:xfrm>
+          <a:prstGeom prst="rect">
+            <a:avLst/>
+          </a:prstGeom>
+        </p:spPr>
+        <p:txBody>
+          <a:bodyPr lIns="0" rIns="0" tIns="0" bIns="0">
+            <a:normAutofit fontScale="9000"/>
+          </a:bodyPr>
+          <a:p>
+            <a:endParaRPr b="0" lang="en-US" sz="3200" spc="-1" strike="noStrike">
+              <a:latin typeface="Arial"/>
+            </a:endParaRPr>
+          </a:p>
+        </p:txBody>
+      </p:sp>
+      <p:sp>
+        <p:nvSpPr>
+          <p:cNvPr id="188" name="PlaceHolder 5"/>
+          <p:cNvSpPr>
+            <a:spLocks noGrp="1"/>
+          </p:cNvSpPr>
+          <p:nvPr>
+            <p:ph type="body"/>
+          </p:nvPr>
+        </p:nvSpPr>
+        <p:spPr>
+          <a:xfrm>
+            <a:off x="534240" y="3043080"/>
+            <a:ext cx="28440" cy="1567080"/>
+          </a:xfrm>
+          <a:prstGeom prst="rect">
+            <a:avLst/>
+          </a:prstGeom>
+        </p:spPr>
+        <p:txBody>
+          <a:bodyPr lIns="0" rIns="0" tIns="0" bIns="0">
+            <a:normAutofit fontScale="9000"/>
+          </a:bodyPr>
+          <a:p>
+            <a:endParaRPr b="0" lang="en-US" sz="3200" spc="-1" strike="noStrike">
               <a:latin typeface="Arial"/>
             </a:endParaRPr>
           </a:p>
@@ -3637,7 +6118,7 @@
         <p:spPr>
           <a:xfrm>
             <a:off x="504000" y="210600"/>
-            <a:ext cx="7017120" cy="4390200"/>
+            <a:ext cx="7016760" cy="4390200"/>
           </a:xfrm>
           <a:prstGeom prst="rect">
             <a:avLst/>
@@ -3649,6 +6130,239 @@
           </a:bodyPr>
           <a:p>
             <a:pPr algn="ctr"/>
+            <a:endParaRPr b="0" lang="en-US" sz="3200" spc="-1" strike="noStrike">
+              <a:latin typeface="Arial"/>
+            </a:endParaRPr>
+          </a:p>
+        </p:txBody>
+      </p:sp>
+    </p:spTree>
+  </p:cSld>
+</p:sldLayout>
+</file>
+
+<file path=ppt/slideLayouts/slideLayout60.xml><?xml version="1.0" encoding="utf-8"?>
+<p:sldLayout xmlns:a="http://schemas.openxmlformats.org/drawingml/2006/main" xmlns:p="http://schemas.openxmlformats.org/presentationml/2006/main" xmlns:r="http://schemas.openxmlformats.org/officeDocument/2006/relationships" xmlns:p14="http://schemas.microsoft.com/office/powerpoint/2010/main" xmlns:p15="http://schemas.microsoft.com/office/powerpoint/2012/main" xmlns:mc="http://schemas.openxmlformats.org/markup-compatibility/2006" type="blank" preserve="1">
+  <p:cSld name="Title, 6 Content">
+    <p:spTree>
+      <p:nvGrpSpPr>
+        <p:cNvPr id="1" name=""/>
+        <p:cNvGrpSpPr/>
+        <p:nvPr/>
+      </p:nvGrpSpPr>
+      <p:grpSpPr>
+        <a:xfrm>
+          <a:off x="0" y="0"/>
+          <a:ext cx="0" cy="0"/>
+          <a:chOff x="0" y="0"/>
+          <a:chExt cx="0" cy="0"/>
+        </a:xfrm>
+      </p:grpSpPr>
+      <p:sp>
+        <p:nvSpPr>
+          <p:cNvPr id="189" name="PlaceHolder 1"/>
+          <p:cNvSpPr>
+            <a:spLocks noGrp="1"/>
+          </p:cNvSpPr>
+          <p:nvPr>
+            <p:ph type="title"/>
+          </p:nvPr>
+        </p:nvSpPr>
+        <p:spPr>
+          <a:xfrm>
+            <a:off x="504000" y="210600"/>
+            <a:ext cx="7016760" cy="946800"/>
+          </a:xfrm>
+          <a:prstGeom prst="rect">
+            <a:avLst/>
+          </a:prstGeom>
+        </p:spPr>
+        <p:txBody>
+          <a:bodyPr lIns="0" rIns="0" tIns="0" bIns="0" anchor="ctr">
+            <a:spAutoFit/>
+          </a:bodyPr>
+          <a:p>
+            <a:pPr algn="ctr"/>
+            <a:endParaRPr b="0" lang="en-US" sz="4400" spc="-1" strike="noStrike">
+              <a:latin typeface="Arial"/>
+            </a:endParaRPr>
+          </a:p>
+        </p:txBody>
+      </p:sp>
+      <p:sp>
+        <p:nvSpPr>
+          <p:cNvPr id="190" name="PlaceHolder 2"/>
+          <p:cNvSpPr>
+            <a:spLocks noGrp="1"/>
+          </p:cNvSpPr>
+          <p:nvPr>
+            <p:ph type="body"/>
+          </p:nvPr>
+        </p:nvSpPr>
+        <p:spPr>
+          <a:xfrm>
+            <a:off x="504000" y="1326600"/>
+            <a:ext cx="18360" cy="1567080"/>
+          </a:xfrm>
+          <a:prstGeom prst="rect">
+            <a:avLst/>
+          </a:prstGeom>
+        </p:spPr>
+        <p:txBody>
+          <a:bodyPr lIns="0" rIns="0" tIns="0" bIns="0">
+            <a:normAutofit fontScale="9000"/>
+          </a:bodyPr>
+          <a:p>
+            <a:endParaRPr b="0" lang="en-US" sz="3200" spc="-1" strike="noStrike">
+              <a:latin typeface="Arial"/>
+            </a:endParaRPr>
+          </a:p>
+        </p:txBody>
+      </p:sp>
+      <p:sp>
+        <p:nvSpPr>
+          <p:cNvPr id="191" name="PlaceHolder 3"/>
+          <p:cNvSpPr>
+            <a:spLocks noGrp="1"/>
+          </p:cNvSpPr>
+          <p:nvPr>
+            <p:ph type="body"/>
+          </p:nvPr>
+        </p:nvSpPr>
+        <p:spPr>
+          <a:xfrm>
+            <a:off x="523800" y="1326600"/>
+            <a:ext cx="18360" cy="1567080"/>
+          </a:xfrm>
+          <a:prstGeom prst="rect">
+            <a:avLst/>
+          </a:prstGeom>
+        </p:spPr>
+        <p:txBody>
+          <a:bodyPr lIns="0" rIns="0" tIns="0" bIns="0">
+            <a:normAutofit fontScale="9000"/>
+          </a:bodyPr>
+          <a:p>
+            <a:endParaRPr b="0" lang="en-US" sz="3200" spc="-1" strike="noStrike">
+              <a:latin typeface="Arial"/>
+            </a:endParaRPr>
+          </a:p>
+        </p:txBody>
+      </p:sp>
+      <p:sp>
+        <p:nvSpPr>
+          <p:cNvPr id="192" name="PlaceHolder 4"/>
+          <p:cNvSpPr>
+            <a:spLocks noGrp="1"/>
+          </p:cNvSpPr>
+          <p:nvPr>
+            <p:ph type="body"/>
+          </p:nvPr>
+        </p:nvSpPr>
+        <p:spPr>
+          <a:xfrm>
+            <a:off x="543240" y="1326600"/>
+            <a:ext cx="18360" cy="1567080"/>
+          </a:xfrm>
+          <a:prstGeom prst="rect">
+            <a:avLst/>
+          </a:prstGeom>
+        </p:spPr>
+        <p:txBody>
+          <a:bodyPr lIns="0" rIns="0" tIns="0" bIns="0">
+            <a:normAutofit fontScale="9000"/>
+          </a:bodyPr>
+          <a:p>
+            <a:endParaRPr b="0" lang="en-US" sz="3200" spc="-1" strike="noStrike">
+              <a:latin typeface="Arial"/>
+            </a:endParaRPr>
+          </a:p>
+        </p:txBody>
+      </p:sp>
+      <p:sp>
+        <p:nvSpPr>
+          <p:cNvPr id="193" name="PlaceHolder 5"/>
+          <p:cNvSpPr>
+            <a:spLocks noGrp="1"/>
+          </p:cNvSpPr>
+          <p:nvPr>
+            <p:ph type="body"/>
+          </p:nvPr>
+        </p:nvSpPr>
+        <p:spPr>
+          <a:xfrm>
+            <a:off x="504000" y="3043080"/>
+            <a:ext cx="18360" cy="1567080"/>
+          </a:xfrm>
+          <a:prstGeom prst="rect">
+            <a:avLst/>
+          </a:prstGeom>
+        </p:spPr>
+        <p:txBody>
+          <a:bodyPr lIns="0" rIns="0" tIns="0" bIns="0">
+            <a:normAutofit fontScale="9000"/>
+          </a:bodyPr>
+          <a:p>
+            <a:endParaRPr b="0" lang="en-US" sz="3200" spc="-1" strike="noStrike">
+              <a:latin typeface="Arial"/>
+            </a:endParaRPr>
+          </a:p>
+        </p:txBody>
+      </p:sp>
+      <p:sp>
+        <p:nvSpPr>
+          <p:cNvPr id="194" name="PlaceHolder 6"/>
+          <p:cNvSpPr>
+            <a:spLocks noGrp="1"/>
+          </p:cNvSpPr>
+          <p:nvPr>
+            <p:ph type="body"/>
+          </p:nvPr>
+        </p:nvSpPr>
+        <p:spPr>
+          <a:xfrm>
+            <a:off x="523800" y="3043080"/>
+            <a:ext cx="18360" cy="1567080"/>
+          </a:xfrm>
+          <a:prstGeom prst="rect">
+            <a:avLst/>
+          </a:prstGeom>
+        </p:spPr>
+        <p:txBody>
+          <a:bodyPr lIns="0" rIns="0" tIns="0" bIns="0">
+            <a:normAutofit fontScale="9000"/>
+          </a:bodyPr>
+          <a:p>
+            <a:endParaRPr b="0" lang="en-US" sz="3200" spc="-1" strike="noStrike">
+              <a:latin typeface="Arial"/>
+            </a:endParaRPr>
+          </a:p>
+        </p:txBody>
+      </p:sp>
+      <p:sp>
+        <p:nvSpPr>
+          <p:cNvPr id="195" name="PlaceHolder 7"/>
+          <p:cNvSpPr>
+            <a:spLocks noGrp="1"/>
+          </p:cNvSpPr>
+          <p:nvPr>
+            <p:ph type="body"/>
+          </p:nvPr>
+        </p:nvSpPr>
+        <p:spPr>
+          <a:xfrm>
+            <a:off x="543240" y="3043080"/>
+            <a:ext cx="18360" cy="1567080"/>
+          </a:xfrm>
+          <a:prstGeom prst="rect">
+            <a:avLst/>
+          </a:prstGeom>
+        </p:spPr>
+        <p:txBody>
+          <a:bodyPr lIns="0" rIns="0" tIns="0" bIns="0">
+            <a:normAutofit fontScale="9000"/>
+          </a:bodyPr>
+          <a:p>
             <a:endParaRPr b="0" lang="en-US" sz="3200" spc="-1" strike="noStrike">
               <a:latin typeface="Arial"/>
             </a:endParaRPr>
@@ -3690,7 +6404,7 @@
         <p:spPr>
           <a:xfrm>
             <a:off x="504000" y="210600"/>
-            <a:ext cx="7017120" cy="946800"/>
+            <a:ext cx="7016760" cy="946800"/>
           </a:xfrm>
           <a:prstGeom prst="rect">
             <a:avLst/>
@@ -3721,7 +6435,7 @@
         <p:spPr>
           <a:xfrm>
             <a:off x="504000" y="1326600"/>
-            <a:ext cx="28440" cy="1567440"/>
+            <a:ext cx="28440" cy="1567080"/>
           </a:xfrm>
           <a:prstGeom prst="rect">
             <a:avLst/>
@@ -3751,7 +6465,7 @@
         <p:spPr>
           <a:xfrm>
             <a:off x="534240" y="1326600"/>
-            <a:ext cx="28440" cy="3286080"/>
+            <a:ext cx="28440" cy="3285720"/>
           </a:xfrm>
           <a:prstGeom prst="rect">
             <a:avLst/>
@@ -3780,8 +6494,8 @@
         </p:nvSpPr>
         <p:spPr>
           <a:xfrm>
-            <a:off x="504000" y="3043440"/>
-            <a:ext cx="28440" cy="1567440"/>
+            <a:off x="504000" y="3043080"/>
+            <a:ext cx="28440" cy="1567080"/>
           </a:xfrm>
           <a:prstGeom prst="rect">
             <a:avLst/>
@@ -3833,7 +6547,7 @@
         <p:spPr>
           <a:xfrm>
             <a:off x="504000" y="210600"/>
-            <a:ext cx="7017120" cy="946800"/>
+            <a:ext cx="7016760" cy="946800"/>
           </a:xfrm>
           <a:prstGeom prst="rect">
             <a:avLst/>
@@ -3864,7 +6578,7 @@
         <p:spPr>
           <a:xfrm>
             <a:off x="504000" y="1326600"/>
-            <a:ext cx="28440" cy="3286080"/>
+            <a:ext cx="28440" cy="3285720"/>
           </a:xfrm>
           <a:prstGeom prst="rect">
             <a:avLst/>
@@ -3894,7 +6608,7 @@
         <p:spPr>
           <a:xfrm>
             <a:off x="534240" y="1326600"/>
-            <a:ext cx="28440" cy="1567440"/>
+            <a:ext cx="28440" cy="1567080"/>
           </a:xfrm>
           <a:prstGeom prst="rect">
             <a:avLst/>
@@ -3923,8 +6637,8 @@
         </p:nvSpPr>
         <p:spPr>
           <a:xfrm>
-            <a:off x="534240" y="3043440"/>
-            <a:ext cx="28440" cy="1567440"/>
+            <a:off x="534240" y="3043080"/>
+            <a:ext cx="28440" cy="1567080"/>
           </a:xfrm>
           <a:prstGeom prst="rect">
             <a:avLst/>
@@ -3976,7 +6690,7 @@
         <p:spPr>
           <a:xfrm>
             <a:off x="504000" y="210600"/>
-            <a:ext cx="7017120" cy="946800"/>
+            <a:ext cx="7016760" cy="946800"/>
           </a:xfrm>
           <a:prstGeom prst="rect">
             <a:avLst/>
@@ -4007,7 +6721,7 @@
         <p:spPr>
           <a:xfrm>
             <a:off x="504000" y="1326600"/>
-            <a:ext cx="28440" cy="1567440"/>
+            <a:ext cx="28440" cy="1567080"/>
           </a:xfrm>
           <a:prstGeom prst="rect">
             <a:avLst/>
@@ -4037,7 +6751,7 @@
         <p:spPr>
           <a:xfrm>
             <a:off x="534240" y="1326600"/>
-            <a:ext cx="28440" cy="1567440"/>
+            <a:ext cx="28440" cy="1567080"/>
           </a:xfrm>
           <a:prstGeom prst="rect">
             <a:avLst/>
@@ -4066,8 +6780,8 @@
         </p:nvSpPr>
         <p:spPr>
           <a:xfrm>
-            <a:off x="504000" y="3043440"/>
-            <a:ext cx="58680" cy="1567440"/>
+            <a:off x="504000" y="3043080"/>
+            <a:ext cx="58320" cy="1567080"/>
           </a:xfrm>
           <a:prstGeom prst="rect">
             <a:avLst/>
@@ -4119,7 +6833,7 @@
         <p:spPr>
           <a:xfrm>
             <a:off x="-58320" y="81000"/>
-            <a:ext cx="7791480" cy="1202760"/>
+            <a:ext cx="7791120" cy="1202400"/>
           </a:xfrm>
           <a:prstGeom prst="rect">
             <a:avLst/>
@@ -4395,7 +7109,7 @@
         <p:spPr>
           <a:xfrm>
             <a:off x="-58320" y="81000"/>
-            <a:ext cx="7791480" cy="1202760"/>
+            <a:ext cx="7791120" cy="1202400"/>
           </a:xfrm>
           <a:prstGeom prst="rect">
             <a:avLst/>
@@ -4671,7 +7385,7 @@
         <p:spPr>
           <a:xfrm>
             <a:off x="-58320" y="81000"/>
-            <a:ext cx="7791480" cy="1202760"/>
+            <a:ext cx="7791120" cy="1202400"/>
           </a:xfrm>
           <a:prstGeom prst="rect">
             <a:avLst/>
@@ -4694,7 +7408,7 @@
         <p:spPr>
           <a:xfrm>
             <a:off x="504000" y="210600"/>
-            <a:ext cx="7017120" cy="946800"/>
+            <a:ext cx="7016760" cy="946800"/>
           </a:xfrm>
           <a:prstGeom prst="rect">
             <a:avLst/>
@@ -4730,7 +7444,7 @@
         <p:spPr>
           <a:xfrm>
             <a:off x="504000" y="1326600"/>
-            <a:ext cx="58680" cy="3286080"/>
+            <a:ext cx="58320" cy="3285720"/>
           </a:xfrm>
           <a:prstGeom prst="rect">
             <a:avLst/>
@@ -4896,20 +7610,116 @@
           </a:p>
         </p:txBody>
       </p:sp>
-      <p:sp>
-        <p:nvSpPr>
-          <p:cNvPr id="81" name="PlaceHolder 3"/>
-          <p:cNvSpPr>
-            <a:spLocks noGrp="1"/>
-          </p:cNvSpPr>
-          <p:nvPr>
-            <p:ph type="body"/>
-          </p:nvPr>
-        </p:nvSpPr>
-        <p:spPr>
-          <a:xfrm>
-            <a:off x="566280" y="1326600"/>
-            <a:ext cx="58680" cy="3286080"/>
+    </p:spTree>
+  </p:cSld>
+  <p:clrMap bg1="lt1" bg2="lt2" tx1="dk1" tx2="dk2" accent1="accent1" accent2="accent2" accent3="accent3" accent4="accent4" accent5="accent5" accent6="accent6" hlink="hlink" folHlink="folHlink"/>
+  <p:sldLayoutIdLst>
+    <p:sldLayoutId id="2147483675" r:id="rId3"/>
+    <p:sldLayoutId id="2147483676" r:id="rId4"/>
+    <p:sldLayoutId id="2147483677" r:id="rId5"/>
+    <p:sldLayoutId id="2147483678" r:id="rId6"/>
+    <p:sldLayoutId id="2147483679" r:id="rId7"/>
+    <p:sldLayoutId id="2147483680" r:id="rId8"/>
+    <p:sldLayoutId id="2147483681" r:id="rId9"/>
+    <p:sldLayoutId id="2147483682" r:id="rId10"/>
+    <p:sldLayoutId id="2147483683" r:id="rId11"/>
+    <p:sldLayoutId id="2147483684" r:id="rId12"/>
+    <p:sldLayoutId id="2147483685" r:id="rId13"/>
+    <p:sldLayoutId id="2147483686" r:id="rId14"/>
+  </p:sldLayoutIdLst>
+</p:sldMaster>
+</file>
+
+<file path=ppt/slideMasters/slideMaster4.xml><?xml version="1.0" encoding="utf-8"?>
+<p:sldMaster xmlns:a="http://schemas.openxmlformats.org/drawingml/2006/main" xmlns:p="http://schemas.openxmlformats.org/presentationml/2006/main" xmlns:r="http://schemas.openxmlformats.org/officeDocument/2006/relationships" xmlns:p14="http://schemas.microsoft.com/office/powerpoint/2010/main" xmlns:p15="http://schemas.microsoft.com/office/powerpoint/2012/main" xmlns:mc="http://schemas.openxmlformats.org/markup-compatibility/2006">
+  <p:cSld>
+    <p:spTree>
+      <p:nvGrpSpPr>
+        <p:cNvPr id="1" name=""/>
+        <p:cNvGrpSpPr/>
+        <p:nvPr/>
+      </p:nvGrpSpPr>
+      <p:grpSpPr>
+        <a:xfrm>
+          <a:off x="0" y="0"/>
+          <a:ext cx="0" cy="0"/>
+          <a:chOff x="0" y="0"/>
+          <a:chExt cx="0" cy="0"/>
+        </a:xfrm>
+      </p:grpSpPr>
+      <p:pic>
+        <p:nvPicPr>
+          <p:cNvPr id="117" name="" descr=""/>
+          <p:cNvPicPr/>
+          <p:nvPr/>
+        </p:nvPicPr>
+        <p:blipFill>
+          <a:blip r:embed="rId2"/>
+          <a:stretch/>
+        </p:blipFill>
+        <p:spPr>
+          <a:xfrm>
+            <a:off x="-58320" y="81000"/>
+            <a:ext cx="7791120" cy="1202400"/>
+          </a:xfrm>
+          <a:prstGeom prst="rect">
+            <a:avLst/>
+          </a:prstGeom>
+          <a:ln>
+            <a:noFill/>
+          </a:ln>
+        </p:spPr>
+      </p:pic>
+      <p:sp>
+        <p:nvSpPr>
+          <p:cNvPr id="118" name="PlaceHolder 1"/>
+          <p:cNvSpPr>
+            <a:spLocks noGrp="1"/>
+          </p:cNvSpPr>
+          <p:nvPr>
+            <p:ph type="title"/>
+          </p:nvPr>
+        </p:nvSpPr>
+        <p:spPr>
+          <a:xfrm>
+            <a:off x="504000" y="210600"/>
+            <a:ext cx="7016760" cy="946800"/>
+          </a:xfrm>
+          <a:prstGeom prst="rect">
+            <a:avLst/>
+          </a:prstGeom>
+        </p:spPr>
+        <p:txBody>
+          <a:bodyPr lIns="0" rIns="0" tIns="0" bIns="0" anchor="ctr">
+            <a:spAutoFit/>
+          </a:bodyPr>
+          <a:p>
+            <a:r>
+              <a:rPr b="0" lang="en-US" sz="1800" spc="-1" strike="noStrike">
+                <a:latin typeface="Arial"/>
+              </a:rPr>
+              <a:t>Click to edit the title text format</a:t>
+            </a:r>
+            <a:endParaRPr b="0" lang="en-US" sz="1800" spc="-1" strike="noStrike">
+              <a:latin typeface="Arial"/>
+            </a:endParaRPr>
+          </a:p>
+        </p:txBody>
+      </p:sp>
+      <p:sp>
+        <p:nvSpPr>
+          <p:cNvPr id="119" name="PlaceHolder 2"/>
+          <p:cNvSpPr>
+            <a:spLocks noGrp="1"/>
+          </p:cNvSpPr>
+          <p:nvPr>
+            <p:ph type="body"/>
+          </p:nvPr>
+        </p:nvSpPr>
+        <p:spPr>
+          <a:xfrm>
+            <a:off x="504000" y="1326600"/>
+            <a:ext cx="28080" cy="3285720"/>
           </a:xfrm>
           <a:prstGeom prst="rect">
             <a:avLst/>
@@ -5075,22 +7885,476 @@
           </a:p>
         </p:txBody>
       </p:sp>
+      <p:sp>
+        <p:nvSpPr>
+          <p:cNvPr id="120" name="PlaceHolder 3"/>
+          <p:cNvSpPr>
+            <a:spLocks noGrp="1"/>
+          </p:cNvSpPr>
+          <p:nvPr>
+            <p:ph type="body"/>
+          </p:nvPr>
+        </p:nvSpPr>
+        <p:spPr>
+          <a:xfrm>
+            <a:off x="534240" y="1326600"/>
+            <a:ext cx="28080" cy="3285720"/>
+          </a:xfrm>
+          <a:prstGeom prst="rect">
+            <a:avLst/>
+          </a:prstGeom>
+        </p:spPr>
+        <p:txBody>
+          <a:bodyPr lIns="0" rIns="0" tIns="0" bIns="0">
+            <a:normAutofit fontScale="2000"/>
+          </a:bodyPr>
+          <a:p>
+            <a:pPr marL="432000" indent="-324000">
+              <a:spcBef>
+                <a:spcPts val="1417"/>
+              </a:spcBef>
+              <a:buClr>
+                <a:srgbClr val="000000"/>
+              </a:buClr>
+              <a:buSzPct val="45000"/>
+              <a:buFont typeface="Wingdings" charset="2"/>
+              <a:buChar char=""/>
+            </a:pPr>
+            <a:r>
+              <a:rPr b="0" lang="en-US" sz="1800" spc="-1" strike="noStrike">
+                <a:latin typeface="Arial"/>
+              </a:rPr>
+              <a:t>Click to edit the outline text format</a:t>
+            </a:r>
+            <a:endParaRPr b="0" lang="en-US" sz="1800" spc="-1" strike="noStrike">
+              <a:latin typeface="Arial"/>
+            </a:endParaRPr>
+          </a:p>
+          <a:p>
+            <a:pPr lvl="1" marL="864000" indent="-324000">
+              <a:spcBef>
+                <a:spcPts val="1134"/>
+              </a:spcBef>
+              <a:buClr>
+                <a:srgbClr val="000000"/>
+              </a:buClr>
+              <a:buSzPct val="75000"/>
+              <a:buFont typeface="Symbol" charset="2"/>
+              <a:buChar char=""/>
+            </a:pPr>
+            <a:r>
+              <a:rPr b="0" lang="en-US" sz="1800" spc="-1" strike="noStrike">
+                <a:latin typeface="Arial"/>
+              </a:rPr>
+              <a:t>Second Outline Level</a:t>
+            </a:r>
+            <a:endParaRPr b="0" lang="en-US" sz="1800" spc="-1" strike="noStrike">
+              <a:latin typeface="Arial"/>
+            </a:endParaRPr>
+          </a:p>
+          <a:p>
+            <a:pPr lvl="2" marL="1296000" indent="-288000">
+              <a:spcBef>
+                <a:spcPts val="850"/>
+              </a:spcBef>
+              <a:buClr>
+                <a:srgbClr val="000000"/>
+              </a:buClr>
+              <a:buSzPct val="45000"/>
+              <a:buFont typeface="Wingdings" charset="2"/>
+              <a:buChar char=""/>
+            </a:pPr>
+            <a:r>
+              <a:rPr b="0" lang="en-US" sz="1800" spc="-1" strike="noStrike">
+                <a:latin typeface="Arial"/>
+              </a:rPr>
+              <a:t>Third Outline Level</a:t>
+            </a:r>
+            <a:endParaRPr b="0" lang="en-US" sz="1800" spc="-1" strike="noStrike">
+              <a:latin typeface="Arial"/>
+            </a:endParaRPr>
+          </a:p>
+          <a:p>
+            <a:pPr lvl="3" marL="1728000" indent="-216000">
+              <a:spcBef>
+                <a:spcPts val="567"/>
+              </a:spcBef>
+              <a:buClr>
+                <a:srgbClr val="000000"/>
+              </a:buClr>
+              <a:buSzPct val="75000"/>
+              <a:buFont typeface="Symbol" charset="2"/>
+              <a:buChar char=""/>
+            </a:pPr>
+            <a:r>
+              <a:rPr b="0" lang="en-US" sz="1800" spc="-1" strike="noStrike">
+                <a:latin typeface="Arial"/>
+              </a:rPr>
+              <a:t>Fourth Outline Level</a:t>
+            </a:r>
+            <a:endParaRPr b="0" lang="en-US" sz="1800" spc="-1" strike="noStrike">
+              <a:latin typeface="Arial"/>
+            </a:endParaRPr>
+          </a:p>
+          <a:p>
+            <a:pPr lvl="4" marL="2160000" indent="-216000">
+              <a:spcBef>
+                <a:spcPts val="283"/>
+              </a:spcBef>
+              <a:buClr>
+                <a:srgbClr val="000000"/>
+              </a:buClr>
+              <a:buSzPct val="45000"/>
+              <a:buFont typeface="Wingdings" charset="2"/>
+              <a:buChar char=""/>
+            </a:pPr>
+            <a:r>
+              <a:rPr b="0" lang="en-US" sz="1800" spc="-1" strike="noStrike">
+                <a:latin typeface="Arial"/>
+              </a:rPr>
+              <a:t>Fifth Outline Level</a:t>
+            </a:r>
+            <a:endParaRPr b="0" lang="en-US" sz="1800" spc="-1" strike="noStrike">
+              <a:latin typeface="Arial"/>
+            </a:endParaRPr>
+          </a:p>
+          <a:p>
+            <a:pPr lvl="5" marL="2592000" indent="-216000">
+              <a:spcBef>
+                <a:spcPts val="283"/>
+              </a:spcBef>
+              <a:buClr>
+                <a:srgbClr val="000000"/>
+              </a:buClr>
+              <a:buSzPct val="45000"/>
+              <a:buFont typeface="Wingdings" charset="2"/>
+              <a:buChar char=""/>
+            </a:pPr>
+            <a:r>
+              <a:rPr b="0" lang="en-US" sz="1800" spc="-1" strike="noStrike">
+                <a:latin typeface="Arial"/>
+              </a:rPr>
+              <a:t>Sixth Outline Level</a:t>
+            </a:r>
+            <a:endParaRPr b="0" lang="en-US" sz="1800" spc="-1" strike="noStrike">
+              <a:latin typeface="Arial"/>
+            </a:endParaRPr>
+          </a:p>
+          <a:p>
+            <a:pPr lvl="6" marL="3024000" indent="-216000">
+              <a:spcBef>
+                <a:spcPts val="283"/>
+              </a:spcBef>
+              <a:buClr>
+                <a:srgbClr val="000000"/>
+              </a:buClr>
+              <a:buSzPct val="45000"/>
+              <a:buFont typeface="Wingdings" charset="2"/>
+              <a:buChar char=""/>
+            </a:pPr>
+            <a:r>
+              <a:rPr b="0" lang="en-US" sz="1800" spc="-1" strike="noStrike">
+                <a:latin typeface="Arial"/>
+              </a:rPr>
+              <a:t>Seventh Outline Level</a:t>
+            </a:r>
+            <a:endParaRPr b="0" lang="en-US" sz="1800" spc="-1" strike="noStrike">
+              <a:latin typeface="Arial"/>
+            </a:endParaRPr>
+          </a:p>
+        </p:txBody>
+      </p:sp>
     </p:spTree>
   </p:cSld>
   <p:clrMap bg1="lt1" bg2="lt2" tx1="dk1" tx2="dk2" accent1="accent1" accent2="accent2" accent3="accent3" accent4="accent4" accent5="accent5" accent6="accent6" hlink="hlink" folHlink="folHlink"/>
   <p:sldLayoutIdLst>
-    <p:sldLayoutId id="2147483675" r:id="rId3"/>
-    <p:sldLayoutId id="2147483676" r:id="rId4"/>
-    <p:sldLayoutId id="2147483677" r:id="rId5"/>
-    <p:sldLayoutId id="2147483678" r:id="rId6"/>
-    <p:sldLayoutId id="2147483679" r:id="rId7"/>
-    <p:sldLayoutId id="2147483680" r:id="rId8"/>
-    <p:sldLayoutId id="2147483681" r:id="rId9"/>
-    <p:sldLayoutId id="2147483682" r:id="rId10"/>
-    <p:sldLayoutId id="2147483683" r:id="rId11"/>
-    <p:sldLayoutId id="2147483684" r:id="rId12"/>
-    <p:sldLayoutId id="2147483685" r:id="rId13"/>
-    <p:sldLayoutId id="2147483686" r:id="rId14"/>
+    <p:sldLayoutId id="2147483688" r:id="rId3"/>
+    <p:sldLayoutId id="2147483689" r:id="rId4"/>
+    <p:sldLayoutId id="2147483690" r:id="rId5"/>
+    <p:sldLayoutId id="2147483691" r:id="rId6"/>
+    <p:sldLayoutId id="2147483692" r:id="rId7"/>
+    <p:sldLayoutId id="2147483693" r:id="rId8"/>
+    <p:sldLayoutId id="2147483694" r:id="rId9"/>
+    <p:sldLayoutId id="2147483695" r:id="rId10"/>
+    <p:sldLayoutId id="2147483696" r:id="rId11"/>
+    <p:sldLayoutId id="2147483697" r:id="rId12"/>
+    <p:sldLayoutId id="2147483698" r:id="rId13"/>
+    <p:sldLayoutId id="2147483699" r:id="rId14"/>
+  </p:sldLayoutIdLst>
+</p:sldMaster>
+</file>
+
+<file path=ppt/slideMasters/slideMaster5.xml><?xml version="1.0" encoding="utf-8"?>
+<p:sldMaster xmlns:a="http://schemas.openxmlformats.org/drawingml/2006/main" xmlns:p="http://schemas.openxmlformats.org/presentationml/2006/main" xmlns:r="http://schemas.openxmlformats.org/officeDocument/2006/relationships" xmlns:p14="http://schemas.microsoft.com/office/powerpoint/2010/main" xmlns:p15="http://schemas.microsoft.com/office/powerpoint/2012/main" xmlns:mc="http://schemas.openxmlformats.org/markup-compatibility/2006">
+  <p:cSld>
+    <p:spTree>
+      <p:nvGrpSpPr>
+        <p:cNvPr id="1" name=""/>
+        <p:cNvGrpSpPr/>
+        <p:nvPr/>
+      </p:nvGrpSpPr>
+      <p:grpSpPr>
+        <a:xfrm>
+          <a:off x="0" y="0"/>
+          <a:ext cx="0" cy="0"/>
+          <a:chOff x="0" y="0"/>
+          <a:chExt cx="0" cy="0"/>
+        </a:xfrm>
+      </p:grpSpPr>
+      <p:pic>
+        <p:nvPicPr>
+          <p:cNvPr id="157" name="" descr=""/>
+          <p:cNvPicPr/>
+          <p:nvPr/>
+        </p:nvPicPr>
+        <p:blipFill>
+          <a:blip r:embed="rId2"/>
+          <a:stretch/>
+        </p:blipFill>
+        <p:spPr>
+          <a:xfrm>
+            <a:off x="-58320" y="81000"/>
+            <a:ext cx="7791120" cy="1202400"/>
+          </a:xfrm>
+          <a:prstGeom prst="rect">
+            <a:avLst/>
+          </a:prstGeom>
+          <a:ln>
+            <a:noFill/>
+          </a:ln>
+        </p:spPr>
+      </p:pic>
+      <p:sp>
+        <p:nvSpPr>
+          <p:cNvPr id="158" name="PlaceHolder 1"/>
+          <p:cNvSpPr>
+            <a:spLocks noGrp="1"/>
+          </p:cNvSpPr>
+          <p:nvPr>
+            <p:ph type="title"/>
+          </p:nvPr>
+        </p:nvSpPr>
+        <p:spPr>
+          <a:xfrm>
+            <a:off x="504000" y="210600"/>
+            <a:ext cx="7016760" cy="946800"/>
+          </a:xfrm>
+          <a:prstGeom prst="rect">
+            <a:avLst/>
+          </a:prstGeom>
+        </p:spPr>
+        <p:txBody>
+          <a:bodyPr lIns="0" rIns="0" tIns="0" bIns="0" anchor="ctr">
+            <a:spAutoFit/>
+          </a:bodyPr>
+          <a:p>
+            <a:r>
+              <a:rPr b="0" lang="en-US" sz="1800" spc="-1" strike="noStrike">
+                <a:latin typeface="Arial"/>
+              </a:rPr>
+              <a:t>Click to edit the title text format</a:t>
+            </a:r>
+            <a:endParaRPr b="0" lang="en-US" sz="1800" spc="-1" strike="noStrike">
+              <a:latin typeface="Arial"/>
+            </a:endParaRPr>
+          </a:p>
+        </p:txBody>
+      </p:sp>
+      <p:sp>
+        <p:nvSpPr>
+          <p:cNvPr id="159" name="PlaceHolder 2"/>
+          <p:cNvSpPr>
+            <a:spLocks noGrp="1"/>
+          </p:cNvSpPr>
+          <p:nvPr>
+            <p:ph type="body"/>
+          </p:nvPr>
+        </p:nvSpPr>
+        <p:spPr>
+          <a:xfrm>
+            <a:off x="504000" y="1326600"/>
+            <a:ext cx="58320" cy="3285720"/>
+          </a:xfrm>
+          <a:prstGeom prst="rect">
+            <a:avLst/>
+          </a:prstGeom>
+        </p:spPr>
+        <p:txBody>
+          <a:bodyPr lIns="0" rIns="0" tIns="0" bIns="0">
+            <a:normAutofit fontScale="2000"/>
+          </a:bodyPr>
+          <a:p>
+            <a:pPr marL="432000" indent="-324000">
+              <a:spcBef>
+                <a:spcPts val="1417"/>
+              </a:spcBef>
+              <a:buClr>
+                <a:srgbClr val="000000"/>
+              </a:buClr>
+              <a:buSzPct val="45000"/>
+              <a:buFont typeface="Wingdings" charset="2"/>
+              <a:buChar char=""/>
+            </a:pPr>
+            <a:r>
+              <a:rPr b="0" lang="en-US" sz="1800" spc="-1" strike="noStrike">
+                <a:latin typeface="Arial"/>
+              </a:rPr>
+              <a:t>Click to edit the outline text format</a:t>
+            </a:r>
+            <a:endParaRPr b="0" lang="en-US" sz="1800" spc="-1" strike="noStrike">
+              <a:latin typeface="Arial"/>
+            </a:endParaRPr>
+          </a:p>
+          <a:p>
+            <a:pPr lvl="1" marL="864000" indent="-324000">
+              <a:spcBef>
+                <a:spcPts val="1134"/>
+              </a:spcBef>
+              <a:buClr>
+                <a:srgbClr val="000000"/>
+              </a:buClr>
+              <a:buSzPct val="75000"/>
+              <a:buFont typeface="Symbol" charset="2"/>
+              <a:buChar char=""/>
+            </a:pPr>
+            <a:r>
+              <a:rPr b="0" lang="en-US" sz="1800" spc="-1" strike="noStrike">
+                <a:latin typeface="Arial"/>
+              </a:rPr>
+              <a:t>Second Outline Level</a:t>
+            </a:r>
+            <a:endParaRPr b="0" lang="en-US" sz="1800" spc="-1" strike="noStrike">
+              <a:latin typeface="Arial"/>
+            </a:endParaRPr>
+          </a:p>
+          <a:p>
+            <a:pPr lvl="2" marL="1296000" indent="-288000">
+              <a:spcBef>
+                <a:spcPts val="850"/>
+              </a:spcBef>
+              <a:buClr>
+                <a:srgbClr val="000000"/>
+              </a:buClr>
+              <a:buSzPct val="45000"/>
+              <a:buFont typeface="Wingdings" charset="2"/>
+              <a:buChar char=""/>
+            </a:pPr>
+            <a:r>
+              <a:rPr b="0" lang="en-US" sz="1800" spc="-1" strike="noStrike">
+                <a:latin typeface="Arial"/>
+              </a:rPr>
+              <a:t>Third Outline Level</a:t>
+            </a:r>
+            <a:endParaRPr b="0" lang="en-US" sz="1800" spc="-1" strike="noStrike">
+              <a:latin typeface="Arial"/>
+            </a:endParaRPr>
+          </a:p>
+          <a:p>
+            <a:pPr lvl="3" marL="1728000" indent="-216000">
+              <a:spcBef>
+                <a:spcPts val="567"/>
+              </a:spcBef>
+              <a:buClr>
+                <a:srgbClr val="000000"/>
+              </a:buClr>
+              <a:buSzPct val="75000"/>
+              <a:buFont typeface="Symbol" charset="2"/>
+              <a:buChar char=""/>
+            </a:pPr>
+            <a:r>
+              <a:rPr b="0" lang="en-US" sz="1800" spc="-1" strike="noStrike">
+                <a:latin typeface="Arial"/>
+              </a:rPr>
+              <a:t>Fourth Outline Level</a:t>
+            </a:r>
+            <a:endParaRPr b="0" lang="en-US" sz="1800" spc="-1" strike="noStrike">
+              <a:latin typeface="Arial"/>
+            </a:endParaRPr>
+          </a:p>
+          <a:p>
+            <a:pPr lvl="4" marL="2160000" indent="-216000">
+              <a:spcBef>
+                <a:spcPts val="283"/>
+              </a:spcBef>
+              <a:buClr>
+                <a:srgbClr val="000000"/>
+              </a:buClr>
+              <a:buSzPct val="45000"/>
+              <a:buFont typeface="Wingdings" charset="2"/>
+              <a:buChar char=""/>
+            </a:pPr>
+            <a:r>
+              <a:rPr b="0" lang="en-US" sz="1800" spc="-1" strike="noStrike">
+                <a:latin typeface="Arial"/>
+              </a:rPr>
+              <a:t>Fifth Outline Level</a:t>
+            </a:r>
+            <a:endParaRPr b="0" lang="en-US" sz="1800" spc="-1" strike="noStrike">
+              <a:latin typeface="Arial"/>
+            </a:endParaRPr>
+          </a:p>
+          <a:p>
+            <a:pPr lvl="5" marL="2592000" indent="-216000">
+              <a:spcBef>
+                <a:spcPts val="283"/>
+              </a:spcBef>
+              <a:buClr>
+                <a:srgbClr val="000000"/>
+              </a:buClr>
+              <a:buSzPct val="45000"/>
+              <a:buFont typeface="Wingdings" charset="2"/>
+              <a:buChar char=""/>
+            </a:pPr>
+            <a:r>
+              <a:rPr b="0" lang="en-US" sz="1800" spc="-1" strike="noStrike">
+                <a:latin typeface="Arial"/>
+              </a:rPr>
+              <a:t>Sixth Outline Level</a:t>
+            </a:r>
+            <a:endParaRPr b="0" lang="en-US" sz="1800" spc="-1" strike="noStrike">
+              <a:latin typeface="Arial"/>
+            </a:endParaRPr>
+          </a:p>
+          <a:p>
+            <a:pPr lvl="6" marL="3024000" indent="-216000">
+              <a:spcBef>
+                <a:spcPts val="283"/>
+              </a:spcBef>
+              <a:buClr>
+                <a:srgbClr val="000000"/>
+              </a:buClr>
+              <a:buSzPct val="45000"/>
+              <a:buFont typeface="Wingdings" charset="2"/>
+              <a:buChar char=""/>
+            </a:pPr>
+            <a:r>
+              <a:rPr b="0" lang="en-US" sz="1800" spc="-1" strike="noStrike">
+                <a:latin typeface="Arial"/>
+              </a:rPr>
+              <a:t>Seventh Outline Level</a:t>
+            </a:r>
+            <a:endParaRPr b="0" lang="en-US" sz="1800" spc="-1" strike="noStrike">
+              <a:latin typeface="Arial"/>
+            </a:endParaRPr>
+          </a:p>
+        </p:txBody>
+      </p:sp>
+    </p:spTree>
+  </p:cSld>
+  <p:clrMap bg1="lt1" bg2="lt2" tx1="dk1" tx2="dk2" accent1="accent1" accent2="accent2" accent3="accent3" accent4="accent4" accent5="accent5" accent6="accent6" hlink="hlink" folHlink="folHlink"/>
+  <p:sldLayoutIdLst>
+    <p:sldLayoutId id="2147483701" r:id="rId3"/>
+    <p:sldLayoutId id="2147483702" r:id="rId4"/>
+    <p:sldLayoutId id="2147483703" r:id="rId5"/>
+    <p:sldLayoutId id="2147483704" r:id="rId6"/>
+    <p:sldLayoutId id="2147483705" r:id="rId7"/>
+    <p:sldLayoutId id="2147483706" r:id="rId8"/>
+    <p:sldLayoutId id="2147483707" r:id="rId9"/>
+    <p:sldLayoutId id="2147483708" r:id="rId10"/>
+    <p:sldLayoutId id="2147483709" r:id="rId11"/>
+    <p:sldLayoutId id="2147483710" r:id="rId12"/>
+    <p:sldLayoutId id="2147483711" r:id="rId13"/>
+    <p:sldLayoutId id="2147483712" r:id="rId14"/>
   </p:sldLayoutIdLst>
 </p:sldMaster>
 </file>
@@ -5114,14 +8378,14 @@
       </p:grpSpPr>
       <p:sp>
         <p:nvSpPr>
-          <p:cNvPr id="118" name="CustomShape 1"/>
+          <p:cNvPr id="196" name="CustomShape 1"/>
           <p:cNvSpPr/>
           <p:nvPr/>
         </p:nvSpPr>
         <p:spPr>
           <a:xfrm>
             <a:off x="504000" y="411480"/>
-            <a:ext cx="7017120" cy="542880"/>
+            <a:ext cx="7016760" cy="542880"/>
           </a:xfrm>
           <a:prstGeom prst="rect">
             <a:avLst/>
@@ -5165,14 +8429,14 @@
       </p:sp>
       <p:sp>
         <p:nvSpPr>
-          <p:cNvPr id="119" name="CustomShape 2"/>
+          <p:cNvPr id="197" name="CustomShape 2"/>
           <p:cNvSpPr/>
           <p:nvPr/>
         </p:nvSpPr>
         <p:spPr>
           <a:xfrm>
             <a:off x="504000" y="2401560"/>
-            <a:ext cx="9069120" cy="1218960"/>
+            <a:ext cx="9068760" cy="1218960"/>
           </a:xfrm>
           <a:prstGeom prst="rect">
             <a:avLst/>
@@ -5316,14 +8580,14 @@
       </p:grpSpPr>
       <p:sp>
         <p:nvSpPr>
-          <p:cNvPr id="120" name="CustomShape 1"/>
+          <p:cNvPr id="198" name="CustomShape 1"/>
           <p:cNvSpPr/>
           <p:nvPr/>
         </p:nvSpPr>
         <p:spPr>
           <a:xfrm>
             <a:off x="504000" y="348120"/>
-            <a:ext cx="7017120" cy="669600"/>
+            <a:ext cx="7016760" cy="669600"/>
           </a:xfrm>
           <a:prstGeom prst="rect">
             <a:avLst/>
@@ -5367,14 +8631,14 @@
       </p:sp>
       <p:sp>
         <p:nvSpPr>
-          <p:cNvPr id="121" name="CustomShape 2"/>
+          <p:cNvPr id="199" name="CustomShape 2"/>
           <p:cNvSpPr/>
           <p:nvPr/>
         </p:nvSpPr>
         <p:spPr>
           <a:xfrm>
             <a:off x="504000" y="1326600"/>
-            <a:ext cx="4424400" cy="3286080"/>
+            <a:ext cx="4424040" cy="3285720"/>
           </a:xfrm>
           <a:prstGeom prst="rect">
             <a:avLst/>
@@ -5434,7 +8698,7 @@
                 <a:latin typeface="Arial"/>
                 <a:ea typeface="DejaVu Sans"/>
               </a:rPr>
-              <a:t>Start Lesson 11:</a:t>
+              <a:t>Start Lesson 11</a:t>
             </a:r>
             <a:endParaRPr b="0" lang="en-US" sz="2400" spc="-1" strike="noStrike">
               <a:latin typeface="Arial"/>
@@ -5457,14 +8721,14 @@
                 <a:latin typeface="Arial"/>
                 <a:ea typeface="DejaVu Sans"/>
               </a:rPr>
-              <a:t>Notebooks:</a:t>
+              <a:t>Notebooks</a:t>
             </a:r>
             <a:endParaRPr b="0" lang="en-US" sz="2400" spc="-1" strike="noStrike">
               <a:latin typeface="Arial"/>
             </a:endParaRPr>
           </a:p>
           <a:p>
-            <a:pPr marL="432000" indent="-321480">
+            <a:pPr marL="432000" indent="-321120">
               <a:lnSpc>
                 <a:spcPct val="100000"/>
               </a:lnSpc>
@@ -5493,7 +8757,7 @@
             </a:endParaRPr>
           </a:p>
           <a:p>
-            <a:pPr marL="432000" indent="-321480">
+            <a:pPr marL="432000" indent="-321120">
               <a:lnSpc>
                 <a:spcPct val="100000"/>
               </a:lnSpc>
@@ -5515,7 +8779,7 @@
                 <a:latin typeface="Arial"/>
                 <a:ea typeface="DejaVu Sans"/>
               </a:rPr>
-              <a:t>08_data_blockThis week</a:t>
+              <a:t>08_data_block</a:t>
             </a:r>
             <a:endParaRPr b="0" lang="en-US" sz="2400" spc="-1" strike="noStrike">
               <a:latin typeface="Arial"/>
@@ -5538,14 +8802,14 @@
       </p:sp>
       <p:sp>
         <p:nvSpPr>
-          <p:cNvPr id="122" name="CustomShape 3"/>
+          <p:cNvPr id="200" name="CustomShape 3"/>
           <p:cNvSpPr/>
           <p:nvPr/>
         </p:nvSpPr>
         <p:spPr>
           <a:xfrm>
             <a:off x="5152680" y="1326600"/>
-            <a:ext cx="4424400" cy="3286080"/>
+            <a:ext cx="4424040" cy="3285720"/>
           </a:xfrm>
           <a:prstGeom prst="rect">
             <a:avLst/>
@@ -5605,14 +8869,60 @@
                 <a:latin typeface="Arial"/>
                 <a:ea typeface="DejaVu Sans"/>
               </a:rPr>
-              <a:t>Notebooks:</a:t>
+              <a:t>Continue in Lesson 11</a:t>
             </a:r>
             <a:endParaRPr b="0" lang="en-US" sz="2400" spc="-1" strike="noStrike">
               <a:latin typeface="Arial"/>
             </a:endParaRPr>
           </a:p>
           <a:p>
-            <a:pPr marL="432000" indent="-321480">
+            <a:pPr>
+              <a:lnSpc>
+                <a:spcPct val="100000"/>
+              </a:lnSpc>
+              <a:spcBef>
+                <a:spcPts val="1417"/>
+              </a:spcBef>
+            </a:pPr>
+            <a:r>
+              <a:rPr b="0" lang="en-US" sz="2400" spc="-1" strike="noStrike">
+                <a:solidFill>
+                  <a:srgbClr val="000000"/>
+                </a:solidFill>
+                <a:latin typeface="Arial"/>
+                <a:ea typeface="DejaVu Sans"/>
+              </a:rPr>
+              <a:t>Listen to / watch at least the first half of the Lesson 11 video, through the DataBlocks API part.</a:t>
+            </a:r>
+            <a:endParaRPr b="0" lang="en-US" sz="2400" spc="-1" strike="noStrike">
+              <a:latin typeface="Arial"/>
+            </a:endParaRPr>
+          </a:p>
+          <a:p>
+            <a:pPr>
+              <a:lnSpc>
+                <a:spcPct val="100000"/>
+              </a:lnSpc>
+              <a:spcBef>
+                <a:spcPts val="1417"/>
+              </a:spcBef>
+            </a:pPr>
+            <a:r>
+              <a:rPr b="0" lang="en-US" sz="2400" spc="-1" strike="noStrike">
+                <a:solidFill>
+                  <a:srgbClr val="000000"/>
+                </a:solidFill>
+                <a:latin typeface="Arial"/>
+                <a:ea typeface="DejaVu Sans"/>
+              </a:rPr>
+              <a:t>Notebooks</a:t>
+            </a:r>
+            <a:endParaRPr b="0" lang="en-US" sz="2400" spc="-1" strike="noStrike">
+              <a:latin typeface="Arial"/>
+            </a:endParaRPr>
+          </a:p>
+          <a:p>
+            <a:pPr marL="216000" indent="-216000">
               <a:lnSpc>
                 <a:spcPct val="100000"/>
               </a:lnSpc>
@@ -5622,9 +8932,8 @@
               <a:buClr>
                 <a:srgbClr val="000000"/>
               </a:buClr>
-              <a:buSzPct val="45000"/>
-              <a:buFont typeface="Wingdings" charset="2"/>
-              <a:buChar char=""/>
+              <a:buFont typeface="Symbol" charset="2"/>
+              <a:buChar char=""/>
             </a:pPr>
             <a:r>
               <a:rPr b="0" lang="en-US" sz="2400" spc="-1" strike="noStrike">
@@ -5634,7 +8943,35 @@
                 <a:latin typeface="Arial"/>
                 <a:ea typeface="DejaVu Sans"/>
               </a:rPr>
-              <a:t>09_optimizers</a:t>
+              <a:t>Finish 08_data_block</a:t>
+            </a:r>
+            <a:endParaRPr b="0" lang="en-US" sz="2400" spc="-1" strike="noStrike">
+              <a:latin typeface="Arial"/>
+            </a:endParaRPr>
+          </a:p>
+          <a:p>
+            <a:pPr marL="216000" indent="-216000">
+              <a:lnSpc>
+                <a:spcPct val="100000"/>
+              </a:lnSpc>
+              <a:spcBef>
+                <a:spcPts val="1417"/>
+              </a:spcBef>
+              <a:buClr>
+                <a:srgbClr val="000000"/>
+              </a:buClr>
+              <a:buFont typeface="Symbol" charset="2"/>
+              <a:buChar char=""/>
+            </a:pPr>
+            <a:r>
+              <a:rPr b="0" lang="en-US" sz="2400" spc="-1" strike="noStrike">
+                <a:solidFill>
+                  <a:srgbClr val="000000"/>
+                </a:solidFill>
+                <a:latin typeface="Arial"/>
+                <a:ea typeface="DejaVu Sans"/>
+              </a:rPr>
+              <a:t>Start 09_optimizers</a:t>
             </a:r>
             <a:endParaRPr b="0" lang="en-US" sz="2400" spc="-1" strike="noStrike">
               <a:latin typeface="Arial"/>
@@ -5674,14 +9011,14 @@
       </p:grpSpPr>
       <p:sp>
         <p:nvSpPr>
-          <p:cNvPr id="123" name="TextShape 1"/>
-          <p:cNvSpPr txBox="1"/>
+          <p:cNvPr id="201" name="CustomShape 1"/>
+          <p:cNvSpPr/>
           <p:nvPr/>
         </p:nvSpPr>
         <p:spPr>
           <a:xfrm>
-            <a:off x="504000" y="226080"/>
-            <a:ext cx="9072000" cy="946440"/>
+            <a:off x="504000" y="59760"/>
+            <a:ext cx="9071640" cy="1279080"/>
           </a:xfrm>
           <a:prstGeom prst="rect">
             <a:avLst/>
@@ -5691,40 +9028,58 @@
             <a:noFill/>
           </a:ln>
         </p:spPr>
+        <p:style>
+          <a:lnRef idx="0"/>
+          <a:fillRef idx="0"/>
+          <a:effectRef idx="0"/>
+          <a:fontRef idx="minor"/>
+        </p:style>
         <p:txBody>
           <a:bodyPr lIns="0" rIns="0" tIns="0" bIns="0" anchor="ctr">
             <a:spAutoFit/>
           </a:bodyPr>
           <a:p>
+            <a:pPr>
+              <a:lnSpc>
+                <a:spcPct val="100000"/>
+              </a:lnSpc>
+            </a:pPr>
             <a:r>
-              <a:rPr b="0" lang="en-US" sz="3200" spc="-1" strike="noStrike">
+              <a:rPr b="0" lang="en-US" sz="2800" spc="-1" strike="noStrike">
+                <a:latin typeface="Arial"/>
+              </a:rPr>
+              <a:t>Fastai Forum post: </a:t>
+            </a:r>
+            <a:br/>
+            <a:r>
+              <a:rPr b="0" lang="en-US" sz="2800" spc="-1" strike="noStrike">
                 <a:latin typeface="Arial"/>
               </a:rPr>
               <a:t>Questions about RunningBatchNorm</a:t>
             </a:r>
             <a:br/>
             <a:r>
-              <a:rPr b="0" lang="en-US" sz="3200" spc="-1" strike="noStrike">
+              <a:rPr b="0" lang="en-US" sz="2800" spc="-1" strike="noStrike">
                 <a:latin typeface="Arial"/>
               </a:rPr>
-              <a:t> in Lesson 10</a:t>
+              <a:t> class in Lesson 10</a:t>
             </a:r>
-            <a:endParaRPr b="0" lang="en-US" sz="3200" spc="-1" strike="noStrike">
-              <a:latin typeface="Arial"/>
-            </a:endParaRPr>
-          </a:p>
-        </p:txBody>
-      </p:sp>
-      <p:sp>
-        <p:nvSpPr>
-          <p:cNvPr id="124" name="TextShape 2"/>
-          <p:cNvSpPr txBox="1"/>
+            <a:endParaRPr b="0" lang="en-US" sz="2800" spc="-1" strike="noStrike">
+              <a:latin typeface="Arial"/>
+            </a:endParaRPr>
+          </a:p>
+        </p:txBody>
+      </p:sp>
+      <p:sp>
+        <p:nvSpPr>
+          <p:cNvPr id="202" name="CustomShape 2"/>
+          <p:cNvSpPr/>
           <p:nvPr/>
         </p:nvSpPr>
         <p:spPr>
           <a:xfrm>
             <a:off x="504000" y="1324440"/>
-            <a:ext cx="9072000" cy="3288600"/>
+            <a:ext cx="9071640" cy="3288240"/>
           </a:xfrm>
           <a:prstGeom prst="rect">
             <a:avLst/>
@@ -5734,28 +9089,34 @@
             <a:noFill/>
           </a:ln>
         </p:spPr>
+        <p:style>
+          <a:lnRef idx="0"/>
+          <a:fillRef idx="0"/>
+          <a:effectRef idx="0"/>
+          <a:fontRef idx="minor"/>
+        </p:style>
         <p:txBody>
           <a:bodyPr lIns="0" rIns="0" tIns="0" bIns="0">
             <a:normAutofit/>
           </a:bodyPr>
           <a:p>
-            <a:pPr marL="432000" indent="-324000">
+            <a:pPr>
+              <a:lnSpc>
+                <a:spcPct val="100000"/>
+              </a:lnSpc>
               <a:spcBef>
                 <a:spcPts val="1417"/>
               </a:spcBef>
-              <a:buClr>
-                <a:srgbClr val="000000"/>
-              </a:buClr>
-              <a:buSzPct val="45000"/>
-              <a:buFont typeface="Wingdings" charset="2"/>
-              <a:buChar char=""/>
             </a:pPr>
-            <a:endParaRPr b="0" lang="en-US" sz="3200" spc="-1" strike="noStrike">
-              <a:latin typeface="Arial"/>
-            </a:endParaRPr>
-          </a:p>
-          <a:p>
-            <a:pPr marL="432000" indent="-324000">
+            <a:endParaRPr b="0" lang="en-US" sz="1800" spc="-1" strike="noStrike">
+              <a:latin typeface="Arial"/>
+            </a:endParaRPr>
+          </a:p>
+          <a:p>
+            <a:pPr marL="432000" indent="-323640">
+              <a:lnSpc>
+                <a:spcPct val="100000"/>
+              </a:lnSpc>
               <a:spcBef>
                 <a:spcPts val="1417"/>
               </a:spcBef>
@@ -5810,14 +9171,14 @@
       </p:grpSpPr>
       <p:sp>
         <p:nvSpPr>
-          <p:cNvPr id="125" name="TextShape 1"/>
-          <p:cNvSpPr txBox="1"/>
+          <p:cNvPr id="203" name="CustomShape 1"/>
+          <p:cNvSpPr/>
           <p:nvPr/>
         </p:nvSpPr>
         <p:spPr>
           <a:xfrm>
-            <a:off x="504000" y="226080"/>
-            <a:ext cx="9072000" cy="946440"/>
+            <a:off x="504000" y="210600"/>
+            <a:ext cx="7016760" cy="945000"/>
           </a:xfrm>
           <a:prstGeom prst="rect">
             <a:avLst/>
@@ -5827,40 +9188,23 @@
             <a:noFill/>
           </a:ln>
         </p:spPr>
-        <p:txBody>
-          <a:bodyPr lIns="0" rIns="0" tIns="0" bIns="0" anchor="ctr">
-            <a:spAutoFit/>
-          </a:bodyPr>
-          <a:p>
-            <a:r>
-              <a:rPr b="0" lang="en-US" sz="3200" spc="-1" strike="noStrike">
-                <a:latin typeface="Arial"/>
-              </a:rPr>
-              <a:t>Simplified RunningBatchNorm</a:t>
-            </a:r>
-            <a:br/>
-            <a:r>
-              <a:rPr b="0" lang="en-US" sz="3200" spc="-1" strike="noStrike">
-                <a:latin typeface="Arial"/>
-              </a:rPr>
-              <a:t> in Lesson 11</a:t>
-            </a:r>
-            <a:endParaRPr b="0" lang="en-US" sz="3200" spc="-1" strike="noStrike">
-              <a:latin typeface="Arial"/>
-            </a:endParaRPr>
-          </a:p>
-        </p:txBody>
-      </p:sp>
-      <p:sp>
-        <p:nvSpPr>
-          <p:cNvPr id="126" name="TextShape 2"/>
-          <p:cNvSpPr txBox="1"/>
+        <p:style>
+          <a:lnRef idx="0"/>
+          <a:fillRef idx="0"/>
+          <a:effectRef idx="0"/>
+          <a:fontRef idx="minor"/>
+        </p:style>
+      </p:sp>
+      <p:sp>
+        <p:nvSpPr>
+          <p:cNvPr id="204" name="CustomShape 2"/>
+          <p:cNvSpPr/>
           <p:nvPr/>
         </p:nvSpPr>
         <p:spPr>
           <a:xfrm>
-            <a:off x="504000" y="1324440"/>
-            <a:ext cx="9072000" cy="3288600"/>
+            <a:off x="542880" y="1342440"/>
+            <a:ext cx="3513960" cy="3204360"/>
           </a:xfrm>
           <a:prstGeom prst="rect">
             <a:avLst/>
@@ -5870,50 +9214,62 @@
             <a:noFill/>
           </a:ln>
         </p:spPr>
-        <p:txBody>
-          <a:bodyPr lIns="0" rIns="0" tIns="0" bIns="0">
-            <a:normAutofit/>
-          </a:bodyPr>
-          <a:p>
-            <a:pPr marL="432000" indent="-324000">
-              <a:spcBef>
-                <a:spcPts val="1417"/>
-              </a:spcBef>
-              <a:buClr>
-                <a:srgbClr val="000000"/>
-              </a:buClr>
-              <a:buSzPct val="45000"/>
-              <a:buFont typeface="Wingdings" charset="2"/>
-              <a:buChar char=""/>
-            </a:pPr>
-            <a:endParaRPr b="0" lang="en-US" sz="3200" spc="-1" strike="noStrike">
-              <a:latin typeface="Arial"/>
-            </a:endParaRPr>
-          </a:p>
-          <a:p>
-            <a:pPr marL="432000" indent="-324000">
-              <a:spcBef>
-                <a:spcPts val="1417"/>
-              </a:spcBef>
-              <a:buClr>
-                <a:srgbClr val="000000"/>
-              </a:buClr>
-              <a:buSzPct val="45000"/>
-              <a:buFont typeface="Wingdings" charset="2"/>
-              <a:buChar char=""/>
-            </a:pPr>
-            <a:r>
-              <a:rPr b="0" lang="en-US" sz="3200" spc="-1" strike="noStrike">
-                <a:latin typeface="Arial"/>
-              </a:rPr>
-              <a:t>https://forums.fast.ai/t/simplified-runningbatchnorm-in-lesson-11/56340</a:t>
-            </a:r>
-            <a:endParaRPr b="0" lang="en-US" sz="3200" spc="-1" strike="noStrike">
-              <a:latin typeface="Arial"/>
-            </a:endParaRPr>
-          </a:p>
-        </p:txBody>
-      </p:sp>
+        <p:style>
+          <a:lnRef idx="0"/>
+          <a:fillRef idx="0"/>
+          <a:effectRef idx="0"/>
+          <a:fontRef idx="minor"/>
+        </p:style>
+      </p:sp>
+      <p:sp>
+        <p:nvSpPr>
+          <p:cNvPr id="205" name="CustomShape 3"/>
+          <p:cNvSpPr/>
+          <p:nvPr/>
+        </p:nvSpPr>
+        <p:spPr>
+          <a:xfrm>
+            <a:off x="4572000" y="1451160"/>
+            <a:ext cx="4570200" cy="3336480"/>
+          </a:xfrm>
+          <a:prstGeom prst="rect">
+            <a:avLst/>
+          </a:prstGeom>
+          <a:noFill/>
+          <a:ln>
+            <a:noFill/>
+          </a:ln>
+        </p:spPr>
+        <p:style>
+          <a:lnRef idx="0"/>
+          <a:fillRef idx="0"/>
+          <a:effectRef idx="0"/>
+          <a:fontRef idx="minor"/>
+        </p:style>
+      </p:sp>
+      <p:pic>
+        <p:nvPicPr>
+          <p:cNvPr id="206" name="" descr=""/>
+          <p:cNvPicPr/>
+          <p:nvPr/>
+        </p:nvPicPr>
+        <p:blipFill>
+          <a:blip r:embed="rId1"/>
+          <a:stretch/>
+        </p:blipFill>
+        <p:spPr>
+          <a:xfrm>
+            <a:off x="1469880" y="7560"/>
+            <a:ext cx="7184880" cy="5670000"/>
+          </a:xfrm>
+          <a:prstGeom prst="rect">
+            <a:avLst/>
+          </a:prstGeom>
+          <a:ln>
+            <a:noFill/>
+          </a:ln>
+        </p:spPr>
+      </p:pic>
     </p:spTree>
   </p:cSld>
   <mc:AlternateContent>
@@ -5946,14 +9302,14 @@
       </p:grpSpPr>
       <p:sp>
         <p:nvSpPr>
-          <p:cNvPr id="127" name="TextShape 1"/>
-          <p:cNvSpPr txBox="1"/>
+          <p:cNvPr id="207" name="CustomShape 1"/>
+          <p:cNvSpPr/>
           <p:nvPr/>
         </p:nvSpPr>
         <p:spPr>
           <a:xfrm>
-            <a:off x="504000" y="226080"/>
-            <a:ext cx="9072000" cy="946440"/>
+            <a:off x="504000" y="272160"/>
+            <a:ext cx="9071640" cy="853920"/>
           </a:xfrm>
           <a:prstGeom prst="rect">
             <a:avLst/>
@@ -5963,33 +9319,51 @@
             <a:noFill/>
           </a:ln>
         </p:spPr>
+        <p:style>
+          <a:lnRef idx="0"/>
+          <a:fillRef idx="0"/>
+          <a:effectRef idx="0"/>
+          <a:fontRef idx="minor"/>
+        </p:style>
         <p:txBody>
           <a:bodyPr lIns="0" rIns="0" tIns="0" bIns="0" anchor="ctr">
             <a:spAutoFit/>
           </a:bodyPr>
           <a:p>
+            <a:pPr>
+              <a:lnSpc>
+                <a:spcPct val="100000"/>
+              </a:lnSpc>
+            </a:pPr>
             <a:r>
-              <a:rPr b="0" lang="en-US" sz="4400" spc="-1" strike="noStrike">
+              <a:rPr b="0" lang="en-US" sz="2800" spc="-1" strike="noStrike">
                 <a:latin typeface="Arial"/>
               </a:rPr>
-              <a:t>LSUV Implementation Question:</a:t>
+              <a:t>Fastai Forum post re: Simplified RunningBatchNorm</a:t>
             </a:r>
-            <a:endParaRPr b="0" lang="en-US" sz="4400" spc="-1" strike="noStrike">
-              <a:latin typeface="Arial"/>
-            </a:endParaRPr>
-          </a:p>
-        </p:txBody>
-      </p:sp>
-      <p:sp>
-        <p:nvSpPr>
-          <p:cNvPr id="128" name="TextShape 2"/>
-          <p:cNvSpPr txBox="1"/>
+            <a:br/>
+            <a:r>
+              <a:rPr b="0" lang="en-US" sz="2800" spc="-1" strike="noStrike">
+                <a:latin typeface="Arial"/>
+              </a:rPr>
+              <a:t> in Lesson 11</a:t>
+            </a:r>
+            <a:endParaRPr b="0" lang="en-US" sz="2800" spc="-1" strike="noStrike">
+              <a:latin typeface="Arial"/>
+            </a:endParaRPr>
+          </a:p>
+        </p:txBody>
+      </p:sp>
+      <p:sp>
+        <p:nvSpPr>
+          <p:cNvPr id="208" name="CustomShape 2"/>
+          <p:cNvSpPr/>
           <p:nvPr/>
         </p:nvSpPr>
         <p:spPr>
           <a:xfrm>
-            <a:off x="504000" y="1326600"/>
-            <a:ext cx="9102600" cy="3823560"/>
+            <a:off x="504000" y="1324440"/>
+            <a:ext cx="9071640" cy="3288240"/>
           </a:xfrm>
           <a:prstGeom prst="rect">
             <a:avLst/>
@@ -5999,12 +9373,34 @@
             <a:noFill/>
           </a:ln>
         </p:spPr>
-        <p:txBody>
-          <a:bodyPr lIns="0" rIns="0" tIns="0" bIns="0">
-            <a:normAutofit fontScale="40000"/>
-          </a:bodyPr>
-          <a:p>
-            <a:pPr marL="432000" indent="-324000">
+        <p:style>
+          <a:lnRef idx="0"/>
+          <a:fillRef idx="0"/>
+          <a:effectRef idx="0"/>
+          <a:fontRef idx="minor"/>
+        </p:style>
+        <p:txBody>
+          <a:bodyPr lIns="0" rIns="0" tIns="0" bIns="0">
+            <a:normAutofit/>
+          </a:bodyPr>
+          <a:p>
+            <a:pPr>
+              <a:lnSpc>
+                <a:spcPct val="100000"/>
+              </a:lnSpc>
+              <a:spcBef>
+                <a:spcPts val="1417"/>
+              </a:spcBef>
+            </a:pPr>
+            <a:endParaRPr b="0" lang="en-US" sz="1800" spc="-1" strike="noStrike">
+              <a:latin typeface="Arial"/>
+            </a:endParaRPr>
+          </a:p>
+          <a:p>
+            <a:pPr marL="432000" indent="-323640">
+              <a:lnSpc>
+                <a:spcPct val="100000"/>
+              </a:lnSpc>
               <a:spcBef>
                 <a:spcPts val="1417"/>
               </a:spcBef>
@@ -6019,51 +9415,7 @@
               <a:rPr b="0" lang="en-US" sz="3200" spc="-1" strike="noStrike">
                 <a:latin typeface="Arial"/>
               </a:rPr>
-              <a:t>In the paper “All you need is a good init” the authors say that their Algorithm 1 is intended to follow a certain orthonormal initialization procedure: “We thus extend the orthonormal initialization Saxe et al. (2014) to an iterative procedure, described in Algorithm 1. Saxe et al. (2014) could be implemented in two steps. First, fill the weights with Gaussian noise with unit variance. Second, decompose them to orthonormal basis with QR or SVD decomposition and replace weights with one of the components.”</a:t>
-            </a:r>
-            <a:endParaRPr b="0" lang="en-US" sz="3200" spc="-1" strike="noStrike">
-              <a:latin typeface="Arial"/>
-            </a:endParaRPr>
-          </a:p>
-          <a:p>
-            <a:pPr marL="432000" indent="-324000">
-              <a:spcBef>
-                <a:spcPts val="1417"/>
-              </a:spcBef>
-              <a:buClr>
-                <a:srgbClr val="000000"/>
-              </a:buClr>
-              <a:buSzPct val="45000"/>
-              <a:buFont typeface="Wingdings" charset="2"/>
-              <a:buChar char=""/>
-            </a:pPr>
-            <a:r>
-              <a:rPr b="0" lang="en-US" sz="3200" spc="-1" strike="noStrike">
-                <a:latin typeface="Arial"/>
-              </a:rPr>
-              <a:t>Question @Sylvain, @stas or anyone else who knows: why did Fastai omit the Saxe et al. (2014) orthonormal initialization procedure?</a:t>
-            </a:r>
-            <a:endParaRPr b="0" lang="en-US" sz="3200" spc="-1" strike="noStrike">
-              <a:latin typeface="Arial"/>
-            </a:endParaRPr>
-          </a:p>
-          <a:p>
-            <a:pPr marL="432000" indent="-324000">
-              <a:spcBef>
-                <a:spcPts val="1417"/>
-              </a:spcBef>
-              <a:buClr>
-                <a:srgbClr val="000000"/>
-              </a:buClr>
-              <a:buSzPct val="45000"/>
-              <a:buFont typeface="Wingdings" charset="2"/>
-              <a:buChar char=""/>
-            </a:pPr>
-            <a:r>
-              <a:rPr b="0" lang="en-US" sz="3200" spc="-1" strike="noStrike">
-                <a:latin typeface="Arial"/>
-              </a:rPr>
-              <a:t>https://forums.fast.ai/t/lesson-11-discussion-and-wiki/43406/366</a:t>
+              <a:t>https://forums.fast.ai/t/simplified-runningbatchnorm-in-lesson-11/56340</a:t>
             </a:r>
             <a:endParaRPr b="0" lang="en-US" sz="3200" spc="-1" strike="noStrike">
               <a:latin typeface="Arial"/>
@@ -6103,14 +9455,14 @@
       </p:grpSpPr>
       <p:sp>
         <p:nvSpPr>
-          <p:cNvPr id="129" name="TextShape 1"/>
-          <p:cNvSpPr txBox="1"/>
+          <p:cNvPr id="209" name="CustomShape 1"/>
+          <p:cNvSpPr/>
           <p:nvPr/>
         </p:nvSpPr>
         <p:spPr>
           <a:xfrm>
-            <a:off x="504000" y="226080"/>
-            <a:ext cx="9072000" cy="946440"/>
+            <a:off x="504000" y="272160"/>
+            <a:ext cx="9071640" cy="853920"/>
           </a:xfrm>
           <a:prstGeom prst="rect">
             <a:avLst/>
@@ -6120,34 +9472,51 @@
             <a:noFill/>
           </a:ln>
         </p:spPr>
+        <p:style>
+          <a:lnRef idx="0"/>
+          <a:fillRef idx="0"/>
+          <a:effectRef idx="0"/>
+          <a:fontRef idx="minor"/>
+        </p:style>
         <p:txBody>
           <a:bodyPr lIns="0" rIns="0" tIns="0" bIns="0" anchor="ctr">
             <a:spAutoFit/>
           </a:bodyPr>
           <a:p>
-            <a:pPr algn="ctr"/>
+            <a:pPr>
+              <a:lnSpc>
+                <a:spcPct val="100000"/>
+              </a:lnSpc>
+            </a:pPr>
             <a:r>
-              <a:rPr b="0" lang="en-US" sz="3200" spc="-1" strike="noStrike">
+              <a:rPr b="0" lang="en-US" sz="2800" spc="-1" strike="noStrike">
                 <a:latin typeface="Arial"/>
               </a:rPr>
-              <a:t>A minor tweak that fixes the LSUV algorithm normalization</a:t>
+              <a:t>Fastai Forum post: </a:t>
             </a:r>
-            <a:endParaRPr b="0" lang="en-US" sz="3200" spc="-1" strike="noStrike">
-              <a:latin typeface="Arial"/>
-            </a:endParaRPr>
-          </a:p>
-        </p:txBody>
-      </p:sp>
-      <p:sp>
-        <p:nvSpPr>
-          <p:cNvPr id="130" name="TextShape 2"/>
-          <p:cNvSpPr txBox="1"/>
+            <a:br/>
+            <a:r>
+              <a:rPr b="0" lang="en-US" sz="2800" spc="-1" strike="noStrike">
+                <a:latin typeface="Arial"/>
+              </a:rPr>
+              <a:t>Question on the Implementation of LSUV</a:t>
+            </a:r>
+            <a:endParaRPr b="0" lang="en-US" sz="2800" spc="-1" strike="noStrike">
+              <a:latin typeface="Arial"/>
+            </a:endParaRPr>
+          </a:p>
+        </p:txBody>
+      </p:sp>
+      <p:sp>
+        <p:nvSpPr>
+          <p:cNvPr id="210" name="CustomShape 2"/>
+          <p:cNvSpPr/>
           <p:nvPr/>
         </p:nvSpPr>
         <p:spPr>
           <a:xfrm>
             <a:off x="504000" y="1326600"/>
-            <a:ext cx="9072000" cy="3288600"/>
+            <a:ext cx="9102240" cy="3823200"/>
           </a:xfrm>
           <a:prstGeom prst="rect">
             <a:avLst/>
@@ -6157,12 +9526,21 @@
             <a:noFill/>
           </a:ln>
         </p:spPr>
-        <p:txBody>
-          <a:bodyPr lIns="0" rIns="0" tIns="0" bIns="0">
-            <a:normAutofit/>
-          </a:bodyPr>
-          <a:p>
-            <a:pPr marL="432000" indent="-324000">
+        <p:style>
+          <a:lnRef idx="0"/>
+          <a:fillRef idx="0"/>
+          <a:effectRef idx="0"/>
+          <a:fontRef idx="minor"/>
+        </p:style>
+        <p:txBody>
+          <a:bodyPr lIns="0" rIns="0" tIns="0" bIns="0">
+            <a:normAutofit fontScale="31000"/>
+          </a:bodyPr>
+          <a:p>
+            <a:pPr marL="432000" indent="-323640">
+              <a:lnSpc>
+                <a:spcPct val="100000"/>
+              </a:lnSpc>
               <a:spcBef>
                 <a:spcPts val="1417"/>
               </a:spcBef>
@@ -6177,7 +9555,57 @@
               <a:rPr b="0" lang="en-US" sz="3200" spc="-1" strike="noStrike">
                 <a:latin typeface="Arial"/>
               </a:rPr>
-              <a:t>https://forums.fast.ai/t/lesson-11-discussion-and-wiki/43406/365</a:t>
+              <a:t>In the paper “All you need is a good init” the authors say that their Algorithm 1 is intended to follow a certain orthonormal initialization procedure: “We thus extend the orthonormal initialization Saxe et al. (2014) to an iterative procedure, described in Algorithm 1. Saxe et al. (2014) could be implemented in two steps. First, fill the weights with Gaussian noise with unit variance. Second, decompose them to orthonormal basis with QR or SVD decomposition and replace weights with one of the components.”</a:t>
+            </a:r>
+            <a:endParaRPr b="0" lang="en-US" sz="3200" spc="-1" strike="noStrike">
+              <a:latin typeface="Arial"/>
+            </a:endParaRPr>
+          </a:p>
+          <a:p>
+            <a:pPr marL="432000" indent="-323640">
+              <a:lnSpc>
+                <a:spcPct val="100000"/>
+              </a:lnSpc>
+              <a:spcBef>
+                <a:spcPts val="1417"/>
+              </a:spcBef>
+              <a:buClr>
+                <a:srgbClr val="000000"/>
+              </a:buClr>
+              <a:buSzPct val="45000"/>
+              <a:buFont typeface="Wingdings" charset="2"/>
+              <a:buChar char=""/>
+            </a:pPr>
+            <a:r>
+              <a:rPr b="0" lang="en-US" sz="3200" spc="-1" strike="noStrike">
+                <a:latin typeface="Arial"/>
+              </a:rPr>
+              <a:t>Question @Sylvain, @stas or anyone else who knows: why did Fastai omit the Saxe et al. (2014) orthonormal initialization procedure?</a:t>
+            </a:r>
+            <a:endParaRPr b="0" lang="en-US" sz="3200" spc="-1" strike="noStrike">
+              <a:latin typeface="Arial"/>
+            </a:endParaRPr>
+          </a:p>
+          <a:p>
+            <a:pPr marL="432000" indent="-323640">
+              <a:lnSpc>
+                <a:spcPct val="100000"/>
+              </a:lnSpc>
+              <a:spcBef>
+                <a:spcPts val="1417"/>
+              </a:spcBef>
+              <a:buClr>
+                <a:srgbClr val="000000"/>
+              </a:buClr>
+              <a:buSzPct val="45000"/>
+              <a:buFont typeface="Wingdings" charset="2"/>
+              <a:buChar char=""/>
+            </a:pPr>
+            <a:r>
+              <a:rPr b="0" lang="en-US" sz="3200" spc="-1" strike="noStrike">
+                <a:latin typeface="Arial"/>
+              </a:rPr>
+              <a:t>https://forums.fast.ai/t/lesson-11-discussion-and-wiki/43406/366</a:t>
             </a:r>
             <a:endParaRPr b="0" lang="en-US" sz="3200" spc="-1" strike="noStrike">
               <a:latin typeface="Arial"/>
@@ -6217,14 +9645,14 @@
       </p:grpSpPr>
       <p:sp>
         <p:nvSpPr>
-          <p:cNvPr id="131" name="CustomShape 1"/>
+          <p:cNvPr id="211" name="CustomShape 1"/>
           <p:cNvSpPr/>
           <p:nvPr/>
         </p:nvSpPr>
         <p:spPr>
           <a:xfrm>
-            <a:off x="504000" y="210600"/>
-            <a:ext cx="7017120" cy="945360"/>
+            <a:off x="504000" y="212040"/>
+            <a:ext cx="9071640" cy="974160"/>
           </a:xfrm>
           <a:prstGeom prst="rect">
             <a:avLst/>
@@ -6240,17 +9668,38 @@
           <a:effectRef idx="0"/>
           <a:fontRef idx="minor"/>
         </p:style>
-      </p:sp>
-      <p:sp>
-        <p:nvSpPr>
-          <p:cNvPr id="132" name="CustomShape 2"/>
+        <p:txBody>
+          <a:bodyPr lIns="0" rIns="0" tIns="0" bIns="0" anchor="ctr">
+            <a:spAutoFit/>
+          </a:bodyPr>
+          <a:p>
+            <a:pPr algn="ctr">
+              <a:lnSpc>
+                <a:spcPct val="100000"/>
+              </a:lnSpc>
+            </a:pPr>
+            <a:r>
+              <a:rPr b="0" lang="en-US" sz="3200" spc="-1" strike="noStrike">
+                <a:latin typeface="Arial"/>
+              </a:rPr>
+              <a:t>Note on a minor tweak that ‘fixes’ the LSUV normalization algorithm</a:t>
+            </a:r>
+            <a:endParaRPr b="0" lang="en-US" sz="3200" spc="-1" strike="noStrike">
+              <a:latin typeface="Arial"/>
+            </a:endParaRPr>
+          </a:p>
+        </p:txBody>
+      </p:sp>
+      <p:sp>
+        <p:nvSpPr>
+          <p:cNvPr id="212" name="CustomShape 2"/>
           <p:cNvSpPr/>
           <p:nvPr/>
         </p:nvSpPr>
         <p:spPr>
           <a:xfrm>
-            <a:off x="542880" y="1342440"/>
-            <a:ext cx="3514320" cy="3204720"/>
+            <a:off x="504000" y="1326600"/>
+            <a:ext cx="9071640" cy="3288240"/>
           </a:xfrm>
           <a:prstGeom prst="rect">
             <a:avLst/>
@@ -6266,56 +9715,37 @@
           <a:effectRef idx="0"/>
           <a:fontRef idx="minor"/>
         </p:style>
-      </p:sp>
-      <p:sp>
-        <p:nvSpPr>
-          <p:cNvPr id="133" name="CustomShape 3"/>
-          <p:cNvSpPr/>
-          <p:nvPr/>
-        </p:nvSpPr>
-        <p:spPr>
-          <a:xfrm>
-            <a:off x="4572000" y="1451160"/>
-            <a:ext cx="4570560" cy="3336840"/>
-          </a:xfrm>
-          <a:prstGeom prst="rect">
-            <a:avLst/>
-          </a:prstGeom>
-          <a:noFill/>
-          <a:ln>
-            <a:noFill/>
-          </a:ln>
-        </p:spPr>
-        <p:style>
-          <a:lnRef idx="0"/>
-          <a:fillRef idx="0"/>
-          <a:effectRef idx="0"/>
-          <a:fontRef idx="minor"/>
-        </p:style>
-      </p:sp>
-      <p:pic>
-        <p:nvPicPr>
-          <p:cNvPr id="134" name="" descr=""/>
-          <p:cNvPicPr/>
-          <p:nvPr/>
-        </p:nvPicPr>
-        <p:blipFill>
-          <a:blip r:embed="rId1"/>
-          <a:stretch/>
-        </p:blipFill>
-        <p:spPr>
-          <a:xfrm>
-            <a:off x="1469880" y="7560"/>
-            <a:ext cx="7185240" cy="5670360"/>
-          </a:xfrm>
-          <a:prstGeom prst="rect">
-            <a:avLst/>
-          </a:prstGeom>
-          <a:ln>
-            <a:noFill/>
-          </a:ln>
-        </p:spPr>
-      </p:pic>
+        <p:txBody>
+          <a:bodyPr lIns="0" rIns="0" tIns="0" bIns="0">
+            <a:normAutofit/>
+          </a:bodyPr>
+          <a:p>
+            <a:pPr marL="432000" indent="-323640">
+              <a:lnSpc>
+                <a:spcPct val="100000"/>
+              </a:lnSpc>
+              <a:spcBef>
+                <a:spcPts val="1417"/>
+              </a:spcBef>
+              <a:buClr>
+                <a:srgbClr val="000000"/>
+              </a:buClr>
+              <a:buSzPct val="45000"/>
+              <a:buFont typeface="Wingdings" charset="2"/>
+              <a:buChar char=""/>
+            </a:pPr>
+            <a:r>
+              <a:rPr b="0" lang="en-US" sz="3200" spc="-1" strike="noStrike">
+                <a:latin typeface="Arial"/>
+              </a:rPr>
+              <a:t>https://forums.fast.ai/t/lesson-11-discussion-and-wiki/43406/365</a:t>
+            </a:r>
+            <a:endParaRPr b="0" lang="en-US" sz="3200" spc="-1" strike="noStrike">
+              <a:latin typeface="Arial"/>
+            </a:endParaRPr>
+          </a:p>
+        </p:txBody>
+      </p:sp>
     </p:spTree>
   </p:cSld>
   <mc:AlternateContent>
@@ -6348,14 +9778,14 @@
       </p:grpSpPr>
       <p:sp>
         <p:nvSpPr>
-          <p:cNvPr id="135" name="TextShape 1"/>
-          <p:cNvSpPr txBox="1"/>
+          <p:cNvPr id="213" name="CustomShape 1"/>
+          <p:cNvSpPr/>
           <p:nvPr/>
         </p:nvSpPr>
         <p:spPr>
           <a:xfrm>
-            <a:off x="504000" y="210600"/>
-            <a:ext cx="7017120" cy="946800"/>
+            <a:off x="504000" y="196920"/>
+            <a:ext cx="7016760" cy="974160"/>
           </a:xfrm>
           <a:prstGeom prst="rect">
             <a:avLst/>
@@ -6365,12 +9795,22 @@
             <a:noFill/>
           </a:ln>
         </p:spPr>
+        <p:style>
+          <a:lnRef idx="0"/>
+          <a:fillRef idx="0"/>
+          <a:effectRef idx="0"/>
+          <a:fontRef idx="minor"/>
+        </p:style>
         <p:txBody>
           <a:bodyPr lIns="0" rIns="0" tIns="0" bIns="0" anchor="ctr">
             <a:spAutoFit/>
           </a:bodyPr>
           <a:p>
-            <a:pPr algn="ctr"/>
+            <a:pPr algn="ctr">
+              <a:lnSpc>
+                <a:spcPct val="100000"/>
+              </a:lnSpc>
+            </a:pPr>
             <a:r>
               <a:rPr b="0" lang="en-US" sz="3200" spc="-1" strike="noStrike">
                 <a:latin typeface="Arial"/>
@@ -6385,14 +9825,14 @@
       </p:sp>
       <p:sp>
         <p:nvSpPr>
-          <p:cNvPr id="136" name="TextShape 2"/>
-          <p:cNvSpPr txBox="1"/>
+          <p:cNvPr id="214" name="CustomShape 2"/>
+          <p:cNvSpPr/>
           <p:nvPr/>
         </p:nvSpPr>
         <p:spPr>
           <a:xfrm>
             <a:off x="319680" y="1480680"/>
-            <a:ext cx="8252640" cy="2791800"/>
+            <a:ext cx="8252280" cy="2791440"/>
           </a:xfrm>
           <a:prstGeom prst="rect">
             <a:avLst/>
@@ -6402,12 +9842,21 @@
             <a:noFill/>
           </a:ln>
         </p:spPr>
+        <p:style>
+          <a:lnRef idx="0"/>
+          <a:fillRef idx="0"/>
+          <a:effectRef idx="0"/>
+          <a:fontRef idx="minor"/>
+        </p:style>
         <p:txBody>
           <a:bodyPr lIns="0" rIns="0" tIns="0" bIns="0">
             <a:normAutofit/>
           </a:bodyPr>
           <a:p>
-            <a:pPr marL="432000" indent="-324000">
+            <a:pPr marL="432000" indent="-323640">
+              <a:lnSpc>
+                <a:spcPct val="100000"/>
+              </a:lnSpc>
               <a:spcBef>
                 <a:spcPts val="1417"/>
               </a:spcBef>
@@ -7110,4 +10559,450 @@
     </a:fmtScheme>
   </a:themeElements>
 </a:theme>
+</file>
+
+<file path=ppt/theme/theme4.xml><?xml version="1.0" encoding="utf-8"?>
+<a:theme xmlns:a="http://schemas.openxmlformats.org/drawingml/2006/main" name="Office Theme">
+  <a:themeElements>
+    <a:clrScheme name="Office">
+      <a:dk1>
+        <a:sysClr val="windowText" lastClr="000000"/>
+      </a:dk1>
+      <a:lt1>
+        <a:sysClr val="window" lastClr="FFFFFF"/>
+      </a:lt1>
+      <a:dk2>
+        <a:srgbClr val="1f497d"/>
+      </a:dk2>
+      <a:lt2>
+        <a:srgbClr val="eeece1"/>
+      </a:lt2>
+      <a:accent1>
+        <a:srgbClr val="4f81bd"/>
+      </a:accent1>
+      <a:accent2>
+        <a:srgbClr val="c0504d"/>
+      </a:accent2>
+      <a:accent3>
+        <a:srgbClr val="9bbb59"/>
+      </a:accent3>
+      <a:accent4>
+        <a:srgbClr val="8064a2"/>
+      </a:accent4>
+      <a:accent5>
+        <a:srgbClr val="4bacc6"/>
+      </a:accent5>
+      <a:accent6>
+        <a:srgbClr val="f79646"/>
+      </a:accent6>
+      <a:hlink>
+        <a:srgbClr val="0000ff"/>
+      </a:hlink>
+      <a:folHlink>
+        <a:srgbClr val="800080"/>
+      </a:folHlink>
+    </a:clrScheme>
+    <a:fontScheme name="Office">
+      <a:majorFont>
+        <a:latin typeface="Arial"/>
+        <a:ea typeface="DejaVu Sans"/>
+        <a:cs typeface="DejaVu Sans"/>
+      </a:majorFont>
+      <a:minorFont>
+        <a:latin typeface="Arial"/>
+        <a:ea typeface="DejaVu Sans"/>
+        <a:cs typeface="DejaVu Sans"/>
+      </a:minorFont>
+    </a:fontScheme>
+    <a:fmtScheme name="Office">
+      <a:fillStyleLst>
+        <a:solidFill>
+          <a:schemeClr val="phClr"/>
+        </a:solidFill>
+        <a:gradFill rotWithShape="1">
+          <a:gsLst>
+            <a:gs pos="0">
+              <a:schemeClr val="phClr">
+                <a:tint val="50000"/>
+                <a:satMod val="300000"/>
+              </a:schemeClr>
+            </a:gs>
+            <a:gs pos="35000">
+              <a:schemeClr val="phClr">
+                <a:tint val="37000"/>
+                <a:satMod val="300000"/>
+              </a:schemeClr>
+            </a:gs>
+            <a:gs pos="100000">
+              <a:schemeClr val="phClr">
+                <a:tint val="15000"/>
+                <a:satMod val="350000"/>
+              </a:schemeClr>
+            </a:gs>
+          </a:gsLst>
+          <a:lin ang="16200000" scaled="1"/>
+        </a:gradFill>
+        <a:gradFill rotWithShape="1">
+          <a:gsLst>
+            <a:gs pos="0">
+              <a:schemeClr val="phClr">
+                <a:shade val="51000"/>
+                <a:satMod val="130000"/>
+              </a:schemeClr>
+            </a:gs>
+            <a:gs pos="80000">
+              <a:schemeClr val="phClr">
+                <a:shade val="93000"/>
+                <a:satMod val="130000"/>
+              </a:schemeClr>
+            </a:gs>
+            <a:gs pos="100000">
+              <a:schemeClr val="phClr">
+                <a:shade val="94000"/>
+                <a:satMod val="135000"/>
+              </a:schemeClr>
+            </a:gs>
+          </a:gsLst>
+          <a:lin ang="16200000" scaled="0"/>
+        </a:gradFill>
+      </a:fillStyleLst>
+      <a:lnStyleLst>
+        <a:ln w="9525" cap="flat" cmpd="sng" algn="ctr">
+          <a:solidFill>
+            <a:schemeClr val="phClr">
+              <a:shade val="95000"/>
+              <a:satMod val="105000"/>
+            </a:schemeClr>
+          </a:solidFill>
+          <a:prstDash val="solid"/>
+        </a:ln>
+        <a:ln w="25400" cap="flat" cmpd="sng" algn="ctr">
+          <a:solidFill>
+            <a:schemeClr val="phClr"/>
+          </a:solidFill>
+          <a:prstDash val="solid"/>
+        </a:ln>
+        <a:ln w="38100" cap="flat" cmpd="sng" algn="ctr">
+          <a:solidFill>
+            <a:schemeClr val="phClr"/>
+          </a:solidFill>
+          <a:prstDash val="solid"/>
+        </a:ln>
+      </a:lnStyleLst>
+      <a:effectStyleLst>
+        <a:effectStyle>
+          <a:effectLst>
+            <a:outerShdw blurRad="40000" dist="20000" dir="5400000" rotWithShape="0">
+              <a:srgbClr val="000000">
+                <a:alpha val="38000"/>
+              </a:srgbClr>
+            </a:outerShdw>
+          </a:effectLst>
+        </a:effectStyle>
+        <a:effectStyle>
+          <a:effectLst>
+            <a:outerShdw blurRad="40000" dist="23000" dir="5400000" rotWithShape="0">
+              <a:srgbClr val="000000">
+                <a:alpha val="35000"/>
+              </a:srgbClr>
+            </a:outerShdw>
+          </a:effectLst>
+        </a:effectStyle>
+        <a:effectStyle>
+          <a:effectLst>
+            <a:outerShdw blurRad="40000" dist="23000" dir="5400000" rotWithShape="0">
+              <a:srgbClr val="000000">
+                <a:alpha val="35000"/>
+              </a:srgbClr>
+            </a:outerShdw>
+          </a:effectLst>
+          <a:scene3d>
+            <a:camera prst="orthographicFront">
+              <a:rot lat="0" lon="0" rev="0"/>
+            </a:camera>
+            <a:lightRig rig="threePt" dir="t">
+              <a:rot lat="0" lon="0" rev="1200000"/>
+            </a:lightRig>
+          </a:scene3d>
+          <a:sp3d>
+            <a:bevelT w="63500" h="25400"/>
+          </a:sp3d>
+        </a:effectStyle>
+      </a:effectStyleLst>
+      <a:bgFillStyleLst>
+        <a:solidFill>
+          <a:schemeClr val="phClr"/>
+        </a:solidFill>
+        <a:gradFill rotWithShape="1">
+          <a:gsLst>
+            <a:gs pos="0">
+              <a:schemeClr val="phClr">
+                <a:tint val="40000"/>
+                <a:satMod val="350000"/>
+              </a:schemeClr>
+            </a:gs>
+            <a:gs pos="40000">
+              <a:schemeClr val="phClr">
+                <a:tint val="45000"/>
+                <a:shade val="99000"/>
+                <a:satMod val="350000"/>
+              </a:schemeClr>
+            </a:gs>
+            <a:gs pos="100000">
+              <a:schemeClr val="phClr">
+                <a:shade val="20000"/>
+                <a:satMod val="255000"/>
+              </a:schemeClr>
+            </a:gs>
+          </a:gsLst>
+          <a:path path="circle">
+            <a:fillToRect l="50000" t="-80000" r="50000" b="180000"/>
+          </a:path>
+        </a:gradFill>
+        <a:gradFill rotWithShape="1">
+          <a:gsLst>
+            <a:gs pos="0">
+              <a:schemeClr val="phClr">
+                <a:tint val="80000"/>
+                <a:satMod val="300000"/>
+              </a:schemeClr>
+            </a:gs>
+            <a:gs pos="100000">
+              <a:schemeClr val="phClr">
+                <a:shade val="30000"/>
+                <a:satMod val="200000"/>
+              </a:schemeClr>
+            </a:gs>
+          </a:gsLst>
+          <a:path path="circle">
+            <a:fillToRect l="50000" t="50000" r="50000" b="50000"/>
+          </a:path>
+        </a:gradFill>
+      </a:bgFillStyleLst>
+    </a:fmtScheme>
+  </a:themeElements>
+</a:theme>
+</file>
+
+<file path=ppt/theme/theme5.xml><?xml version="1.0" encoding="utf-8"?>
+<a:theme xmlns:a="http://schemas.openxmlformats.org/drawingml/2006/main" name="Office Theme">
+  <a:themeElements>
+    <a:clrScheme name="Office">
+      <a:dk1>
+        <a:sysClr val="windowText" lastClr="000000"/>
+      </a:dk1>
+      <a:lt1>
+        <a:sysClr val="window" lastClr="FFFFFF"/>
+      </a:lt1>
+      <a:dk2>
+        <a:srgbClr val="1f497d"/>
+      </a:dk2>
+      <a:lt2>
+        <a:srgbClr val="eeece1"/>
+      </a:lt2>
+      <a:accent1>
+        <a:srgbClr val="4f81bd"/>
+      </a:accent1>
+      <a:accent2>
+        <a:srgbClr val="c0504d"/>
+      </a:accent2>
+      <a:accent3>
+        <a:srgbClr val="9bbb59"/>
+      </a:accent3>
+      <a:accent4>
+        <a:srgbClr val="8064a2"/>
+      </a:accent4>
+      <a:accent5>
+        <a:srgbClr val="4bacc6"/>
+      </a:accent5>
+      <a:accent6>
+        <a:srgbClr val="f79646"/>
+      </a:accent6>
+      <a:hlink>
+        <a:srgbClr val="0000ff"/>
+      </a:hlink>
+      <a:folHlink>
+        <a:srgbClr val="800080"/>
+      </a:folHlink>
+    </a:clrScheme>
+    <a:fontScheme name="Office">
+      <a:majorFont>
+        <a:latin typeface="Arial"/>
+        <a:ea typeface="DejaVu Sans"/>
+        <a:cs typeface="DejaVu Sans"/>
+      </a:majorFont>
+      <a:minorFont>
+        <a:latin typeface="Arial"/>
+        <a:ea typeface="DejaVu Sans"/>
+        <a:cs typeface="DejaVu Sans"/>
+      </a:minorFont>
+    </a:fontScheme>
+    <a:fmtScheme name="Office">
+      <a:fillStyleLst>
+        <a:solidFill>
+          <a:schemeClr val="phClr"/>
+        </a:solidFill>
+        <a:gradFill rotWithShape="1">
+          <a:gsLst>
+            <a:gs pos="0">
+              <a:schemeClr val="phClr">
+                <a:tint val="50000"/>
+                <a:satMod val="300000"/>
+              </a:schemeClr>
+            </a:gs>
+            <a:gs pos="35000">
+              <a:schemeClr val="phClr">
+                <a:tint val="37000"/>
+                <a:satMod val="300000"/>
+              </a:schemeClr>
+            </a:gs>
+            <a:gs pos="100000">
+              <a:schemeClr val="phClr">
+                <a:tint val="15000"/>
+                <a:satMod val="350000"/>
+              </a:schemeClr>
+            </a:gs>
+          </a:gsLst>
+          <a:lin ang="16200000" scaled="1"/>
+        </a:gradFill>
+        <a:gradFill rotWithShape="1">
+          <a:gsLst>
+            <a:gs pos="0">
+              <a:schemeClr val="phClr">
+                <a:shade val="51000"/>
+                <a:satMod val="130000"/>
+              </a:schemeClr>
+            </a:gs>
+            <a:gs pos="80000">
+              <a:schemeClr val="phClr">
+                <a:shade val="93000"/>
+                <a:satMod val="130000"/>
+              </a:schemeClr>
+            </a:gs>
+            <a:gs pos="100000">
+              <a:schemeClr val="phClr">
+                <a:shade val="94000"/>
+                <a:satMod val="135000"/>
+              </a:schemeClr>
+            </a:gs>
+          </a:gsLst>
+          <a:lin ang="16200000" scaled="0"/>
+        </a:gradFill>
+      </a:fillStyleLst>
+      <a:lnStyleLst>
+        <a:ln w="9525" cap="flat" cmpd="sng" algn="ctr">
+          <a:solidFill>
+            <a:schemeClr val="phClr">
+              <a:shade val="95000"/>
+              <a:satMod val="105000"/>
+            </a:schemeClr>
+          </a:solidFill>
+          <a:prstDash val="solid"/>
+        </a:ln>
+        <a:ln w="25400" cap="flat" cmpd="sng" algn="ctr">
+          <a:solidFill>
+            <a:schemeClr val="phClr"/>
+          </a:solidFill>
+          <a:prstDash val="solid"/>
+        </a:ln>
+        <a:ln w="38100" cap="flat" cmpd="sng" algn="ctr">
+          <a:solidFill>
+            <a:schemeClr val="phClr"/>
+          </a:solidFill>
+          <a:prstDash val="solid"/>
+        </a:ln>
+      </a:lnStyleLst>
+      <a:effectStyleLst>
+        <a:effectStyle>
+          <a:effectLst>
+            <a:outerShdw blurRad="40000" dist="20000" dir="5400000" rotWithShape="0">
+              <a:srgbClr val="000000">
+                <a:alpha val="38000"/>
+              </a:srgbClr>
+            </a:outerShdw>
+          </a:effectLst>
+        </a:effectStyle>
+        <a:effectStyle>
+          <a:effectLst>
+            <a:outerShdw blurRad="40000" dist="23000" dir="5400000" rotWithShape="0">
+              <a:srgbClr val="000000">
+                <a:alpha val="35000"/>
+              </a:srgbClr>
+            </a:outerShdw>
+          </a:effectLst>
+        </a:effectStyle>
+        <a:effectStyle>
+          <a:effectLst>
+            <a:outerShdw blurRad="40000" dist="23000" dir="5400000" rotWithShape="0">
+              <a:srgbClr val="000000">
+                <a:alpha val="35000"/>
+              </a:srgbClr>
+            </a:outerShdw>
+          </a:effectLst>
+          <a:scene3d>
+            <a:camera prst="orthographicFront">
+              <a:rot lat="0" lon="0" rev="0"/>
+            </a:camera>
+            <a:lightRig rig="threePt" dir="t">
+              <a:rot lat="0" lon="0" rev="1200000"/>
+            </a:lightRig>
+          </a:scene3d>
+          <a:sp3d>
+            <a:bevelT w="63500" h="25400"/>
+          </a:sp3d>
+        </a:effectStyle>
+      </a:effectStyleLst>
+      <a:bgFillStyleLst>
+        <a:solidFill>
+          <a:schemeClr val="phClr"/>
+        </a:solidFill>
+        <a:gradFill rotWithShape="1">
+          <a:gsLst>
+            <a:gs pos="0">
+              <a:schemeClr val="phClr">
+                <a:tint val="40000"/>
+                <a:satMod val="350000"/>
+              </a:schemeClr>
+            </a:gs>
+            <a:gs pos="40000">
+              <a:schemeClr val="phClr">
+                <a:tint val="45000"/>
+                <a:shade val="99000"/>
+                <a:satMod val="350000"/>
+              </a:schemeClr>
+            </a:gs>
+            <a:gs pos="100000">
+              <a:schemeClr val="phClr">
+                <a:shade val="20000"/>
+                <a:satMod val="255000"/>
+              </a:schemeClr>
+            </a:gs>
+          </a:gsLst>
+          <a:path path="circle">
+            <a:fillToRect l="50000" t="-80000" r="50000" b="180000"/>
+          </a:path>
+        </a:gradFill>
+        <a:gradFill rotWithShape="1">
+          <a:gsLst>
+            <a:gs pos="0">
+              <a:schemeClr val="phClr">
+                <a:tint val="80000"/>
+                <a:satMod val="300000"/>
+              </a:schemeClr>
+            </a:gs>
+            <a:gs pos="100000">
+              <a:schemeClr val="phClr">
+                <a:shade val="30000"/>
+                <a:satMod val="200000"/>
+              </a:schemeClr>
+            </a:gs>
+          </a:gsLst>
+          <a:path path="circle">
+            <a:fillToRect l="50000" t="50000" r="50000" b="50000"/>
+          </a:path>
+        </a:gradFill>
+      </a:bgFillStyleLst>
+    </a:fmtScheme>
+  </a:themeElements>
+</a:theme>
 </file>